--- a/Assignment3/מטלת סיום-מגי.pptx
+++ b/Assignment3/מטלת סיום-מגי.pptx
@@ -7,15 +7,17 @@
   </p:sldMasterIdLst>
   <p:sldIdLst>
     <p:sldId id="256" r:id="rId3"/>
-    <p:sldId id="257" r:id="rId4"/>
-    <p:sldId id="258" r:id="rId5"/>
-    <p:sldId id="259" r:id="rId6"/>
-    <p:sldId id="260" r:id="rId7"/>
-    <p:sldId id="261" r:id="rId8"/>
-    <p:sldId id="262" r:id="rId9"/>
-    <p:sldId id="263" r:id="rId10"/>
-    <p:sldId id="264" r:id="rId11"/>
-    <p:sldId id="265" r:id="rId12"/>
+    <p:sldId id="266" r:id="rId4"/>
+    <p:sldId id="257" r:id="rId5"/>
+    <p:sldId id="258" r:id="rId6"/>
+    <p:sldId id="259" r:id="rId7"/>
+    <p:sldId id="260" r:id="rId8"/>
+    <p:sldId id="261" r:id="rId9"/>
+    <p:sldId id="262" r:id="rId10"/>
+    <p:sldId id="263" r:id="rId11"/>
+    <p:sldId id="264" r:id="rId12"/>
+    <p:sldId id="265" r:id="rId13"/>
+    <p:sldId id="268" r:id="rId14"/>
   </p:sldIdLst>
   <p:sldSz cx="12192000" cy="6858000"/>
   <p:notesSz cx="6858000" cy="9144000"/>
@@ -269,7 +271,7 @@
           <a:p>
             <a:fld id="{0DAF61AA-5A98-4049-A93E-477E5505141A}" type="datetimeFigureOut">
               <a:rPr lang="en-US" smtClean="0"/>
-              <a:t>12/28/2020</a:t>
+              <a:t>1/2/2021</a:t>
             </a:fld>
             <a:endParaRPr lang="en-US" dirty="0"/>
           </a:p>
@@ -467,7 +469,7 @@
           <a:p>
             <a:fld id="{0DAF61AA-5A98-4049-A93E-477E5505141A}" type="datetimeFigureOut">
               <a:rPr lang="en-US" smtClean="0"/>
-              <a:t>12/28/2020</a:t>
+              <a:t>1/2/2021</a:t>
             </a:fld>
             <a:endParaRPr lang="en-US"/>
           </a:p>
@@ -675,7 +677,7 @@
           <a:p>
             <a:fld id="{0DAF61AA-5A98-4049-A93E-477E5505141A}" type="datetimeFigureOut">
               <a:rPr lang="en-US" smtClean="0"/>
-              <a:t>12/28/2020</a:t>
+              <a:t>1/2/2021</a:t>
             </a:fld>
             <a:endParaRPr lang="en-US"/>
           </a:p>
@@ -3095,7 +3097,7 @@
           <a:p>
             <a:fld id="{3C04E684-10F4-4CC3-A0B9-F03AA7BE37CF}" type="datetimeFigureOut">
               <a:rPr lang="en-US" smtClean="0"/>
-              <a:t>12/28/2020</a:t>
+              <a:t>1/2/2021</a:t>
             </a:fld>
             <a:endParaRPr lang="en-US"/>
           </a:p>
@@ -3832,7 +3834,7 @@
           <a:p>
             <a:fld id="{3C04E684-10F4-4CC3-A0B9-F03AA7BE37CF}" type="datetimeFigureOut">
               <a:rPr lang="en-US" smtClean="0"/>
-              <a:t>12/28/2020</a:t>
+              <a:t>1/2/2021</a:t>
             </a:fld>
             <a:endParaRPr lang="en-US"/>
           </a:p>
@@ -4474,7 +4476,7 @@
           <a:p>
             <a:fld id="{3C04E684-10F4-4CC3-A0B9-F03AA7BE37CF}" type="datetimeFigureOut">
               <a:rPr lang="en-US" smtClean="0"/>
-              <a:t>12/28/2020</a:t>
+              <a:t>1/2/2021</a:t>
             </a:fld>
             <a:endParaRPr lang="en-US"/>
           </a:p>
@@ -5274,7 +5276,7 @@
           <a:p>
             <a:fld id="{3C04E684-10F4-4CC3-A0B9-F03AA7BE37CF}" type="datetimeFigureOut">
               <a:rPr lang="en-US" smtClean="0"/>
-              <a:t>12/28/2020</a:t>
+              <a:t>1/2/2021</a:t>
             </a:fld>
             <a:endParaRPr lang="en-US"/>
           </a:p>
@@ -6225,7 +6227,7 @@
           <a:p>
             <a:fld id="{3C04E684-10F4-4CC3-A0B9-F03AA7BE37CF}" type="datetimeFigureOut">
               <a:rPr lang="en-US" smtClean="0"/>
-              <a:t>12/28/2020</a:t>
+              <a:t>1/2/2021</a:t>
             </a:fld>
             <a:endParaRPr lang="en-US"/>
           </a:p>
@@ -8574,7 +8576,7 @@
           <a:p>
             <a:fld id="{3C04E684-10F4-4CC3-A0B9-F03AA7BE37CF}" type="datetimeFigureOut">
               <a:rPr lang="en-US" smtClean="0"/>
-              <a:t>12/28/2020</a:t>
+              <a:t>1/2/2021</a:t>
             </a:fld>
             <a:endParaRPr lang="en-US"/>
           </a:p>
@@ -8687,7 +8689,7 @@
           <a:p>
             <a:fld id="{3C04E684-10F4-4CC3-A0B9-F03AA7BE37CF}" type="datetimeFigureOut">
               <a:rPr lang="en-US" smtClean="0"/>
-              <a:t>12/28/2020</a:t>
+              <a:t>1/2/2021</a:t>
             </a:fld>
             <a:endParaRPr lang="en-US"/>
           </a:p>
@@ -9194,7 +9196,7 @@
           <a:p>
             <a:fld id="{3C04E684-10F4-4CC3-A0B9-F03AA7BE37CF}" type="datetimeFigureOut">
               <a:rPr lang="en-US" smtClean="0"/>
-              <a:t>12/28/2020</a:t>
+              <a:t>1/2/2021</a:t>
             </a:fld>
             <a:endParaRPr lang="en-US"/>
           </a:p>
@@ -9392,7 +9394,7 @@
           <a:p>
             <a:fld id="{0DAF61AA-5A98-4049-A93E-477E5505141A}" type="datetimeFigureOut">
               <a:rPr lang="en-US" smtClean="0"/>
-              <a:t>12/28/2020</a:t>
+              <a:t>1/2/2021</a:t>
             </a:fld>
             <a:endParaRPr lang="en-US"/>
           </a:p>
@@ -10695,7 +10697,7 @@
           <a:p>
             <a:fld id="{3C04E684-10F4-4CC3-A0B9-F03AA7BE37CF}" type="datetimeFigureOut">
               <a:rPr lang="en-US" smtClean="0"/>
-              <a:t>12/28/2020</a:t>
+              <a:t>1/2/2021</a:t>
             </a:fld>
             <a:endParaRPr lang="en-US"/>
           </a:p>
@@ -13189,7 +13191,7 @@
           <a:p>
             <a:fld id="{3C04E684-10F4-4CC3-A0B9-F03AA7BE37CF}" type="datetimeFigureOut">
               <a:rPr lang="en-US" smtClean="0"/>
-              <a:t>12/28/2020</a:t>
+              <a:t>1/2/2021</a:t>
             </a:fld>
             <a:endParaRPr lang="en-US"/>
           </a:p>
@@ -13387,7 +13389,7 @@
           <a:p>
             <a:fld id="{3C04E684-10F4-4CC3-A0B9-F03AA7BE37CF}" type="datetimeFigureOut">
               <a:rPr lang="en-US" smtClean="0"/>
-              <a:t>12/28/2020</a:t>
+              <a:t>1/2/2021</a:t>
             </a:fld>
             <a:endParaRPr lang="en-US"/>
           </a:p>
@@ -13595,7 +13597,7 @@
           <a:p>
             <a:fld id="{3C04E684-10F4-4CC3-A0B9-F03AA7BE37CF}" type="datetimeFigureOut">
               <a:rPr lang="en-US" smtClean="0"/>
-              <a:t>12/28/2020</a:t>
+              <a:t>1/2/2021</a:t>
             </a:fld>
             <a:endParaRPr lang="en-US"/>
           </a:p>
@@ -13870,7 +13872,7 @@
           <a:p>
             <a:fld id="{0DAF61AA-5A98-4049-A93E-477E5505141A}" type="datetimeFigureOut">
               <a:rPr lang="en-US" smtClean="0"/>
-              <a:t>12/28/2020</a:t>
+              <a:t>1/2/2021</a:t>
             </a:fld>
             <a:endParaRPr lang="en-US"/>
           </a:p>
@@ -14135,7 +14137,7 @@
           <a:p>
             <a:fld id="{0DAF61AA-5A98-4049-A93E-477E5505141A}" type="datetimeFigureOut">
               <a:rPr lang="en-US" smtClean="0"/>
-              <a:t>12/28/2020</a:t>
+              <a:t>1/2/2021</a:t>
             </a:fld>
             <a:endParaRPr lang="en-US"/>
           </a:p>
@@ -14547,7 +14549,7 @@
           <a:p>
             <a:fld id="{0DAF61AA-5A98-4049-A93E-477E5505141A}" type="datetimeFigureOut">
               <a:rPr lang="en-US" smtClean="0"/>
-              <a:t>12/28/2020</a:t>
+              <a:t>1/2/2021</a:t>
             </a:fld>
             <a:endParaRPr lang="en-US"/>
           </a:p>
@@ -14688,7 +14690,7 @@
           <a:p>
             <a:fld id="{0DAF61AA-5A98-4049-A93E-477E5505141A}" type="datetimeFigureOut">
               <a:rPr lang="en-US" smtClean="0"/>
-              <a:t>12/28/2020</a:t>
+              <a:t>1/2/2021</a:t>
             </a:fld>
             <a:endParaRPr lang="en-US"/>
           </a:p>
@@ -14801,7 +14803,7 @@
           <a:p>
             <a:fld id="{0DAF61AA-5A98-4049-A93E-477E5505141A}" type="datetimeFigureOut">
               <a:rPr lang="en-US" smtClean="0"/>
-              <a:t>12/28/2020</a:t>
+              <a:t>1/2/2021</a:t>
             </a:fld>
             <a:endParaRPr lang="en-US"/>
           </a:p>
@@ -15112,7 +15114,7 @@
           <a:p>
             <a:fld id="{0DAF61AA-5A98-4049-A93E-477E5505141A}" type="datetimeFigureOut">
               <a:rPr lang="en-US" smtClean="0"/>
-              <a:t>12/28/2020</a:t>
+              <a:t>1/2/2021</a:t>
             </a:fld>
             <a:endParaRPr lang="en-US"/>
           </a:p>
@@ -15403,7 +15405,7 @@
           <a:p>
             <a:fld id="{0DAF61AA-5A98-4049-A93E-477E5505141A}" type="datetimeFigureOut">
               <a:rPr lang="en-US" smtClean="0"/>
-              <a:t>12/28/2020</a:t>
+              <a:t>1/2/2021</a:t>
             </a:fld>
             <a:endParaRPr lang="en-US"/>
           </a:p>
@@ -19091,7 +19093,7 @@
             <a:fld id="{0DAF61AA-5A98-4049-A93E-477E5505141A}" type="datetimeFigureOut">
               <a:rPr lang="en-US" smtClean="0"/>
               <a:pPr/>
-              <a:t>12/28/2020</a:t>
+              <a:t>1/2/2021</a:t>
             </a:fld>
             <a:endParaRPr lang="en-US" dirty="0"/>
           </a:p>
@@ -19679,7 +19681,7 @@
           <a:p>
             <a:fld id="{3C04E684-10F4-4CC3-A0B9-F03AA7BE37CF}" type="datetimeFigureOut">
               <a:rPr lang="en-US" smtClean="0"/>
-              <a:t>12/28/2020</a:t>
+              <a:t>1/2/2021</a:t>
             </a:fld>
             <a:endParaRPr lang="en-US"/>
           </a:p>
@@ -24255,10 +24257,104 @@
       </p:grpSpPr>
       <p:sp>
         <p:nvSpPr>
+          <p:cNvPr id="3" name="Content Placeholder 2">
+            <a:extLst>
+              <a:ext uri="{FF2B5EF4-FFF2-40B4-BE49-F238E27FC236}">
+                <a16:creationId xmlns:a16="http://schemas.microsoft.com/office/drawing/2014/main" id="{5298B964-F4F3-401F-9764-828761361257}"/>
+              </a:ext>
+            </a:extLst>
+          </p:cNvPr>
+          <p:cNvSpPr>
+            <a:spLocks noGrp="1"/>
+          </p:cNvSpPr>
+          <p:nvPr>
+            <p:ph idx="1"/>
+          </p:nvPr>
+        </p:nvSpPr>
+        <p:spPr/>
+        <p:txBody>
+          <a:bodyPr/>
+          <a:lstStyle/>
+          <a:p>
+            <a:pPr algn="r" rtl="1">
+              <a:buFont typeface="Wingdings" panose="05000000000000000000" pitchFamily="2" charset="2"/>
+              <a:buChar char="§"/>
+            </a:pPr>
+            <a:r>
+              <a:rPr lang="en-US" dirty="0">
+                <a:latin typeface="Calibri" panose="020F0502020204030204" pitchFamily="34" charset="0"/>
+                <a:cs typeface="Calibri" panose="020F0502020204030204" pitchFamily="34" charset="0"/>
+              </a:rPr>
+              <a:t>GIT</a:t>
+            </a:r>
+            <a:endParaRPr lang="he-IL" dirty="0">
+              <a:latin typeface="Calibri" panose="020F0502020204030204" pitchFamily="34" charset="0"/>
+              <a:cs typeface="Calibri" panose="020F0502020204030204" pitchFamily="34" charset="0"/>
+            </a:endParaRPr>
+          </a:p>
+          <a:p>
+            <a:pPr algn="r" rtl="1">
+              <a:buFont typeface="Wingdings" panose="05000000000000000000" pitchFamily="2" charset="2"/>
+              <a:buChar char="§"/>
+            </a:pPr>
+            <a:r>
+              <a:rPr lang="he-IL" dirty="0">
+                <a:latin typeface="Calibri" panose="020F0502020204030204" pitchFamily="34" charset="0"/>
+                <a:cs typeface="Calibri" panose="020F0502020204030204" pitchFamily="34" charset="0"/>
+              </a:rPr>
+              <a:t>קפה </a:t>
+            </a:r>
+            <a:r>
+              <a:rPr lang="he-IL" dirty="0">
+                <a:latin typeface="Calibri" panose="020F0502020204030204" pitchFamily="34" charset="0"/>
+                <a:cs typeface="Calibri" panose="020F0502020204030204" pitchFamily="34" charset="0"/>
+                <a:sym typeface="Wingdings" panose="05000000000000000000" pitchFamily="2" charset="2"/>
+              </a:rPr>
+              <a:t></a:t>
+            </a:r>
+            <a:endParaRPr lang="he-IL" dirty="0">
+              <a:latin typeface="Calibri" panose="020F0502020204030204" pitchFamily="34" charset="0"/>
+              <a:cs typeface="Calibri" panose="020F0502020204030204" pitchFamily="34" charset="0"/>
+            </a:endParaRPr>
+          </a:p>
+          <a:p>
+            <a:pPr algn="r" rtl="1">
+              <a:buFont typeface="Wingdings" panose="05000000000000000000" pitchFamily="2" charset="2"/>
+              <a:buChar char="§"/>
+            </a:pPr>
+            <a:r>
+              <a:rPr lang="en-US" dirty="0">
+                <a:latin typeface="Calibri" panose="020F0502020204030204" pitchFamily="34" charset="0"/>
+                <a:cs typeface="Calibri" panose="020F0502020204030204" pitchFamily="34" charset="0"/>
+              </a:rPr>
+              <a:t>JIRA</a:t>
+            </a:r>
+          </a:p>
+          <a:p>
+            <a:pPr algn="r" rtl="1">
+              <a:buFont typeface="Wingdings" panose="05000000000000000000" pitchFamily="2" charset="2"/>
+              <a:buChar char="§"/>
+            </a:pPr>
+            <a:r>
+              <a:rPr lang="en-US" dirty="0">
+                <a:latin typeface="Calibri" panose="020F0502020204030204" pitchFamily="34" charset="0"/>
+                <a:cs typeface="Calibri" panose="020F0502020204030204" pitchFamily="34" charset="0"/>
+              </a:rPr>
+              <a:t>DISCORD</a:t>
+            </a:r>
+            <a:endParaRPr lang="en-IL" dirty="0">
+              <a:latin typeface="Calibri" panose="020F0502020204030204" pitchFamily="34" charset="0"/>
+              <a:cs typeface="Calibri" panose="020F0502020204030204" pitchFamily="34" charset="0"/>
+            </a:endParaRPr>
+          </a:p>
+        </p:txBody>
+      </p:sp>
+      <p:sp>
+        <p:nvSpPr>
           <p:cNvPr id="4" name="Title 1">
             <a:extLst>
               <a:ext uri="{FF2B5EF4-FFF2-40B4-BE49-F238E27FC236}">
-                <a16:creationId xmlns:a16="http://schemas.microsoft.com/office/drawing/2014/main" id="{3AE7F446-88F3-4516-B632-CE8E2E9D98EE}"/>
+                <a16:creationId xmlns:a16="http://schemas.microsoft.com/office/drawing/2014/main" id="{511959C7-C2C9-4A90-98AA-83FFA469C706}"/>
               </a:ext>
             </a:extLst>
           </p:cNvPr>
@@ -24285,7 +24381,2084 @@
                 <a:latin typeface="Calibri Light" panose="020F0302020204030204" pitchFamily="34" charset="0"/>
                 <a:cs typeface="Calibri Light" panose="020F0302020204030204" pitchFamily="34" charset="0"/>
               </a:rPr>
-              <a:t>טיפ להצלחה כצוות</a:t>
+              <a:t>כלים שימושיים לעבודת צוות:</a:t>
+            </a:r>
+            <a:endParaRPr lang="en-IL" b="1" dirty="0">
+              <a:latin typeface="Calibri Light" panose="020F0302020204030204" pitchFamily="34" charset="0"/>
+              <a:cs typeface="Calibri Light" panose="020F0302020204030204" pitchFamily="34" charset="0"/>
+            </a:endParaRPr>
+          </a:p>
+        </p:txBody>
+      </p:sp>
+      <p:pic>
+        <p:nvPicPr>
+          <p:cNvPr id="5" name="Picture 4" descr="Graphical user interface, application, Teams&#10;&#10;Description automatically generated">
+            <a:extLst>
+              <a:ext uri="{FF2B5EF4-FFF2-40B4-BE49-F238E27FC236}">
+                <a16:creationId xmlns:a16="http://schemas.microsoft.com/office/drawing/2014/main" id="{2E837806-3396-4AB1-8775-0F496A97FF5E}"/>
+              </a:ext>
+            </a:extLst>
+          </p:cNvPr>
+          <p:cNvPicPr>
+            <a:picLocks noChangeAspect="1"/>
+          </p:cNvPicPr>
+          <p:nvPr/>
+        </p:nvPicPr>
+        <p:blipFill>
+          <a:blip r:embed="rId2">
+            <a:extLst>
+              <a:ext uri="{BEBA8EAE-BF5A-486C-A8C5-ECC9F3942E4B}">
+                <a14:imgProps xmlns:a14="http://schemas.microsoft.com/office/drawing/2010/main">
+                  <a14:imgLayer r:embed="rId3">
+                    <a14:imgEffect>
+                      <a14:backgroundRemoval t="7111" b="94111" l="10000" r="90000">
+                        <a14:foregroundMark x1="27126" y1="17222" x2="25805" y2="21667"/>
+                        <a14:foregroundMark x1="25805" y1="21667" x2="25805" y2="21667"/>
+                        <a14:foregroundMark x1="25632" y1="22556" x2="25632" y2="22556"/>
+                        <a14:foregroundMark x1="25632" y1="22889" x2="25632" y2="23889"/>
+                        <a14:foregroundMark x1="25115" y1="23556" x2="25115" y2="23556"/>
+                        <a14:foregroundMark x1="25115" y1="23556" x2="25115" y2="23556"/>
+                        <a14:foregroundMark x1="25115" y1="23556" x2="25115" y2="23556"/>
+                        <a14:foregroundMark x1="25115" y1="24111" x2="25115" y2="24111"/>
+                        <a14:foregroundMark x1="25115" y1="24111" x2="25115" y2="24111"/>
+                        <a14:foregroundMark x1="25000" y1="24778" x2="25000" y2="24778"/>
+                        <a14:foregroundMark x1="25000" y1="25111" x2="25000" y2="25111"/>
+                        <a14:foregroundMark x1="25000" y1="25111" x2="25000" y2="26667"/>
+                        <a14:foregroundMark x1="25000" y1="26667" x2="25000" y2="26667"/>
+                        <a14:foregroundMark x1="25000" y1="27000" x2="25000" y2="27000"/>
+                        <a14:foregroundMark x1="25000" y1="27667" x2="25000" y2="27667"/>
+                        <a14:foregroundMark x1="25000" y1="28000" x2="25000" y2="28889"/>
+                        <a14:foregroundMark x1="25000" y1="28889" x2="24828" y2="31444"/>
+                        <a14:foregroundMark x1="24828" y1="31444" x2="24828" y2="31444"/>
+                        <a14:foregroundMark x1="24828" y1="31444" x2="24828" y2="31444"/>
+                        <a14:foregroundMark x1="24828" y1="31444" x2="24828" y2="31444"/>
+                        <a14:foregroundMark x1="24828" y1="31444" x2="24828" y2="31444"/>
+                        <a14:foregroundMark x1="24828" y1="34000" x2="24828" y2="34000"/>
+                        <a14:foregroundMark x1="24828" y1="34000" x2="24828" y2="34000"/>
+                        <a14:foregroundMark x1="24483" y1="30889" x2="24483" y2="30889"/>
+                        <a14:foregroundMark x1="24483" y1="30889" x2="24138" y2="35667"/>
+                        <a14:foregroundMark x1="24138" y1="35667" x2="24138" y2="35667"/>
+                        <a14:foregroundMark x1="23966" y1="36222" x2="23966" y2="36222"/>
+                        <a14:foregroundMark x1="23966" y1="36222" x2="23966" y2="36222"/>
+                        <a14:foregroundMark x1="23851" y1="37556" x2="23851" y2="37556"/>
+                        <a14:foregroundMark x1="23851" y1="37556" x2="23333" y2="37889"/>
+                        <a14:foregroundMark x1="23333" y1="37889" x2="23333" y2="37889"/>
+                        <a14:foregroundMark x1="23333" y1="37889" x2="22816" y2="38778"/>
+                        <a14:foregroundMark x1="22816" y1="38778" x2="22816" y2="38778"/>
+                        <a14:foregroundMark x1="22816" y1="38778" x2="22816" y2="38778"/>
+                        <a14:foregroundMark x1="22816" y1="38778" x2="22816" y2="38778"/>
+                        <a14:foregroundMark x1="22529" y1="38778" x2="22529" y2="38778"/>
+                        <a14:foregroundMark x1="22529" y1="39111" x2="22529" y2="39111"/>
+                        <a14:foregroundMark x1="22184" y1="39778" x2="22184" y2="39778"/>
+                        <a14:foregroundMark x1="21839" y1="40667" x2="21207" y2="42556"/>
+                        <a14:foregroundMark x1="19713" y1="44556" x2="19713" y2="44556"/>
+                        <a14:foregroundMark x1="19540" y1="44778" x2="19540" y2="44778"/>
+                        <a14:foregroundMark x1="19080" y1="45778" x2="19080" y2="45778"/>
+                        <a14:foregroundMark x1="19080" y1="46444" x2="18736" y2="47333"/>
+                        <a14:foregroundMark x1="18563" y1="47667" x2="18218" y2="49333"/>
+                        <a14:foregroundMark x1="18046" y1="49556" x2="17759" y2="50556"/>
+                        <a14:foregroundMark x1="17759" y1="50556" x2="17759" y2="50556"/>
+                        <a14:foregroundMark x1="17759" y1="50556" x2="17759" y2="50556"/>
+                        <a14:foregroundMark x1="17414" y1="51222" x2="17414" y2="51222"/>
+                        <a14:foregroundMark x1="17414" y1="51222" x2="17414" y2="51222"/>
+                        <a14:foregroundMark x1="17414" y1="51222" x2="17414" y2="51222"/>
+                        <a14:foregroundMark x1="17414" y1="51556" x2="17414" y2="51556"/>
+                        <a14:foregroundMark x1="17414" y1="51556" x2="16897" y2="52111"/>
+                        <a14:foregroundMark x1="16782" y1="52111" x2="16782" y2="52111"/>
+                        <a14:foregroundMark x1="16782" y1="52111" x2="16782" y2="52111"/>
+                        <a14:foregroundMark x1="16609" y1="52111" x2="16092" y2="53111"/>
+                        <a14:foregroundMark x1="16092" y1="53444" x2="16092" y2="53444"/>
+                        <a14:foregroundMark x1="16092" y1="53444" x2="15287" y2="55333"/>
+                        <a14:foregroundMark x1="15287" y1="55333" x2="15287" y2="55333"/>
+                        <a14:foregroundMark x1="15115" y1="55667" x2="15115" y2="55667"/>
+                        <a14:foregroundMark x1="14598" y1="57222" x2="14598" y2="57222"/>
+                        <a14:foregroundMark x1="14598" y1="58222" x2="14310" y2="60444"/>
+                        <a14:foregroundMark x1="14310" y1="60444" x2="13621" y2="63889"/>
+                        <a14:foregroundMark x1="13621" y1="63889" x2="13621" y2="63889"/>
+                        <a14:foregroundMark x1="13621" y1="63889" x2="13276" y2="66444"/>
+                        <a14:foregroundMark x1="13276" y1="67778" x2="13276" y2="67778"/>
+                        <a14:foregroundMark x1="18908" y1="93111" x2="18908" y2="93111"/>
+                        <a14:foregroundMark x1="31207" y1="87778" x2="31207" y2="87778"/>
+                        <a14:foregroundMark x1="29598" y1="79444" x2="29598" y2="80444"/>
+                        <a14:foregroundMark x1="25977" y1="84222" x2="25460" y2="85222"/>
+                        <a14:foregroundMark x1="24483" y1="85889" x2="24483" y2="85889"/>
+                        <a14:foregroundMark x1="24310" y1="86222" x2="22356" y2="88444"/>
+                        <a14:foregroundMark x1="21667" y1="88444" x2="21034" y2="89000"/>
+                        <a14:foregroundMark x1="21034" y1="89000" x2="20230" y2="90333"/>
+                        <a14:foregroundMark x1="20230" y1="90333" x2="20230" y2="90333"/>
+                        <a14:foregroundMark x1="19368" y1="91222" x2="19368" y2="91222"/>
+                        <a14:foregroundMark x1="18758" y1="92966" x2="18908" y2="93444"/>
+                        <a14:foregroundMark x1="38966" y1="10444" x2="38966" y2="10444"/>
+                        <a14:foregroundMark x1="34828" y1="11111" x2="34828" y2="11111"/>
+                        <a14:foregroundMark x1="33678" y1="9556" x2="33678" y2="9556"/>
+                        <a14:foregroundMark x1="34828" y1="9556" x2="34828" y2="9556"/>
+                        <a14:foregroundMark x1="35517" y1="9556" x2="35517" y2="9556"/>
+                        <a14:foregroundMark x1="39598" y1="9222" x2="39598" y2="9222"/>
+                        <a14:foregroundMark x1="46839" y1="7333" x2="46839" y2="7333"/>
+                        <a14:foregroundMark x1="75159" y1="21642" x2="75287" y2="22556"/>
+                        <a14:foregroundMark x1="75632" y1="24111" x2="75632" y2="24111"/>
+                        <a14:foregroundMark x1="75115" y1="22556" x2="75632" y2="23889"/>
+                        <a14:foregroundMark x1="75632" y1="24111" x2="75632" y2="24111"/>
+                        <a14:foregroundMark x1="76264" y1="26444" x2="76264" y2="26444"/>
+                        <a14:foregroundMark x1="76782" y1="29222" x2="76782" y2="29222"/>
+                        <a14:foregroundMark x1="76954" y1="29889" x2="76954" y2="29889"/>
+                        <a14:foregroundMark x1="78276" y1="32778" x2="78276" y2="32778"/>
+                        <a14:foregroundMark x1="78276" y1="32778" x2="78276" y2="32778"/>
+                        <a14:foregroundMark x1="84368" y1="46444" x2="84368" y2="46444"/>
+                        <a14:foregroundMark x1="84368" y1="40111" x2="84368" y2="40111"/>
+                        <a14:foregroundMark x1="84655" y1="39444" x2="84655" y2="39444"/>
+                        <a14:foregroundMark x1="85000" y1="36889" x2="85000" y2="36889"/>
+                        <a14:foregroundMark x1="85345" y1="35667" x2="85345" y2="35667"/>
+                        <a14:foregroundMark x1="84540" y1="39111" x2="84540" y2="40111"/>
+                        <a14:foregroundMark x1="84195" y1="41000" x2="84195" y2="41000"/>
+                        <a14:foregroundMark x1="84023" y1="42333" x2="83851" y2="44222"/>
+                        <a14:foregroundMark x1="83851" y1="44222" x2="83851" y2="44222"/>
+                        <a14:foregroundMark x1="83506" y1="44556" x2="83506" y2="44556"/>
+                        <a14:foregroundMark x1="83218" y1="45111" x2="83218" y2="45111"/>
+                        <a14:foregroundMark x1="82874" y1="40111" x2="82874" y2="40111"/>
+                        <a14:foregroundMark x1="82874" y1="40111" x2="82874" y2="40111"/>
+                        <a14:foregroundMark x1="84540" y1="37889" x2="84540" y2="37889"/>
+                        <a14:foregroundMark x1="84655" y1="36556" x2="84655" y2="36556"/>
+                        <a14:foregroundMark x1="84655" y1="35000" x2="84655" y2="35000"/>
+                        <a14:foregroundMark x1="79253" y1="93778" x2="78563" y2="93444"/>
+                        <a14:foregroundMark x1="72816" y1="91556" x2="72816" y2="91556"/>
+                        <a14:foregroundMark x1="62471" y1="39444" x2="62471" y2="39444"/>
+                        <a14:foregroundMark x1="47989" y1="15222" x2="47989" y2="15222"/>
+                        <a14:foregroundMark x1="46207" y1="16222" x2="45402" y2="34000"/>
+                        <a14:foregroundMark x1="45402" y1="34000" x2="48218" y2="15444"/>
+                        <a14:foregroundMark x1="48218" y1="15444" x2="43218" y2="21667"/>
+                        <a14:foregroundMark x1="43736" y1="17444" x2="44368" y2="19111"/>
+                        <a14:foregroundMark x1="45057" y1="20667" x2="45057" y2="20667"/>
+                        <a14:foregroundMark x1="54425" y1="43889" x2="54425" y2="43889"/>
+                        <a14:foregroundMark x1="54425" y1="42556" x2="52931" y2="58222"/>
+                        <a14:foregroundMark x1="52299" y1="60444" x2="52299" y2="60444"/>
+                        <a14:foregroundMark x1="50460" y1="60111" x2="44885" y2="55667"/>
+                        <a14:foregroundMark x1="43563" y1="55333" x2="35172" y2="55333"/>
+                        <a14:foregroundMark x1="30230" y1="55667" x2="30230" y2="55667"/>
+                        <a14:foregroundMark x1="30230" y1="55667" x2="30230" y2="55667"/>
+                        <a14:foregroundMark x1="30230" y1="55667" x2="30230" y2="55667"/>
+                        <a14:foregroundMark x1="30230" y1="55333" x2="27759" y2="54000"/>
+                        <a14:foregroundMark x1="27759" y1="54000" x2="27759" y2="54000"/>
+                        <a14:foregroundMark x1="27126" y1="54000" x2="27126" y2="54000"/>
+                        <a14:foregroundMark x1="27126" y1="54333" x2="28736" y2="54333"/>
+                        <a14:foregroundMark x1="30057" y1="53111" x2="31207" y2="51778"/>
+                        <a14:foregroundMark x1="33218" y1="49889" x2="33046" y2="52111"/>
+                        <a14:foregroundMark x1="29080" y1="58222" x2="26954" y2="59444"/>
+                        <a14:foregroundMark x1="24483" y1="55000" x2="24138" y2="60778"/>
+                        <a14:foregroundMark x1="24138" y1="69333" x2="24138" y2="69333"/>
+                        <a14:foregroundMark x1="24138" y1="71889" x2="24138" y2="73444"/>
+                        <a14:foregroundMark x1="24138" y1="75000" x2="24138" y2="77000"/>
+                        <a14:foregroundMark x1="24138" y1="77222" x2="24828" y2="80111"/>
+                        <a14:foregroundMark x1="24828" y1="80111" x2="25460" y2="81111"/>
+                        <a14:foregroundMark x1="25460" y1="81111" x2="26437" y2="83000"/>
+                        <a14:foregroundMark x1="27471" y1="84222" x2="27759" y2="85222"/>
+                        <a14:foregroundMark x1="27759" y1="85222" x2="27759" y2="85222"/>
+                        <a14:foregroundMark x1="28908" y1="80111" x2="28908" y2="80111"/>
+                        <a14:foregroundMark x1="29253" y1="72778" x2="29253" y2="72778"/>
+                        <a14:foregroundMark x1="29253" y1="72778" x2="26609" y2="77222"/>
+                        <a14:foregroundMark x1="31897" y1="76333" x2="31897" y2="76333"/>
+                        <a14:foregroundMark x1="32874" y1="71889" x2="29080" y2="72444"/>
+                        <a14:foregroundMark x1="28908" y1="72444" x2="41149" y2="77111"/>
+                        <a14:foregroundMark x1="41149" y1="77111" x2="41092" y2="76667"/>
+                        <a14:foregroundMark x1="35977" y1="80444" x2="26954" y2="85889"/>
+                        <a14:foregroundMark x1="24138" y1="87778" x2="33161" y2="86667"/>
+                        <a14:foregroundMark x1="33161" y1="86667" x2="40460" y2="81111"/>
+                        <a14:foregroundMark x1="66897" y1="34667" x2="72816" y2="79444"/>
+                        <a14:foregroundMark x1="69885" y1="35333" x2="71839" y2="68333"/>
+                        <a14:foregroundMark x1="69885" y1="33111" x2="53908" y2="39444"/>
+                        <a14:foregroundMark x1="59655" y1="32444" x2="47874" y2="58778"/>
+                        <a14:foregroundMark x1="47874" y1="58778" x2="46667" y2="57889"/>
+                        <a14:foregroundMark x1="40460" y1="18778" x2="49080" y2="17444"/>
+                        <a14:foregroundMark x1="49080" y1="17444" x2="56724" y2="28333"/>
+                        <a14:foregroundMark x1="56724" y1="28333" x2="62184" y2="42778"/>
+                        <a14:foregroundMark x1="62184" y1="42778" x2="68506" y2="78556"/>
+                        <a14:foregroundMark x1="68506" y1="78556" x2="75287" y2="83667"/>
+                        <a14:foregroundMark x1="82874" y1="75333" x2="82874" y2="75333"/>
+                        <a14:foregroundMark x1="84655" y1="74667" x2="84655" y2="74667"/>
+                        <a14:foregroundMark x1="84540" y1="76000" x2="84540" y2="76000"/>
+                        <a14:backgroundMark x1="10345" y1="19111" x2="10345" y2="19111"/>
+                        <a14:backgroundMark x1="15460" y1="14889" x2="11724" y2="31889"/>
+                        <a14:backgroundMark x1="11724" y1="31889" x2="5115" y2="42444"/>
+                        <a14:backgroundMark x1="5115" y1="42444" x2="7069" y2="33667"/>
+                        <a14:backgroundMark x1="23333" y1="11111" x2="19943" y2="26444"/>
+                        <a14:backgroundMark x1="19943" y1="26444" x2="16897" y2="30556"/>
+                        <a14:backgroundMark x1="17414" y1="92556" x2="17414" y2="92556"/>
+                        <a14:backgroundMark x1="16092" y1="91222" x2="16092" y2="91222"/>
+                        <a14:backgroundMark x1="16092" y1="90667" x2="17586" y2="94444"/>
+                        <a14:backgroundMark x1="13276" y1="73444" x2="13276" y2="73444"/>
+                        <a14:backgroundMark x1="11322" y1="71222" x2="12644" y2="77222"/>
+                        <a14:backgroundMark x1="12126" y1="69333" x2="16897" y2="90889"/>
+                        <a14:backgroundMark x1="74828" y1="17444" x2="75000" y2="21667"/>
+                        <a14:backgroundMark x1="84540" y1="33111" x2="84540" y2="34333"/>
+                        <a14:backgroundMark x1="83333" y1="88111" x2="82184" y2="96000"/>
+                      </a14:backgroundRemoval>
+                    </a14:imgEffect>
+                  </a14:imgLayer>
+                </a14:imgProps>
+              </a:ext>
+              <a:ext uri="{28A0092B-C50C-407E-A947-70E740481C1C}">
+                <a14:useLocalDpi xmlns:a14="http://schemas.microsoft.com/office/drawing/2010/main" val="0"/>
+              </a:ext>
+            </a:extLst>
+          </a:blip>
+          <a:stretch>
+            <a:fillRect/>
+          </a:stretch>
+        </p:blipFill>
+        <p:spPr>
+          <a:xfrm>
+            <a:off x="1239520" y="2743200"/>
+            <a:ext cx="5791538" cy="2995623"/>
+          </a:xfrm>
+          <a:prstGeom prst="rect">
+            <a:avLst/>
+          </a:prstGeom>
+        </p:spPr>
+      </p:pic>
+    </p:spTree>
+    <p:extLst>
+      <p:ext uri="{BB962C8B-B14F-4D97-AF65-F5344CB8AC3E}">
+        <p14:creationId xmlns:p14="http://schemas.microsoft.com/office/powerpoint/2010/main" val="2666085919"/>
+      </p:ext>
+    </p:extLst>
+  </p:cSld>
+  <p:clrMapOvr>
+    <a:masterClrMapping/>
+  </p:clrMapOvr>
+</p:sld>
+</file>
+
+<file path=ppt/slides/slide11.xml><?xml version="1.0" encoding="utf-8"?>
+<p:sld xmlns:a="http://schemas.openxmlformats.org/drawingml/2006/main" xmlns:r="http://schemas.openxmlformats.org/officeDocument/2006/relationships" xmlns:p="http://schemas.openxmlformats.org/presentationml/2006/main">
+  <p:cSld>
+    <p:bg>
+      <p:bgPr>
+        <a:solidFill>
+          <a:schemeClr val="bg1"/>
+        </a:solidFill>
+        <a:effectLst/>
+      </p:bgPr>
+    </p:bg>
+    <p:spTree>
+      <p:nvGrpSpPr>
+        <p:cNvPr id="1" name=""/>
+        <p:cNvGrpSpPr/>
+        <p:nvPr/>
+      </p:nvGrpSpPr>
+      <p:grpSpPr>
+        <a:xfrm>
+          <a:off x="0" y="0"/>
+          <a:ext cx="0" cy="0"/>
+          <a:chOff x="0" y="0"/>
+          <a:chExt cx="0" cy="0"/>
+        </a:xfrm>
+      </p:grpSpPr>
+      <p:sp useBgFill="1">
+        <p:nvSpPr>
+          <p:cNvPr id="10" name="Rectangle 9">
+            <a:extLst>
+              <a:ext uri="{FF2B5EF4-FFF2-40B4-BE49-F238E27FC236}">
+                <a16:creationId xmlns:a16="http://schemas.microsoft.com/office/drawing/2014/main" id="{8651CFA9-6065-4243-AC48-858E359780B1}"/>
+              </a:ext>
+              <a:ext uri="{C183D7F6-B498-43B3-948B-1728B52AA6E4}">
+                <adec:decorative xmlns:adec="http://schemas.microsoft.com/office/drawing/2017/decorative" val="1"/>
+              </a:ext>
+            </a:extLst>
+          </p:cNvPr>
+          <p:cNvSpPr>
+            <a:spLocks noGrp="1" noRot="1" noChangeAspect="1" noMove="1" noResize="1" noEditPoints="1" noAdjustHandles="1" noChangeArrowheads="1" noChangeShapeType="1" noTextEdit="1"/>
+          </p:cNvSpPr>
+          <p:nvPr>
+            <p:extLst>
+              <p:ext uri="{386F3935-93C4-4BCD-93E2-E3B085C9AB24}">
+                <p16:designElem xmlns:p16="http://schemas.microsoft.com/office/powerpoint/2015/main" val="1"/>
+              </p:ext>
+            </p:extLst>
+          </p:nvPr>
+        </p:nvSpPr>
+        <p:spPr>
+          <a:xfrm>
+            <a:off x="0" y="0"/>
+            <a:ext cx="12188952" cy="6858000"/>
+          </a:xfrm>
+          <a:prstGeom prst="rect">
+            <a:avLst/>
+          </a:prstGeom>
+          <a:ln>
+            <a:solidFill>
+              <a:schemeClr val="bg1">
+                <a:lumMod val="95000"/>
+              </a:schemeClr>
+            </a:solidFill>
+          </a:ln>
+        </p:spPr>
+        <p:style>
+          <a:lnRef idx="2">
+            <a:schemeClr val="accent1">
+              <a:shade val="50000"/>
+            </a:schemeClr>
+          </a:lnRef>
+          <a:fillRef idx="1">
+            <a:schemeClr val="accent1"/>
+          </a:fillRef>
+          <a:effectRef idx="0">
+            <a:schemeClr val="accent1"/>
+          </a:effectRef>
+          <a:fontRef idx="minor">
+            <a:schemeClr val="lt1"/>
+          </a:fontRef>
+        </p:style>
+        <p:txBody>
+          <a:bodyPr rtlCol="0" anchor="ctr"/>
+          <a:lstStyle/>
+          <a:p>
+            <a:pPr algn="ctr"/>
+            <a:endParaRPr lang="en-US" dirty="0">
+              <a:solidFill>
+                <a:schemeClr val="tx1">
+                  <a:lumMod val="65000"/>
+                  <a:lumOff val="35000"/>
+                </a:schemeClr>
+              </a:solidFill>
+              <a:latin typeface="AvenirNext LT Pro Medium" panose="020B0504020202020204" pitchFamily="34" charset="0"/>
+            </a:endParaRPr>
+          </a:p>
+        </p:txBody>
+      </p:sp>
+      <p:sp>
+        <p:nvSpPr>
+          <p:cNvPr id="12" name="Rectangle 11">
+            <a:extLst>
+              <a:ext uri="{FF2B5EF4-FFF2-40B4-BE49-F238E27FC236}">
+                <a16:creationId xmlns:a16="http://schemas.microsoft.com/office/drawing/2014/main" id="{37962AE0-6A1C-4B76-9D52-10E5E6D7D3BB}"/>
+              </a:ext>
+              <a:ext uri="{C183D7F6-B498-43B3-948B-1728B52AA6E4}">
+                <adec:decorative xmlns:adec="http://schemas.microsoft.com/office/drawing/2017/decorative" val="1"/>
+              </a:ext>
+            </a:extLst>
+          </p:cNvPr>
+          <p:cNvSpPr>
+            <a:spLocks noGrp="1" noRot="1" noChangeAspect="1" noMove="1" noResize="1" noEditPoints="1" noAdjustHandles="1" noChangeArrowheads="1" noChangeShapeType="1" noTextEdit="1"/>
+          </p:cNvSpPr>
+          <p:nvPr>
+            <p:extLst>
+              <p:ext uri="{386F3935-93C4-4BCD-93E2-E3B085C9AB24}">
+                <p16:designElem xmlns:p16="http://schemas.microsoft.com/office/powerpoint/2015/main" val="1"/>
+              </p:ext>
+            </p:extLst>
+          </p:nvPr>
+        </p:nvSpPr>
+        <p:spPr>
+          <a:xfrm>
+            <a:off x="0" y="0"/>
+            <a:ext cx="12188952" cy="6858000"/>
+          </a:xfrm>
+          <a:prstGeom prst="rect">
+            <a:avLst/>
+          </a:prstGeom>
+          <a:solidFill>
+            <a:schemeClr val="bg2"/>
+          </a:solidFill>
+          <a:ln>
+            <a:noFill/>
+          </a:ln>
+        </p:spPr>
+        <p:style>
+          <a:lnRef idx="2">
+            <a:schemeClr val="accent1">
+              <a:shade val="50000"/>
+            </a:schemeClr>
+          </a:lnRef>
+          <a:fillRef idx="1">
+            <a:schemeClr val="accent1"/>
+          </a:fillRef>
+          <a:effectRef idx="0">
+            <a:schemeClr val="accent1"/>
+          </a:effectRef>
+          <a:fontRef idx="minor">
+            <a:schemeClr val="lt1"/>
+          </a:fontRef>
+        </p:style>
+        <p:txBody>
+          <a:bodyPr rtlCol="0" anchor="ctr"/>
+          <a:lstStyle/>
+          <a:p>
+            <a:pPr algn="ctr"/>
+            <a:endParaRPr lang="en-US" dirty="0">
+              <a:solidFill>
+                <a:schemeClr val="tx1">
+                  <a:lumMod val="65000"/>
+                  <a:lumOff val="35000"/>
+                </a:schemeClr>
+              </a:solidFill>
+              <a:latin typeface="AvenirNext LT Pro Medium" panose="020B0504020202020204" pitchFamily="34" charset="0"/>
+            </a:endParaRPr>
+          </a:p>
+        </p:txBody>
+      </p:sp>
+      <p:grpSp>
+        <p:nvGrpSpPr>
+          <p:cNvPr id="14" name="Top Left">
+            <a:extLst>
+              <a:ext uri="{FF2B5EF4-FFF2-40B4-BE49-F238E27FC236}">
+                <a16:creationId xmlns:a16="http://schemas.microsoft.com/office/drawing/2014/main" id="{DC655204-C06A-4A55-9BB4-C79C4AF9D63F}"/>
+              </a:ext>
+              <a:ext uri="{C183D7F6-B498-43B3-948B-1728B52AA6E4}">
+                <adec:decorative xmlns:adec="http://schemas.microsoft.com/office/drawing/2017/decorative" val="1"/>
+              </a:ext>
+            </a:extLst>
+          </p:cNvPr>
+          <p:cNvGrpSpPr>
+            <a:grpSpLocks noGrp="1" noUngrp="1" noRot="1" noChangeAspect="1" noMove="1" noResize="1"/>
+          </p:cNvGrpSpPr>
+          <p:nvPr>
+            <p:extLst>
+              <p:ext uri="{386F3935-93C4-4BCD-93E2-E3B085C9AB24}">
+                <p16:designElem xmlns:p16="http://schemas.microsoft.com/office/powerpoint/2015/main" val="1"/>
+              </p:ext>
+            </p:extLst>
+          </p:nvPr>
+        </p:nvGrpSpPr>
+        <p:grpSpPr>
+          <a:xfrm>
+            <a:off x="10849" y="-3086"/>
+            <a:ext cx="2198951" cy="3349518"/>
+            <a:chOff x="10849" y="-3086"/>
+            <a:chExt cx="2198951" cy="3349518"/>
+          </a:xfrm>
+        </p:grpSpPr>
+        <p:sp>
+          <p:nvSpPr>
+            <p:cNvPr id="15" name="Freeform: Shape 14">
+              <a:extLst>
+                <a:ext uri="{FF2B5EF4-FFF2-40B4-BE49-F238E27FC236}">
+                  <a16:creationId xmlns:a16="http://schemas.microsoft.com/office/drawing/2014/main" id="{F83BC876-5C0C-438A-8928-B1EC2E1E4D00}"/>
+                </a:ext>
+                <a:ext uri="{C183D7F6-B498-43B3-948B-1728B52AA6E4}">
+                  <adec:decorative xmlns:adec="http://schemas.microsoft.com/office/drawing/2017/decorative" val="1"/>
+                </a:ext>
+              </a:extLst>
+            </p:cNvPr>
+            <p:cNvSpPr/>
+            <p:nvPr>
+              <p:extLst>
+                <p:ext uri="{386F3935-93C4-4BCD-93E2-E3B085C9AB24}">
+                  <p16:designElem xmlns:p16="http://schemas.microsoft.com/office/powerpoint/2015/main" val="1"/>
+                </p:ext>
+              </p:extLst>
+            </p:nvPr>
+          </p:nvSpPr>
+          <p:spPr>
+            <a:xfrm rot="10800000">
+              <a:off x="692844" y="-3086"/>
+              <a:ext cx="1326111" cy="597603"/>
+            </a:xfrm>
+            <a:custGeom>
+              <a:avLst/>
+              <a:gdLst>
+                <a:gd name="connsiteX0" fmla="*/ 741051 w 1482102"/>
+                <a:gd name="connsiteY0" fmla="*/ 0 h 679363"/>
+                <a:gd name="connsiteX1" fmla="*/ 1473822 w 1482102"/>
+                <a:gd name="connsiteY1" fmla="*/ 597226 h 679363"/>
+                <a:gd name="connsiteX2" fmla="*/ 1482102 w 1482102"/>
+                <a:gd name="connsiteY2" fmla="*/ 679363 h 679363"/>
+                <a:gd name="connsiteX3" fmla="*/ 0 w 1482102"/>
+                <a:gd name="connsiteY3" fmla="*/ 679363 h 679363"/>
+                <a:gd name="connsiteX4" fmla="*/ 8280 w 1482102"/>
+                <a:gd name="connsiteY4" fmla="*/ 597226 h 679363"/>
+                <a:gd name="connsiteX5" fmla="*/ 741051 w 1482102"/>
+                <a:gd name="connsiteY5" fmla="*/ 0 h 679363"/>
+              </a:gdLst>
+              <a:ahLst/>
+              <a:cxnLst>
+                <a:cxn ang="0">
+                  <a:pos x="connsiteX0" y="connsiteY0"/>
+                </a:cxn>
+                <a:cxn ang="0">
+                  <a:pos x="connsiteX1" y="connsiteY1"/>
+                </a:cxn>
+                <a:cxn ang="0">
+                  <a:pos x="connsiteX2" y="connsiteY2"/>
+                </a:cxn>
+                <a:cxn ang="0">
+                  <a:pos x="connsiteX3" y="connsiteY3"/>
+                </a:cxn>
+                <a:cxn ang="0">
+                  <a:pos x="connsiteX4" y="connsiteY4"/>
+                </a:cxn>
+                <a:cxn ang="0">
+                  <a:pos x="connsiteX5" y="connsiteY5"/>
+                </a:cxn>
+              </a:cxnLst>
+              <a:rect l="l" t="t" r="r" b="b"/>
+              <a:pathLst>
+                <a:path w="1482102" h="679363">
+                  <a:moveTo>
+                    <a:pt x="741051" y="0"/>
+                  </a:moveTo>
+                  <a:cubicBezTo>
+                    <a:pt x="1102506" y="0"/>
+                    <a:pt x="1404077" y="256390"/>
+                    <a:pt x="1473822" y="597226"/>
+                  </a:cubicBezTo>
+                  <a:lnTo>
+                    <a:pt x="1482102" y="679363"/>
+                  </a:lnTo>
+                  <a:lnTo>
+                    <a:pt x="0" y="679363"/>
+                  </a:lnTo>
+                  <a:lnTo>
+                    <a:pt x="8280" y="597226"/>
+                  </a:lnTo>
+                  <a:cubicBezTo>
+                    <a:pt x="78025" y="256390"/>
+                    <a:pt x="379596" y="0"/>
+                    <a:pt x="741051" y="0"/>
+                  </a:cubicBezTo>
+                  <a:close/>
+                </a:path>
+              </a:pathLst>
+            </a:custGeom>
+            <a:solidFill>
+              <a:schemeClr val="bg1"/>
+            </a:solidFill>
+            <a:ln>
+              <a:noFill/>
+            </a:ln>
+          </p:spPr>
+          <p:style>
+            <a:lnRef idx="2">
+              <a:schemeClr val="accent1">
+                <a:shade val="50000"/>
+              </a:schemeClr>
+            </a:lnRef>
+            <a:fillRef idx="1">
+              <a:schemeClr val="accent1"/>
+            </a:fillRef>
+            <a:effectRef idx="0">
+              <a:schemeClr val="accent1"/>
+            </a:effectRef>
+            <a:fontRef idx="minor">
+              <a:schemeClr val="lt1"/>
+            </a:fontRef>
+          </p:style>
+          <p:txBody>
+            <a:bodyPr wrap="square" rtlCol="0" anchor="ctr">
+              <a:noAutofit/>
+            </a:bodyPr>
+            <a:lstStyle/>
+            <a:p>
+              <a:pPr algn="ctr"/>
+              <a:endParaRPr lang="en-US" dirty="0">
+                <a:solidFill>
+                  <a:schemeClr val="tx1">
+                    <a:lumMod val="65000"/>
+                    <a:lumOff val="35000"/>
+                  </a:schemeClr>
+                </a:solidFill>
+                <a:latin typeface="AvenirNext LT Pro Medium" panose="020B0504020202020204" pitchFamily="34" charset="0"/>
+              </a:endParaRPr>
+            </a:p>
+          </p:txBody>
+        </p:sp>
+        <p:sp>
+          <p:nvSpPr>
+            <p:cNvPr id="16" name="Freeform: Shape 15">
+              <a:extLst>
+                <a:ext uri="{FF2B5EF4-FFF2-40B4-BE49-F238E27FC236}">
+                  <a16:creationId xmlns:a16="http://schemas.microsoft.com/office/drawing/2014/main" id="{B9B3EEC1-86B7-4DB1-AB38-E2D7493927B8}"/>
+                </a:ext>
+                <a:ext uri="{C183D7F6-B498-43B3-948B-1728B52AA6E4}">
+                  <adec:decorative xmlns:adec="http://schemas.microsoft.com/office/drawing/2017/decorative" val="1"/>
+                </a:ext>
+              </a:extLst>
+            </p:cNvPr>
+            <p:cNvSpPr/>
+            <p:nvPr>
+              <p:extLst>
+                <p:ext uri="{386F3935-93C4-4BCD-93E2-E3B085C9AB24}">
+                  <p16:designElem xmlns:p16="http://schemas.microsoft.com/office/powerpoint/2015/main" val="1"/>
+                </p:ext>
+              </p:extLst>
+            </p:nvPr>
+          </p:nvSpPr>
+          <p:spPr>
+            <a:xfrm>
+              <a:off x="19394" y="15241"/>
+              <a:ext cx="2190406" cy="3331191"/>
+            </a:xfrm>
+            <a:custGeom>
+              <a:avLst/>
+              <a:gdLst>
+                <a:gd name="connsiteX0" fmla="*/ 0 w 3296088"/>
+                <a:gd name="connsiteY0" fmla="*/ 5012722 h 5012722"/>
+                <a:gd name="connsiteX1" fmla="*/ 244031 w 3296088"/>
+                <a:gd name="connsiteY1" fmla="*/ 4820222 h 5012722"/>
+                <a:gd name="connsiteX2" fmla="*/ 729234 w 3296088"/>
+                <a:gd name="connsiteY2" fmla="*/ 4360641 h 5012722"/>
+                <a:gd name="connsiteX3" fmla="*/ 881444 w 3296088"/>
+                <a:gd name="connsiteY3" fmla="*/ 4173950 h 5012722"/>
+                <a:gd name="connsiteX4" fmla="*/ 1151287 w 3296088"/>
+                <a:gd name="connsiteY4" fmla="*/ 3972877 h 5012722"/>
+                <a:gd name="connsiteX5" fmla="*/ 1498664 w 3296088"/>
+                <a:gd name="connsiteY5" fmla="*/ 3786188 h 5012722"/>
+                <a:gd name="connsiteX6" fmla="*/ 1716881 w 3296088"/>
+                <a:gd name="connsiteY6" fmla="*/ 3674174 h 5012722"/>
+                <a:gd name="connsiteX7" fmla="*/ 1913573 w 3296088"/>
+                <a:gd name="connsiteY7" fmla="*/ 3477387 h 5012722"/>
+                <a:gd name="connsiteX8" fmla="*/ 2167700 w 3296088"/>
+                <a:gd name="connsiteY8" fmla="*/ 3042190 h 5012722"/>
+                <a:gd name="connsiteX9" fmla="*/ 2273903 w 3296088"/>
+                <a:gd name="connsiteY9" fmla="*/ 2775014 h 5012722"/>
+                <a:gd name="connsiteX10" fmla="*/ 2463356 w 3296088"/>
+                <a:gd name="connsiteY10" fmla="*/ 2335530 h 5012722"/>
+                <a:gd name="connsiteX11" fmla="*/ 2741866 w 3296088"/>
+                <a:gd name="connsiteY11" fmla="*/ 1982248 h 5012722"/>
+                <a:gd name="connsiteX12" fmla="*/ 2985897 w 3296088"/>
+                <a:gd name="connsiteY12" fmla="*/ 1634681 h 5012722"/>
+                <a:gd name="connsiteX13" fmla="*/ 3212687 w 3296088"/>
+                <a:gd name="connsiteY13" fmla="*/ 1226820 h 5012722"/>
+                <a:gd name="connsiteX14" fmla="*/ 3281553 w 3296088"/>
+                <a:gd name="connsiteY14" fmla="*/ 959644 h 5012722"/>
+                <a:gd name="connsiteX15" fmla="*/ 3295936 w 3296088"/>
+                <a:gd name="connsiteY15" fmla="*/ 701135 h 5012722"/>
+                <a:gd name="connsiteX16" fmla="*/ 3267266 w 3296088"/>
+                <a:gd name="connsiteY16" fmla="*/ 436817 h 5012722"/>
+                <a:gd name="connsiteX17" fmla="*/ 3105341 w 3296088"/>
+                <a:gd name="connsiteY17" fmla="*/ 0 h 5012722"/>
+              </a:gdLst>
+              <a:ahLst/>
+              <a:cxnLst>
+                <a:cxn ang="0">
+                  <a:pos x="connsiteX0" y="connsiteY0"/>
+                </a:cxn>
+                <a:cxn ang="0">
+                  <a:pos x="connsiteX1" y="connsiteY1"/>
+                </a:cxn>
+                <a:cxn ang="0">
+                  <a:pos x="connsiteX2" y="connsiteY2"/>
+                </a:cxn>
+                <a:cxn ang="0">
+                  <a:pos x="connsiteX3" y="connsiteY3"/>
+                </a:cxn>
+                <a:cxn ang="0">
+                  <a:pos x="connsiteX4" y="connsiteY4"/>
+                </a:cxn>
+                <a:cxn ang="0">
+                  <a:pos x="connsiteX5" y="connsiteY5"/>
+                </a:cxn>
+                <a:cxn ang="0">
+                  <a:pos x="connsiteX6" y="connsiteY6"/>
+                </a:cxn>
+                <a:cxn ang="0">
+                  <a:pos x="connsiteX7" y="connsiteY7"/>
+                </a:cxn>
+                <a:cxn ang="0">
+                  <a:pos x="connsiteX8" y="connsiteY8"/>
+                </a:cxn>
+                <a:cxn ang="0">
+                  <a:pos x="connsiteX9" y="connsiteY9"/>
+                </a:cxn>
+                <a:cxn ang="0">
+                  <a:pos x="connsiteX10" y="connsiteY10"/>
+                </a:cxn>
+                <a:cxn ang="0">
+                  <a:pos x="connsiteX11" y="connsiteY11"/>
+                </a:cxn>
+                <a:cxn ang="0">
+                  <a:pos x="connsiteX12" y="connsiteY12"/>
+                </a:cxn>
+                <a:cxn ang="0">
+                  <a:pos x="connsiteX13" y="connsiteY13"/>
+                </a:cxn>
+                <a:cxn ang="0">
+                  <a:pos x="connsiteX14" y="connsiteY14"/>
+                </a:cxn>
+                <a:cxn ang="0">
+                  <a:pos x="connsiteX15" y="connsiteY15"/>
+                </a:cxn>
+                <a:cxn ang="0">
+                  <a:pos x="connsiteX16" y="connsiteY16"/>
+                </a:cxn>
+                <a:cxn ang="0">
+                  <a:pos x="connsiteX17" y="connsiteY17"/>
+                </a:cxn>
+              </a:cxnLst>
+              <a:rect l="l" t="t" r="r" b="b"/>
+              <a:pathLst>
+                <a:path w="3296088" h="5012722">
+                  <a:moveTo>
+                    <a:pt x="0" y="5012722"/>
+                  </a:moveTo>
+                  <a:cubicBezTo>
+                    <a:pt x="81820" y="4949095"/>
+                    <a:pt x="163544" y="4885468"/>
+                    <a:pt x="244031" y="4820222"/>
+                  </a:cubicBezTo>
+                  <a:cubicBezTo>
+                    <a:pt x="417671" y="4679633"/>
+                    <a:pt x="589883" y="4535139"/>
+                    <a:pt x="729234" y="4360641"/>
+                  </a:cubicBezTo>
+                  <a:cubicBezTo>
+                    <a:pt x="779431" y="4297776"/>
+                    <a:pt x="825818" y="4231958"/>
+                    <a:pt x="881444" y="4173950"/>
+                  </a:cubicBezTo>
+                  <a:cubicBezTo>
+                    <a:pt x="959358" y="4092607"/>
+                    <a:pt x="1054799" y="4031075"/>
+                    <a:pt x="1151287" y="3972877"/>
+                  </a:cubicBezTo>
+                  <a:cubicBezTo>
+                    <a:pt x="1263968" y="3904964"/>
+                    <a:pt x="1379315" y="3841337"/>
+                    <a:pt x="1498664" y="3786188"/>
+                  </a:cubicBezTo>
+                  <a:cubicBezTo>
+                    <a:pt x="1573149" y="3751802"/>
+                    <a:pt x="1649159" y="3720179"/>
+                    <a:pt x="1716881" y="3674174"/>
+                  </a:cubicBezTo>
+                  <a:cubicBezTo>
+                    <a:pt x="1794034" y="3621691"/>
+                    <a:pt x="1856708" y="3551492"/>
+                    <a:pt x="1913573" y="3477387"/>
+                  </a:cubicBezTo>
+                  <a:cubicBezTo>
+                    <a:pt x="2016157" y="3343751"/>
+                    <a:pt x="2099024" y="3196114"/>
+                    <a:pt x="2167700" y="3042190"/>
+                  </a:cubicBezTo>
+                  <a:cubicBezTo>
+                    <a:pt x="2206752" y="2954655"/>
+                    <a:pt x="2241233" y="2865215"/>
+                    <a:pt x="2273903" y="2775014"/>
+                  </a:cubicBezTo>
+                  <a:cubicBezTo>
+                    <a:pt x="2328482" y="2624423"/>
+                    <a:pt x="2379440" y="2471642"/>
+                    <a:pt x="2463356" y="2335530"/>
+                  </a:cubicBezTo>
+                  <a:cubicBezTo>
+                    <a:pt x="2542127" y="2207705"/>
+                    <a:pt x="2647855" y="2099501"/>
+                    <a:pt x="2741866" y="1982248"/>
+                  </a:cubicBezTo>
+                  <a:cubicBezTo>
+                    <a:pt x="2830449" y="1871758"/>
+                    <a:pt x="2908554" y="1753362"/>
+                    <a:pt x="2985897" y="1634681"/>
+                  </a:cubicBezTo>
+                  <a:cubicBezTo>
+                    <a:pt x="3071146" y="1503902"/>
+                    <a:pt x="3156395" y="1372172"/>
+                    <a:pt x="3212687" y="1226820"/>
+                  </a:cubicBezTo>
+                  <a:cubicBezTo>
+                    <a:pt x="3246025" y="1140809"/>
+                    <a:pt x="3268790" y="1051084"/>
+                    <a:pt x="3281553" y="959644"/>
+                  </a:cubicBezTo>
+                  <a:cubicBezTo>
+                    <a:pt x="3293555" y="874014"/>
+                    <a:pt x="3296888" y="787527"/>
+                    <a:pt x="3295936" y="701135"/>
+                  </a:cubicBezTo>
+                  <a:cubicBezTo>
+                    <a:pt x="3294888" y="612172"/>
+                    <a:pt x="3289268" y="523018"/>
+                    <a:pt x="3267266" y="436817"/>
+                  </a:cubicBezTo>
+                  <a:cubicBezTo>
+                    <a:pt x="3227832" y="282416"/>
+                    <a:pt x="3105341" y="0"/>
+                    <a:pt x="3105341" y="0"/>
+                  </a:cubicBezTo>
+                </a:path>
+              </a:pathLst>
+            </a:custGeom>
+            <a:noFill/>
+            <a:ln w="9525" cap="rnd">
+              <a:solidFill>
+                <a:schemeClr val="accent2">
+                  <a:alpha val="50000"/>
+                </a:schemeClr>
+              </a:solidFill>
+              <a:prstDash val="lgDash"/>
+              <a:round/>
+            </a:ln>
+          </p:spPr>
+          <p:txBody>
+            <a:bodyPr rtlCol="0" anchor="ctr"/>
+            <a:lstStyle/>
+            <a:p>
+              <a:endParaRPr lang="en-US"/>
+            </a:p>
+          </p:txBody>
+        </p:sp>
+        <p:sp>
+          <p:nvSpPr>
+            <p:cNvPr id="17" name="Freeform: Shape 16">
+              <a:extLst>
+                <a:ext uri="{FF2B5EF4-FFF2-40B4-BE49-F238E27FC236}">
+                  <a16:creationId xmlns:a16="http://schemas.microsoft.com/office/drawing/2014/main" id="{BEB2CD0B-3D3E-4CF3-92F5-7AE77C22C964}"/>
+                </a:ext>
+                <a:ext uri="{C183D7F6-B498-43B3-948B-1728B52AA6E4}">
+                  <adec:decorative xmlns:adec="http://schemas.microsoft.com/office/drawing/2017/decorative" val="1"/>
+                </a:ext>
+              </a:extLst>
+            </p:cNvPr>
+            <p:cNvSpPr/>
+            <p:nvPr>
+              <p:extLst>
+                <p:ext uri="{386F3935-93C4-4BCD-93E2-E3B085C9AB24}">
+                  <p16:designElem xmlns:p16="http://schemas.microsoft.com/office/powerpoint/2015/main" val="1"/>
+                </p:ext>
+              </p:extLst>
+            </p:nvPr>
+          </p:nvSpPr>
+          <p:spPr>
+            <a:xfrm>
+              <a:off x="10849" y="15178"/>
+              <a:ext cx="1978674" cy="3074959"/>
+            </a:xfrm>
+            <a:custGeom>
+              <a:avLst/>
+              <a:gdLst>
+                <a:gd name="connsiteX0" fmla="*/ 0 w 2977477"/>
+                <a:gd name="connsiteY0" fmla="*/ 4627150 h 4627149"/>
+                <a:gd name="connsiteX1" fmla="*/ 275082 w 2977477"/>
+                <a:gd name="connsiteY1" fmla="*/ 4341590 h 4627149"/>
+                <a:gd name="connsiteX2" fmla="*/ 502825 w 2977477"/>
+                <a:gd name="connsiteY2" fmla="*/ 4054126 h 4627149"/>
+                <a:gd name="connsiteX3" fmla="*/ 666179 w 2977477"/>
+                <a:gd name="connsiteY3" fmla="*/ 3890677 h 4627149"/>
+                <a:gd name="connsiteX4" fmla="*/ 864203 w 2977477"/>
+                <a:gd name="connsiteY4" fmla="*/ 3675983 h 4627149"/>
+                <a:gd name="connsiteX5" fmla="*/ 982599 w 2977477"/>
+                <a:gd name="connsiteY5" fmla="*/ 3557492 h 4627149"/>
+                <a:gd name="connsiteX6" fmla="*/ 1188244 w 2977477"/>
+                <a:gd name="connsiteY6" fmla="*/ 3329654 h 4627149"/>
+                <a:gd name="connsiteX7" fmla="*/ 1344740 w 2977477"/>
+                <a:gd name="connsiteY7" fmla="*/ 3146774 h 4627149"/>
+                <a:gd name="connsiteX8" fmla="*/ 1470755 w 2977477"/>
+                <a:gd name="connsiteY8" fmla="*/ 2984659 h 4627149"/>
+                <a:gd name="connsiteX9" fmla="*/ 1657636 w 2977477"/>
+                <a:gd name="connsiteY9" fmla="*/ 2670239 h 4627149"/>
+                <a:gd name="connsiteX10" fmla="*/ 1762887 w 2977477"/>
+                <a:gd name="connsiteY10" fmla="*/ 2473547 h 4627149"/>
+                <a:gd name="connsiteX11" fmla="*/ 1866710 w 2977477"/>
+                <a:gd name="connsiteY11" fmla="*/ 2290667 h 4627149"/>
+                <a:gd name="connsiteX12" fmla="*/ 2106263 w 2977477"/>
+                <a:gd name="connsiteY12" fmla="*/ 2030254 h 4627149"/>
+                <a:gd name="connsiteX13" fmla="*/ 2277237 w 2977477"/>
+                <a:gd name="connsiteY13" fmla="*/ 1859185 h 4627149"/>
+                <a:gd name="connsiteX14" fmla="*/ 2499455 w 2977477"/>
+                <a:gd name="connsiteY14" fmla="*/ 1656207 h 4627149"/>
+                <a:gd name="connsiteX15" fmla="*/ 2707100 w 2977477"/>
+                <a:gd name="connsiteY15" fmla="*/ 1390269 h 4627149"/>
+                <a:gd name="connsiteX16" fmla="*/ 2812352 w 2977477"/>
+                <a:gd name="connsiteY16" fmla="*/ 1230916 h 4627149"/>
+                <a:gd name="connsiteX17" fmla="*/ 2898172 w 2977477"/>
+                <a:gd name="connsiteY17" fmla="*/ 1036987 h 4627149"/>
+                <a:gd name="connsiteX18" fmla="*/ 2963228 w 2977477"/>
+                <a:gd name="connsiteY18" fmla="*/ 850011 h 4627149"/>
+                <a:gd name="connsiteX19" fmla="*/ 2977325 w 2977477"/>
+                <a:gd name="connsiteY19" fmla="*/ 745427 h 4627149"/>
+                <a:gd name="connsiteX20" fmla="*/ 2929509 w 2977477"/>
+                <a:gd name="connsiteY20" fmla="*/ 480155 h 4627149"/>
+                <a:gd name="connsiteX21" fmla="*/ 2563082 w 2977477"/>
+                <a:gd name="connsiteY21" fmla="*/ 0 h 4627149"/>
+              </a:gdLst>
+              <a:ahLst/>
+              <a:cxnLst>
+                <a:cxn ang="0">
+                  <a:pos x="connsiteX0" y="connsiteY0"/>
+                </a:cxn>
+                <a:cxn ang="0">
+                  <a:pos x="connsiteX1" y="connsiteY1"/>
+                </a:cxn>
+                <a:cxn ang="0">
+                  <a:pos x="connsiteX2" y="connsiteY2"/>
+                </a:cxn>
+                <a:cxn ang="0">
+                  <a:pos x="connsiteX3" y="connsiteY3"/>
+                </a:cxn>
+                <a:cxn ang="0">
+                  <a:pos x="connsiteX4" y="connsiteY4"/>
+                </a:cxn>
+                <a:cxn ang="0">
+                  <a:pos x="connsiteX5" y="connsiteY5"/>
+                </a:cxn>
+                <a:cxn ang="0">
+                  <a:pos x="connsiteX6" y="connsiteY6"/>
+                </a:cxn>
+                <a:cxn ang="0">
+                  <a:pos x="connsiteX7" y="connsiteY7"/>
+                </a:cxn>
+                <a:cxn ang="0">
+                  <a:pos x="connsiteX8" y="connsiteY8"/>
+                </a:cxn>
+                <a:cxn ang="0">
+                  <a:pos x="connsiteX9" y="connsiteY9"/>
+                </a:cxn>
+                <a:cxn ang="0">
+                  <a:pos x="connsiteX10" y="connsiteY10"/>
+                </a:cxn>
+                <a:cxn ang="0">
+                  <a:pos x="connsiteX11" y="connsiteY11"/>
+                </a:cxn>
+                <a:cxn ang="0">
+                  <a:pos x="connsiteX12" y="connsiteY12"/>
+                </a:cxn>
+                <a:cxn ang="0">
+                  <a:pos x="connsiteX13" y="connsiteY13"/>
+                </a:cxn>
+                <a:cxn ang="0">
+                  <a:pos x="connsiteX14" y="connsiteY14"/>
+                </a:cxn>
+                <a:cxn ang="0">
+                  <a:pos x="connsiteX15" y="connsiteY15"/>
+                </a:cxn>
+                <a:cxn ang="0">
+                  <a:pos x="connsiteX16" y="connsiteY16"/>
+                </a:cxn>
+                <a:cxn ang="0">
+                  <a:pos x="connsiteX17" y="connsiteY17"/>
+                </a:cxn>
+                <a:cxn ang="0">
+                  <a:pos x="connsiteX18" y="connsiteY18"/>
+                </a:cxn>
+                <a:cxn ang="0">
+                  <a:pos x="connsiteX19" y="connsiteY19"/>
+                </a:cxn>
+                <a:cxn ang="0">
+                  <a:pos x="connsiteX20" y="connsiteY20"/>
+                </a:cxn>
+                <a:cxn ang="0">
+                  <a:pos x="connsiteX21" y="connsiteY21"/>
+                </a:cxn>
+              </a:cxnLst>
+              <a:rect l="l" t="t" r="r" b="b"/>
+              <a:pathLst>
+                <a:path w="2977477" h="4627149">
+                  <a:moveTo>
+                    <a:pt x="0" y="4627150"/>
+                  </a:moveTo>
+                  <a:cubicBezTo>
+                    <a:pt x="79820" y="4552283"/>
+                    <a:pt x="203835" y="4424648"/>
+                    <a:pt x="275082" y="4341590"/>
+                  </a:cubicBezTo>
+                  <a:cubicBezTo>
+                    <a:pt x="354711" y="4248722"/>
+                    <a:pt x="421005" y="4145090"/>
+                    <a:pt x="502825" y="4054126"/>
+                  </a:cubicBezTo>
+                  <a:cubicBezTo>
+                    <a:pt x="554355" y="3996881"/>
+                    <a:pt x="612362" y="3945827"/>
+                    <a:pt x="666179" y="3890677"/>
+                  </a:cubicBezTo>
+                  <a:cubicBezTo>
+                    <a:pt x="734187" y="3821049"/>
+                    <a:pt x="796671" y="3746183"/>
+                    <a:pt x="864203" y="3675983"/>
+                  </a:cubicBezTo>
+                  <a:cubicBezTo>
+                    <a:pt x="902875" y="3635788"/>
+                    <a:pt x="943642" y="3597593"/>
+                    <a:pt x="982599" y="3557492"/>
+                  </a:cubicBezTo>
+                  <a:cubicBezTo>
+                    <a:pt x="1053941" y="3484150"/>
+                    <a:pt x="1121378" y="3407093"/>
+                    <a:pt x="1188244" y="3329654"/>
+                  </a:cubicBezTo>
+                  <a:cubicBezTo>
+                    <a:pt x="1240631" y="3268885"/>
+                    <a:pt x="1293495" y="3208496"/>
+                    <a:pt x="1344740" y="3146774"/>
+                  </a:cubicBezTo>
+                  <a:cubicBezTo>
+                    <a:pt x="1388459" y="3094101"/>
+                    <a:pt x="1431512" y="3040761"/>
+                    <a:pt x="1470755" y="2984659"/>
+                  </a:cubicBezTo>
+                  <a:cubicBezTo>
+                    <a:pt x="1540764" y="2884646"/>
+                    <a:pt x="1598771" y="2777109"/>
+                    <a:pt x="1657636" y="2670239"/>
+                  </a:cubicBezTo>
+                  <a:cubicBezTo>
+                    <a:pt x="1693545" y="2605088"/>
+                    <a:pt x="1728502" y="2539460"/>
+                    <a:pt x="1762887" y="2473547"/>
+                  </a:cubicBezTo>
+                  <a:cubicBezTo>
+                    <a:pt x="1795367" y="2411349"/>
+                    <a:pt x="1826419" y="2348103"/>
+                    <a:pt x="1866710" y="2290667"/>
+                  </a:cubicBezTo>
+                  <a:cubicBezTo>
+                    <a:pt x="1934623" y="2193893"/>
+                    <a:pt x="2022729" y="2114169"/>
+                    <a:pt x="2106263" y="2030254"/>
+                  </a:cubicBezTo>
+                  <a:cubicBezTo>
+                    <a:pt x="2163128" y="1973104"/>
+                    <a:pt x="2218182" y="1914049"/>
+                    <a:pt x="2277237" y="1859185"/>
+                  </a:cubicBezTo>
+                  <a:cubicBezTo>
+                    <a:pt x="2350770" y="1790891"/>
+                    <a:pt x="2430304" y="1728978"/>
+                    <a:pt x="2499455" y="1656207"/>
+                  </a:cubicBezTo>
+                  <a:cubicBezTo>
+                    <a:pt x="2576989" y="1574578"/>
+                    <a:pt x="2641568" y="1481900"/>
+                    <a:pt x="2707100" y="1390269"/>
+                  </a:cubicBezTo>
+                  <a:cubicBezTo>
+                    <a:pt x="2744153" y="1338453"/>
+                    <a:pt x="2781586" y="1286732"/>
+                    <a:pt x="2812352" y="1230916"/>
+                  </a:cubicBezTo>
+                  <a:cubicBezTo>
+                    <a:pt x="2846546" y="1168908"/>
+                    <a:pt x="2872550" y="1102900"/>
+                    <a:pt x="2898172" y="1036987"/>
+                  </a:cubicBezTo>
+                  <a:cubicBezTo>
+                    <a:pt x="2922175" y="975455"/>
+                    <a:pt x="2948273" y="914305"/>
+                    <a:pt x="2963228" y="850011"/>
+                  </a:cubicBezTo>
+                  <a:cubicBezTo>
+                    <a:pt x="2971229" y="815626"/>
+                    <a:pt x="2976563" y="780764"/>
+                    <a:pt x="2977325" y="745427"/>
+                  </a:cubicBezTo>
+                  <a:cubicBezTo>
+                    <a:pt x="2979230" y="654844"/>
+                    <a:pt x="2963323" y="564261"/>
+                    <a:pt x="2929509" y="480155"/>
+                  </a:cubicBezTo>
+                  <a:cubicBezTo>
+                    <a:pt x="2851309" y="285655"/>
+                    <a:pt x="2563082" y="0"/>
+                    <a:pt x="2563082" y="0"/>
+                  </a:cubicBezTo>
+                </a:path>
+              </a:pathLst>
+            </a:custGeom>
+            <a:noFill/>
+            <a:ln w="9525" cap="rnd">
+              <a:solidFill>
+                <a:schemeClr val="accent2">
+                  <a:alpha val="50000"/>
+                </a:schemeClr>
+              </a:solidFill>
+              <a:prstDash val="lgDash"/>
+              <a:round/>
+            </a:ln>
+          </p:spPr>
+          <p:txBody>
+            <a:bodyPr rtlCol="0" anchor="ctr"/>
+            <a:lstStyle/>
+            <a:p>
+              <a:endParaRPr lang="en-US"/>
+            </a:p>
+          </p:txBody>
+        </p:sp>
+        <p:sp>
+          <p:nvSpPr>
+            <p:cNvPr id="18" name="Freeform: Shape 17">
+              <a:extLst>
+                <a:ext uri="{FF2B5EF4-FFF2-40B4-BE49-F238E27FC236}">
+                  <a16:creationId xmlns:a16="http://schemas.microsoft.com/office/drawing/2014/main" id="{01561934-15F2-4620-A65F-28EB73CD7DD4}"/>
+                </a:ext>
+                <a:ext uri="{C183D7F6-B498-43B3-948B-1728B52AA6E4}">
+                  <adec:decorative xmlns:adec="http://schemas.microsoft.com/office/drawing/2017/decorative" val="1"/>
+                </a:ext>
+              </a:extLst>
+            </p:cNvPr>
+            <p:cNvSpPr/>
+            <p:nvPr>
+              <p:extLst>
+                <p:ext uri="{386F3935-93C4-4BCD-93E2-E3B085C9AB24}">
+                  <p16:designElem xmlns:p16="http://schemas.microsoft.com/office/powerpoint/2015/main" val="1"/>
+                </p:ext>
+              </p:extLst>
+            </p:nvPr>
+          </p:nvSpPr>
+          <p:spPr>
+            <a:xfrm>
+              <a:off x="25092" y="15178"/>
+              <a:ext cx="1566146" cy="2737264"/>
+            </a:xfrm>
+            <a:custGeom>
+              <a:avLst/>
+              <a:gdLst>
+                <a:gd name="connsiteX0" fmla="*/ 1707071 w 2356712"/>
+                <a:gd name="connsiteY0" fmla="*/ 0 h 4118991"/>
+                <a:gd name="connsiteX1" fmla="*/ 1824514 w 2356712"/>
+                <a:gd name="connsiteY1" fmla="*/ 244697 h 4118991"/>
+                <a:gd name="connsiteX2" fmla="*/ 1908715 w 2356712"/>
+                <a:gd name="connsiteY2" fmla="*/ 328994 h 4118991"/>
+                <a:gd name="connsiteX3" fmla="*/ 2226469 w 2356712"/>
+                <a:gd name="connsiteY3" fmla="*/ 603695 h 4118991"/>
+                <a:gd name="connsiteX4" fmla="*/ 2355628 w 2356712"/>
+                <a:gd name="connsiteY4" fmla="*/ 900494 h 4118991"/>
+                <a:gd name="connsiteX5" fmla="*/ 2281428 w 2356712"/>
+                <a:gd name="connsiteY5" fmla="*/ 1206913 h 4118991"/>
+                <a:gd name="connsiteX6" fmla="*/ 2092452 w 2356712"/>
+                <a:gd name="connsiteY6" fmla="*/ 1460659 h 4118991"/>
+                <a:gd name="connsiteX7" fmla="*/ 1834039 w 2356712"/>
+                <a:gd name="connsiteY7" fmla="*/ 1625822 h 4118991"/>
+                <a:gd name="connsiteX8" fmla="*/ 1558862 w 2356712"/>
+                <a:gd name="connsiteY8" fmla="*/ 1743075 h 4118991"/>
+                <a:gd name="connsiteX9" fmla="*/ 1386554 w 2356712"/>
+                <a:gd name="connsiteY9" fmla="*/ 1869948 h 4118991"/>
+                <a:gd name="connsiteX10" fmla="*/ 1271683 w 2356712"/>
+                <a:gd name="connsiteY10" fmla="*/ 2073402 h 4118991"/>
+                <a:gd name="connsiteX11" fmla="*/ 1178338 w 2356712"/>
+                <a:gd name="connsiteY11" fmla="*/ 2355914 h 4118991"/>
+                <a:gd name="connsiteX12" fmla="*/ 1113758 w 2356712"/>
+                <a:gd name="connsiteY12" fmla="*/ 2578513 h 4118991"/>
+                <a:gd name="connsiteX13" fmla="*/ 1034796 w 2356712"/>
+                <a:gd name="connsiteY13" fmla="*/ 2834640 h 4118991"/>
+                <a:gd name="connsiteX14" fmla="*/ 905637 w 2356712"/>
+                <a:gd name="connsiteY14" fmla="*/ 3081242 h 4118991"/>
+                <a:gd name="connsiteX15" fmla="*/ 793147 w 2356712"/>
+                <a:gd name="connsiteY15" fmla="*/ 3258407 h 4118991"/>
+                <a:gd name="connsiteX16" fmla="*/ 546735 w 2356712"/>
+                <a:gd name="connsiteY16" fmla="*/ 3571970 h 4118991"/>
+                <a:gd name="connsiteX17" fmla="*/ 346996 w 2356712"/>
+                <a:gd name="connsiteY17" fmla="*/ 3771900 h 4118991"/>
+                <a:gd name="connsiteX18" fmla="*/ 174689 w 2356712"/>
+                <a:gd name="connsiteY18" fmla="*/ 3944207 h 4118991"/>
+                <a:gd name="connsiteX19" fmla="*/ 0 w 2356712"/>
+                <a:gd name="connsiteY19" fmla="*/ 4118991 h 4118991"/>
+              </a:gdLst>
+              <a:ahLst/>
+              <a:cxnLst>
+                <a:cxn ang="0">
+                  <a:pos x="connsiteX0" y="connsiteY0"/>
+                </a:cxn>
+                <a:cxn ang="0">
+                  <a:pos x="connsiteX1" y="connsiteY1"/>
+                </a:cxn>
+                <a:cxn ang="0">
+                  <a:pos x="connsiteX2" y="connsiteY2"/>
+                </a:cxn>
+                <a:cxn ang="0">
+                  <a:pos x="connsiteX3" y="connsiteY3"/>
+                </a:cxn>
+                <a:cxn ang="0">
+                  <a:pos x="connsiteX4" y="connsiteY4"/>
+                </a:cxn>
+                <a:cxn ang="0">
+                  <a:pos x="connsiteX5" y="connsiteY5"/>
+                </a:cxn>
+                <a:cxn ang="0">
+                  <a:pos x="connsiteX6" y="connsiteY6"/>
+                </a:cxn>
+                <a:cxn ang="0">
+                  <a:pos x="connsiteX7" y="connsiteY7"/>
+                </a:cxn>
+                <a:cxn ang="0">
+                  <a:pos x="connsiteX8" y="connsiteY8"/>
+                </a:cxn>
+                <a:cxn ang="0">
+                  <a:pos x="connsiteX9" y="connsiteY9"/>
+                </a:cxn>
+                <a:cxn ang="0">
+                  <a:pos x="connsiteX10" y="connsiteY10"/>
+                </a:cxn>
+                <a:cxn ang="0">
+                  <a:pos x="connsiteX11" y="connsiteY11"/>
+                </a:cxn>
+                <a:cxn ang="0">
+                  <a:pos x="connsiteX12" y="connsiteY12"/>
+                </a:cxn>
+                <a:cxn ang="0">
+                  <a:pos x="connsiteX13" y="connsiteY13"/>
+                </a:cxn>
+                <a:cxn ang="0">
+                  <a:pos x="connsiteX14" y="connsiteY14"/>
+                </a:cxn>
+                <a:cxn ang="0">
+                  <a:pos x="connsiteX15" y="connsiteY15"/>
+                </a:cxn>
+                <a:cxn ang="0">
+                  <a:pos x="connsiteX16" y="connsiteY16"/>
+                </a:cxn>
+                <a:cxn ang="0">
+                  <a:pos x="connsiteX17" y="connsiteY17"/>
+                </a:cxn>
+                <a:cxn ang="0">
+                  <a:pos x="connsiteX18" y="connsiteY18"/>
+                </a:cxn>
+                <a:cxn ang="0">
+                  <a:pos x="connsiteX19" y="connsiteY19"/>
+                </a:cxn>
+              </a:cxnLst>
+              <a:rect l="l" t="t" r="r" b="b"/>
+              <a:pathLst>
+                <a:path w="2356712" h="4118991">
+                  <a:moveTo>
+                    <a:pt x="1707071" y="0"/>
+                  </a:moveTo>
+                  <a:cubicBezTo>
+                    <a:pt x="1715357" y="22098"/>
+                    <a:pt x="1812608" y="224409"/>
+                    <a:pt x="1824514" y="244697"/>
+                  </a:cubicBezTo>
+                  <a:cubicBezTo>
+                    <a:pt x="1844802" y="279273"/>
+                    <a:pt x="1876996" y="304324"/>
+                    <a:pt x="1908715" y="328994"/>
+                  </a:cubicBezTo>
+                  <a:cubicBezTo>
+                    <a:pt x="2019967" y="415195"/>
+                    <a:pt x="2137886" y="494633"/>
+                    <a:pt x="2226469" y="603695"/>
+                  </a:cubicBezTo>
+                  <a:cubicBezTo>
+                    <a:pt x="2296287" y="689610"/>
+                    <a:pt x="2347817" y="790480"/>
+                    <a:pt x="2355628" y="900494"/>
+                  </a:cubicBezTo>
+                  <a:cubicBezTo>
+                    <a:pt x="2363248" y="1007078"/>
+                    <a:pt x="2329910" y="1111187"/>
+                    <a:pt x="2281428" y="1206913"/>
+                  </a:cubicBezTo>
+                  <a:cubicBezTo>
+                    <a:pt x="2233422" y="1301877"/>
+                    <a:pt x="2170938" y="1388936"/>
+                    <a:pt x="2092452" y="1460659"/>
+                  </a:cubicBezTo>
+                  <a:cubicBezTo>
+                    <a:pt x="2016538" y="1530001"/>
+                    <a:pt x="1927765" y="1583436"/>
+                    <a:pt x="1834039" y="1625822"/>
+                  </a:cubicBezTo>
+                  <a:cubicBezTo>
+                    <a:pt x="1743075" y="1666970"/>
+                    <a:pt x="1647730" y="1697736"/>
+                    <a:pt x="1558862" y="1743075"/>
+                  </a:cubicBezTo>
+                  <a:cubicBezTo>
+                    <a:pt x="1494758" y="1775841"/>
+                    <a:pt x="1434275" y="1816132"/>
+                    <a:pt x="1386554" y="1869948"/>
+                  </a:cubicBezTo>
+                  <a:cubicBezTo>
+                    <a:pt x="1334548" y="1928622"/>
+                    <a:pt x="1300544" y="2000345"/>
+                    <a:pt x="1271683" y="2073402"/>
+                  </a:cubicBezTo>
+                  <a:cubicBezTo>
+                    <a:pt x="1235202" y="2165699"/>
+                    <a:pt x="1206722" y="2260759"/>
+                    <a:pt x="1178338" y="2355914"/>
+                  </a:cubicBezTo>
+                  <a:cubicBezTo>
+                    <a:pt x="1156240" y="2429923"/>
+                    <a:pt x="1134237" y="2504028"/>
+                    <a:pt x="1113758" y="2578513"/>
+                  </a:cubicBezTo>
+                  <a:cubicBezTo>
+                    <a:pt x="1090041" y="2664714"/>
+                    <a:pt x="1068134" y="2751678"/>
+                    <a:pt x="1034796" y="2834640"/>
+                  </a:cubicBezTo>
+                  <a:cubicBezTo>
+                    <a:pt x="1000125" y="2920841"/>
+                    <a:pt x="953643" y="3001613"/>
+                    <a:pt x="905637" y="3081242"/>
+                  </a:cubicBezTo>
+                  <a:cubicBezTo>
+                    <a:pt x="869442" y="3141155"/>
+                    <a:pt x="832295" y="3200400"/>
+                    <a:pt x="793147" y="3258407"/>
+                  </a:cubicBezTo>
+                  <a:cubicBezTo>
+                    <a:pt x="718661" y="3368802"/>
+                    <a:pt x="637223" y="3474434"/>
+                    <a:pt x="546735" y="3571970"/>
+                  </a:cubicBezTo>
+                  <a:cubicBezTo>
+                    <a:pt x="482632" y="3641027"/>
+                    <a:pt x="414147" y="3705797"/>
+                    <a:pt x="346996" y="3771900"/>
+                  </a:cubicBezTo>
+                  <a:cubicBezTo>
+                    <a:pt x="288989" y="3828764"/>
+                    <a:pt x="232029" y="3886676"/>
+                    <a:pt x="174689" y="3944207"/>
+                  </a:cubicBezTo>
+                  <a:cubicBezTo>
+                    <a:pt x="116586" y="4002596"/>
+                    <a:pt x="58293" y="4060698"/>
+                    <a:pt x="0" y="4118991"/>
+                  </a:cubicBezTo>
+                </a:path>
+              </a:pathLst>
+            </a:custGeom>
+            <a:noFill/>
+            <a:ln w="9525" cap="rnd">
+              <a:solidFill>
+                <a:schemeClr val="accent2">
+                  <a:alpha val="50000"/>
+                </a:schemeClr>
+              </a:solidFill>
+              <a:prstDash val="lgDash"/>
+              <a:round/>
+            </a:ln>
+          </p:spPr>
+          <p:txBody>
+            <a:bodyPr rtlCol="0" anchor="ctr"/>
+            <a:lstStyle/>
+            <a:p>
+              <a:endParaRPr lang="en-US"/>
+            </a:p>
+          </p:txBody>
+        </p:sp>
+        <p:sp>
+          <p:nvSpPr>
+            <p:cNvPr id="19" name="Freeform: Shape 18">
+              <a:extLst>
+                <a:ext uri="{FF2B5EF4-FFF2-40B4-BE49-F238E27FC236}">
+                  <a16:creationId xmlns:a16="http://schemas.microsoft.com/office/drawing/2014/main" id="{DB9278E2-D464-4DE2-B229-D3D02ED2B12B}"/>
+                </a:ext>
+                <a:ext uri="{C183D7F6-B498-43B3-948B-1728B52AA6E4}">
+                  <adec:decorative xmlns:adec="http://schemas.microsoft.com/office/drawing/2017/decorative" val="1"/>
+                </a:ext>
+              </a:extLst>
+            </p:cNvPr>
+            <p:cNvSpPr/>
+            <p:nvPr>
+              <p:extLst>
+                <p:ext uri="{386F3935-93C4-4BCD-93E2-E3B085C9AB24}">
+                  <p16:designElem xmlns:p16="http://schemas.microsoft.com/office/powerpoint/2015/main" val="1"/>
+                </p:ext>
+              </p:extLst>
+            </p:nvPr>
+          </p:nvSpPr>
+          <p:spPr>
+            <a:xfrm>
+              <a:off x="10849" y="15178"/>
+              <a:ext cx="1368431" cy="2644975"/>
+            </a:xfrm>
+            <a:custGeom>
+              <a:avLst/>
+              <a:gdLst>
+                <a:gd name="connsiteX0" fmla="*/ 0 w 2059193"/>
+                <a:gd name="connsiteY0" fmla="*/ 3980116 h 3980116"/>
+                <a:gd name="connsiteX1" fmla="*/ 471583 w 2059193"/>
+                <a:gd name="connsiteY1" fmla="*/ 3515678 h 3980116"/>
+                <a:gd name="connsiteX2" fmla="*/ 758666 w 2059193"/>
+                <a:gd name="connsiteY2" fmla="*/ 3163824 h 3980116"/>
+                <a:gd name="connsiteX3" fmla="*/ 940499 w 2059193"/>
+                <a:gd name="connsiteY3" fmla="*/ 2780824 h 3980116"/>
+                <a:gd name="connsiteX4" fmla="*/ 1055370 w 2059193"/>
+                <a:gd name="connsiteY4" fmla="*/ 2242185 h 3980116"/>
+                <a:gd name="connsiteX5" fmla="*/ 1136714 w 2059193"/>
+                <a:gd name="connsiteY5" fmla="*/ 1878330 h 3980116"/>
+                <a:gd name="connsiteX6" fmla="*/ 1246727 w 2059193"/>
+                <a:gd name="connsiteY6" fmla="*/ 1562386 h 3980116"/>
+                <a:gd name="connsiteX7" fmla="*/ 1378363 w 2059193"/>
+                <a:gd name="connsiteY7" fmla="*/ 1430750 h 3980116"/>
+                <a:gd name="connsiteX8" fmla="*/ 1691831 w 2059193"/>
+                <a:gd name="connsiteY8" fmla="*/ 1394841 h 3980116"/>
+                <a:gd name="connsiteX9" fmla="*/ 1914335 w 2059193"/>
+                <a:gd name="connsiteY9" fmla="*/ 1323023 h 3980116"/>
+                <a:gd name="connsiteX10" fmla="*/ 2055495 w 2059193"/>
+                <a:gd name="connsiteY10" fmla="*/ 1098042 h 3980116"/>
+                <a:gd name="connsiteX11" fmla="*/ 2033969 w 2059193"/>
+                <a:gd name="connsiteY11" fmla="*/ 930497 h 3980116"/>
+                <a:gd name="connsiteX12" fmla="*/ 1885664 w 2059193"/>
+                <a:gd name="connsiteY12" fmla="*/ 760571 h 3980116"/>
+                <a:gd name="connsiteX13" fmla="*/ 1636871 w 2059193"/>
+                <a:gd name="connsiteY13" fmla="*/ 612172 h 3980116"/>
+                <a:gd name="connsiteX14" fmla="*/ 1335405 w 2059193"/>
+                <a:gd name="connsiteY14" fmla="*/ 459010 h 3980116"/>
+                <a:gd name="connsiteX15" fmla="*/ 1234916 w 2059193"/>
+                <a:gd name="connsiteY15" fmla="*/ 269939 h 3980116"/>
+                <a:gd name="connsiteX16" fmla="*/ 1386935 w 2059193"/>
+                <a:gd name="connsiteY16" fmla="*/ 0 h 3980116"/>
+              </a:gdLst>
+              <a:ahLst/>
+              <a:cxnLst>
+                <a:cxn ang="0">
+                  <a:pos x="connsiteX0" y="connsiteY0"/>
+                </a:cxn>
+                <a:cxn ang="0">
+                  <a:pos x="connsiteX1" y="connsiteY1"/>
+                </a:cxn>
+                <a:cxn ang="0">
+                  <a:pos x="connsiteX2" y="connsiteY2"/>
+                </a:cxn>
+                <a:cxn ang="0">
+                  <a:pos x="connsiteX3" y="connsiteY3"/>
+                </a:cxn>
+                <a:cxn ang="0">
+                  <a:pos x="connsiteX4" y="connsiteY4"/>
+                </a:cxn>
+                <a:cxn ang="0">
+                  <a:pos x="connsiteX5" y="connsiteY5"/>
+                </a:cxn>
+                <a:cxn ang="0">
+                  <a:pos x="connsiteX6" y="connsiteY6"/>
+                </a:cxn>
+                <a:cxn ang="0">
+                  <a:pos x="connsiteX7" y="connsiteY7"/>
+                </a:cxn>
+                <a:cxn ang="0">
+                  <a:pos x="connsiteX8" y="connsiteY8"/>
+                </a:cxn>
+                <a:cxn ang="0">
+                  <a:pos x="connsiteX9" y="connsiteY9"/>
+                </a:cxn>
+                <a:cxn ang="0">
+                  <a:pos x="connsiteX10" y="connsiteY10"/>
+                </a:cxn>
+                <a:cxn ang="0">
+                  <a:pos x="connsiteX11" y="connsiteY11"/>
+                </a:cxn>
+                <a:cxn ang="0">
+                  <a:pos x="connsiteX12" y="connsiteY12"/>
+                </a:cxn>
+                <a:cxn ang="0">
+                  <a:pos x="connsiteX13" y="connsiteY13"/>
+                </a:cxn>
+                <a:cxn ang="0">
+                  <a:pos x="connsiteX14" y="connsiteY14"/>
+                </a:cxn>
+                <a:cxn ang="0">
+                  <a:pos x="connsiteX15" y="connsiteY15"/>
+                </a:cxn>
+                <a:cxn ang="0">
+                  <a:pos x="connsiteX16" y="connsiteY16"/>
+                </a:cxn>
+              </a:cxnLst>
+              <a:rect l="l" t="t" r="r" b="b"/>
+              <a:pathLst>
+                <a:path w="2059193" h="3980116">
+                  <a:moveTo>
+                    <a:pt x="0" y="3980116"/>
+                  </a:moveTo>
+                  <a:cubicBezTo>
+                    <a:pt x="91345" y="3889534"/>
+                    <a:pt x="382715" y="3608737"/>
+                    <a:pt x="471583" y="3515678"/>
+                  </a:cubicBezTo>
+                  <a:cubicBezTo>
+                    <a:pt x="576358" y="3405949"/>
+                    <a:pt x="675989" y="3290983"/>
+                    <a:pt x="758666" y="3163824"/>
+                  </a:cubicBezTo>
+                  <a:cubicBezTo>
+                    <a:pt x="836105" y="3044857"/>
+                    <a:pt x="897445" y="2916079"/>
+                    <a:pt x="940499" y="2780824"/>
+                  </a:cubicBezTo>
+                  <a:cubicBezTo>
+                    <a:pt x="996315" y="2605754"/>
+                    <a:pt x="1020985" y="2422874"/>
+                    <a:pt x="1055370" y="2242185"/>
+                  </a:cubicBezTo>
+                  <a:cubicBezTo>
+                    <a:pt x="1078611" y="2120075"/>
+                    <a:pt x="1107472" y="1999107"/>
+                    <a:pt x="1136714" y="1878330"/>
+                  </a:cubicBezTo>
+                  <a:cubicBezTo>
+                    <a:pt x="1163098" y="1769174"/>
+                    <a:pt x="1189482" y="1658588"/>
+                    <a:pt x="1246727" y="1562386"/>
+                  </a:cubicBezTo>
+                  <a:cubicBezTo>
+                    <a:pt x="1279208" y="1507808"/>
+                    <a:pt x="1321689" y="1459039"/>
+                    <a:pt x="1378363" y="1430750"/>
+                  </a:cubicBezTo>
+                  <a:cubicBezTo>
+                    <a:pt x="1473327" y="1383221"/>
+                    <a:pt x="1584865" y="1402652"/>
+                    <a:pt x="1691831" y="1394841"/>
+                  </a:cubicBezTo>
+                  <a:cubicBezTo>
+                    <a:pt x="1771079" y="1389031"/>
+                    <a:pt x="1849279" y="1368266"/>
+                    <a:pt x="1914335" y="1323023"/>
+                  </a:cubicBezTo>
+                  <a:cubicBezTo>
+                    <a:pt x="1989963" y="1270445"/>
+                    <a:pt x="2041493" y="1189101"/>
+                    <a:pt x="2055495" y="1098042"/>
+                  </a:cubicBezTo>
+                  <a:cubicBezTo>
+                    <a:pt x="2064258" y="1041178"/>
+                    <a:pt x="2057591" y="982980"/>
+                    <a:pt x="2033969" y="930497"/>
+                  </a:cubicBezTo>
+                  <a:cubicBezTo>
+                    <a:pt x="2002727" y="861060"/>
+                    <a:pt x="1945958" y="807625"/>
+                    <a:pt x="1885664" y="760571"/>
+                  </a:cubicBezTo>
+                  <a:cubicBezTo>
+                    <a:pt x="1809179" y="700945"/>
+                    <a:pt x="1725549" y="651415"/>
+                    <a:pt x="1636871" y="612172"/>
+                  </a:cubicBezTo>
+                  <a:cubicBezTo>
+                    <a:pt x="1532763" y="566071"/>
+                    <a:pt x="1421606" y="532543"/>
+                    <a:pt x="1335405" y="459010"/>
+                  </a:cubicBezTo>
+                  <a:cubicBezTo>
+                    <a:pt x="1277969" y="409956"/>
+                    <a:pt x="1232059" y="344615"/>
+                    <a:pt x="1234916" y="269939"/>
+                  </a:cubicBezTo>
+                  <a:cubicBezTo>
+                    <a:pt x="1237012" y="211741"/>
+                    <a:pt x="1386935" y="0"/>
+                    <a:pt x="1386935" y="0"/>
+                  </a:cubicBezTo>
+                </a:path>
+              </a:pathLst>
+            </a:custGeom>
+            <a:noFill/>
+            <a:ln w="9525" cap="rnd">
+              <a:solidFill>
+                <a:schemeClr val="accent2">
+                  <a:alpha val="50000"/>
+                </a:schemeClr>
+              </a:solidFill>
+              <a:prstDash val="lgDash"/>
+              <a:round/>
+            </a:ln>
+          </p:spPr>
+          <p:txBody>
+            <a:bodyPr rtlCol="0" anchor="ctr"/>
+            <a:lstStyle/>
+            <a:p>
+              <a:endParaRPr lang="en-US"/>
+            </a:p>
+          </p:txBody>
+        </p:sp>
+        <p:sp>
+          <p:nvSpPr>
+            <p:cNvPr id="20" name="Freeform: Shape 19">
+              <a:extLst>
+                <a:ext uri="{FF2B5EF4-FFF2-40B4-BE49-F238E27FC236}">
+                  <a16:creationId xmlns:a16="http://schemas.microsoft.com/office/drawing/2014/main" id="{67AA3CE0-412D-4C03-9203-878479E0A1C0}"/>
+                </a:ext>
+                <a:ext uri="{C183D7F6-B498-43B3-948B-1728B52AA6E4}">
+                  <adec:decorative xmlns:adec="http://schemas.microsoft.com/office/drawing/2017/decorative" val="1"/>
+                </a:ext>
+              </a:extLst>
+            </p:cNvPr>
+            <p:cNvSpPr/>
+            <p:nvPr>
+              <p:extLst>
+                <p:ext uri="{386F3935-93C4-4BCD-93E2-E3B085C9AB24}">
+                  <p16:designElem xmlns:p16="http://schemas.microsoft.com/office/powerpoint/2015/main" val="1"/>
+                </p:ext>
+              </p:extLst>
+            </p:nvPr>
+          </p:nvSpPr>
+          <p:spPr>
+            <a:xfrm>
+              <a:off x="18825" y="543780"/>
+              <a:ext cx="494287" cy="1905590"/>
+            </a:xfrm>
+            <a:custGeom>
+              <a:avLst/>
+              <a:gdLst>
+                <a:gd name="connsiteX0" fmla="*/ 11144 w 743796"/>
+                <a:gd name="connsiteY0" fmla="*/ 0 h 2867501"/>
+                <a:gd name="connsiteX1" fmla="*/ 353663 w 743796"/>
+                <a:gd name="connsiteY1" fmla="*/ 55245 h 2867501"/>
+                <a:gd name="connsiteX2" fmla="*/ 571405 w 743796"/>
+                <a:gd name="connsiteY2" fmla="*/ 179737 h 2867501"/>
+                <a:gd name="connsiteX3" fmla="*/ 688658 w 743796"/>
+                <a:gd name="connsiteY3" fmla="*/ 368808 h 2867501"/>
+                <a:gd name="connsiteX4" fmla="*/ 731711 w 743796"/>
+                <a:gd name="connsiteY4" fmla="*/ 612934 h 2867501"/>
+                <a:gd name="connsiteX5" fmla="*/ 725233 w 743796"/>
+                <a:gd name="connsiteY5" fmla="*/ 995648 h 2867501"/>
+                <a:gd name="connsiteX6" fmla="*/ 742855 w 743796"/>
+                <a:gd name="connsiteY6" fmla="*/ 1499330 h 2867501"/>
+                <a:gd name="connsiteX7" fmla="*/ 707898 w 743796"/>
+                <a:gd name="connsiteY7" fmla="*/ 1793081 h 2867501"/>
+                <a:gd name="connsiteX8" fmla="*/ 633222 w 743796"/>
+                <a:gd name="connsiteY8" fmla="*/ 2073592 h 2867501"/>
+                <a:gd name="connsiteX9" fmla="*/ 404527 w 743796"/>
+                <a:gd name="connsiteY9" fmla="*/ 2472404 h 2867501"/>
+                <a:gd name="connsiteX10" fmla="*/ 0 w 743796"/>
+                <a:gd name="connsiteY10" fmla="*/ 2867501 h 2867501"/>
+              </a:gdLst>
+              <a:ahLst/>
+              <a:cxnLst>
+                <a:cxn ang="0">
+                  <a:pos x="connsiteX0" y="connsiteY0"/>
+                </a:cxn>
+                <a:cxn ang="0">
+                  <a:pos x="connsiteX1" y="connsiteY1"/>
+                </a:cxn>
+                <a:cxn ang="0">
+                  <a:pos x="connsiteX2" y="connsiteY2"/>
+                </a:cxn>
+                <a:cxn ang="0">
+                  <a:pos x="connsiteX3" y="connsiteY3"/>
+                </a:cxn>
+                <a:cxn ang="0">
+                  <a:pos x="connsiteX4" y="connsiteY4"/>
+                </a:cxn>
+                <a:cxn ang="0">
+                  <a:pos x="connsiteX5" y="connsiteY5"/>
+                </a:cxn>
+                <a:cxn ang="0">
+                  <a:pos x="connsiteX6" y="connsiteY6"/>
+                </a:cxn>
+                <a:cxn ang="0">
+                  <a:pos x="connsiteX7" y="connsiteY7"/>
+                </a:cxn>
+                <a:cxn ang="0">
+                  <a:pos x="connsiteX8" y="connsiteY8"/>
+                </a:cxn>
+                <a:cxn ang="0">
+                  <a:pos x="connsiteX9" y="connsiteY9"/>
+                </a:cxn>
+                <a:cxn ang="0">
+                  <a:pos x="connsiteX10" y="connsiteY10"/>
+                </a:cxn>
+              </a:cxnLst>
+              <a:rect l="l" t="t" r="r" b="b"/>
+              <a:pathLst>
+                <a:path w="743796" h="2867501">
+                  <a:moveTo>
+                    <a:pt x="11144" y="0"/>
+                  </a:moveTo>
+                  <a:cubicBezTo>
+                    <a:pt x="101060" y="2953"/>
+                    <a:pt x="268796" y="25146"/>
+                    <a:pt x="353663" y="55245"/>
+                  </a:cubicBezTo>
+                  <a:cubicBezTo>
+                    <a:pt x="433483" y="83534"/>
+                    <a:pt x="510635" y="120967"/>
+                    <a:pt x="571405" y="179737"/>
+                  </a:cubicBezTo>
+                  <a:cubicBezTo>
+                    <a:pt x="625412" y="231934"/>
+                    <a:pt x="663607" y="297942"/>
+                    <a:pt x="688658" y="368808"/>
+                  </a:cubicBezTo>
+                  <a:cubicBezTo>
+                    <a:pt x="716375" y="447103"/>
+                    <a:pt x="727996" y="529876"/>
+                    <a:pt x="731711" y="612934"/>
+                  </a:cubicBezTo>
+                  <a:cubicBezTo>
+                    <a:pt x="737426" y="740474"/>
+                    <a:pt x="724948" y="867918"/>
+                    <a:pt x="725233" y="995648"/>
+                  </a:cubicBezTo>
+                  <a:cubicBezTo>
+                    <a:pt x="725710" y="1163765"/>
+                    <a:pt x="748665" y="1331309"/>
+                    <a:pt x="742855" y="1499330"/>
+                  </a:cubicBezTo>
+                  <a:cubicBezTo>
+                    <a:pt x="739426" y="1598009"/>
+                    <a:pt x="725996" y="1696022"/>
+                    <a:pt x="707898" y="1793081"/>
+                  </a:cubicBezTo>
+                  <a:cubicBezTo>
+                    <a:pt x="690086" y="1888426"/>
+                    <a:pt x="666845" y="1982724"/>
+                    <a:pt x="633222" y="2073592"/>
+                  </a:cubicBezTo>
+                  <a:cubicBezTo>
+                    <a:pt x="579692" y="2218182"/>
+                    <a:pt x="499682" y="2351056"/>
+                    <a:pt x="404527" y="2472404"/>
+                  </a:cubicBezTo>
+                  <a:cubicBezTo>
+                    <a:pt x="266033" y="2648902"/>
+                    <a:pt x="179642" y="2732818"/>
+                    <a:pt x="0" y="2867501"/>
+                  </a:cubicBezTo>
+                </a:path>
+              </a:pathLst>
+            </a:custGeom>
+            <a:noFill/>
+            <a:ln w="9525" cap="rnd">
+              <a:solidFill>
+                <a:schemeClr val="accent2">
+                  <a:alpha val="50000"/>
+                </a:schemeClr>
+              </a:solidFill>
+              <a:prstDash val="lgDash"/>
+              <a:round/>
+            </a:ln>
+          </p:spPr>
+          <p:txBody>
+            <a:bodyPr rtlCol="0" anchor="ctr"/>
+            <a:lstStyle/>
+            <a:p>
+              <a:endParaRPr lang="en-US"/>
+            </a:p>
+          </p:txBody>
+        </p:sp>
+        <p:sp>
+          <p:nvSpPr>
+            <p:cNvPr id="21" name="Freeform: Shape 20">
+              <a:extLst>
+                <a:ext uri="{FF2B5EF4-FFF2-40B4-BE49-F238E27FC236}">
+                  <a16:creationId xmlns:a16="http://schemas.microsoft.com/office/drawing/2014/main" id="{85785346-E446-47E2-B3DD-C1C561E68938}"/>
+                </a:ext>
+                <a:ext uri="{C183D7F6-B498-43B3-948B-1728B52AA6E4}">
+                  <adec:decorative xmlns:adec="http://schemas.microsoft.com/office/drawing/2017/decorative" val="1"/>
+                </a:ext>
+              </a:extLst>
+            </p:cNvPr>
+            <p:cNvSpPr/>
+            <p:nvPr>
+              <p:extLst>
+                <p:ext uri="{386F3935-93C4-4BCD-93E2-E3B085C9AB24}">
+                  <p16:designElem xmlns:p16="http://schemas.microsoft.com/office/powerpoint/2015/main" val="1"/>
+                </p:ext>
+              </p:extLst>
+            </p:nvPr>
+          </p:nvSpPr>
+          <p:spPr>
+            <a:xfrm>
+              <a:off x="10849" y="672286"/>
+              <a:ext cx="396930" cy="1690303"/>
+            </a:xfrm>
+            <a:custGeom>
+              <a:avLst/>
+              <a:gdLst>
+                <a:gd name="connsiteX0" fmla="*/ 16478 w 597294"/>
+                <a:gd name="connsiteY0" fmla="*/ 2079 h 2543540"/>
+                <a:gd name="connsiteX1" fmla="*/ 299847 w 597294"/>
+                <a:gd name="connsiteY1" fmla="*/ 53991 h 2543540"/>
+                <a:gd name="connsiteX2" fmla="*/ 503206 w 597294"/>
+                <a:gd name="connsiteY2" fmla="*/ 291354 h 2543540"/>
+                <a:gd name="connsiteX3" fmla="*/ 525113 w 597294"/>
+                <a:gd name="connsiteY3" fmla="*/ 724265 h 2543540"/>
+                <a:gd name="connsiteX4" fmla="*/ 578930 w 597294"/>
+                <a:gd name="connsiteY4" fmla="*/ 1117267 h 2543540"/>
+                <a:gd name="connsiteX5" fmla="*/ 592931 w 597294"/>
+                <a:gd name="connsiteY5" fmla="*/ 1476359 h 2543540"/>
+                <a:gd name="connsiteX6" fmla="*/ 503206 w 597294"/>
+                <a:gd name="connsiteY6" fmla="*/ 1859359 h 2543540"/>
+                <a:gd name="connsiteX7" fmla="*/ 291846 w 597294"/>
+                <a:gd name="connsiteY7" fmla="*/ 2250361 h 2543540"/>
+                <a:gd name="connsiteX8" fmla="*/ 0 w 597294"/>
+                <a:gd name="connsiteY8" fmla="*/ 2543540 h 2543540"/>
+              </a:gdLst>
+              <a:ahLst/>
+              <a:cxnLst>
+                <a:cxn ang="0">
+                  <a:pos x="connsiteX0" y="connsiteY0"/>
+                </a:cxn>
+                <a:cxn ang="0">
+                  <a:pos x="connsiteX1" y="connsiteY1"/>
+                </a:cxn>
+                <a:cxn ang="0">
+                  <a:pos x="connsiteX2" y="connsiteY2"/>
+                </a:cxn>
+                <a:cxn ang="0">
+                  <a:pos x="connsiteX3" y="connsiteY3"/>
+                </a:cxn>
+                <a:cxn ang="0">
+                  <a:pos x="connsiteX4" y="connsiteY4"/>
+                </a:cxn>
+                <a:cxn ang="0">
+                  <a:pos x="connsiteX5" y="connsiteY5"/>
+                </a:cxn>
+                <a:cxn ang="0">
+                  <a:pos x="connsiteX6" y="connsiteY6"/>
+                </a:cxn>
+                <a:cxn ang="0">
+                  <a:pos x="connsiteX7" y="connsiteY7"/>
+                </a:cxn>
+                <a:cxn ang="0">
+                  <a:pos x="connsiteX8" y="connsiteY8"/>
+                </a:cxn>
+              </a:cxnLst>
+              <a:rect l="l" t="t" r="r" b="b"/>
+              <a:pathLst>
+                <a:path w="597294" h="2543540">
+                  <a:moveTo>
+                    <a:pt x="16478" y="2079"/>
+                  </a:moveTo>
+                  <a:cubicBezTo>
+                    <a:pt x="101441" y="-6684"/>
+                    <a:pt x="224885" y="12557"/>
+                    <a:pt x="299847" y="53991"/>
+                  </a:cubicBezTo>
+                  <a:cubicBezTo>
+                    <a:pt x="394240" y="106092"/>
+                    <a:pt x="468440" y="189341"/>
+                    <a:pt x="503206" y="291354"/>
+                  </a:cubicBezTo>
+                  <a:cubicBezTo>
+                    <a:pt x="550069" y="429085"/>
+                    <a:pt x="520827" y="577770"/>
+                    <a:pt x="525113" y="724265"/>
+                  </a:cubicBezTo>
+                  <a:cubicBezTo>
+                    <a:pt x="529019" y="856472"/>
+                    <a:pt x="561118" y="986012"/>
+                    <a:pt x="578930" y="1117267"/>
+                  </a:cubicBezTo>
+                  <a:cubicBezTo>
+                    <a:pt x="595122" y="1236234"/>
+                    <a:pt x="602742" y="1356630"/>
+                    <a:pt x="592931" y="1476359"/>
+                  </a:cubicBezTo>
+                  <a:cubicBezTo>
+                    <a:pt x="582073" y="1607709"/>
+                    <a:pt x="549783" y="1736011"/>
+                    <a:pt x="503206" y="1859359"/>
+                  </a:cubicBezTo>
+                  <a:cubicBezTo>
+                    <a:pt x="450628" y="1998710"/>
+                    <a:pt x="383857" y="2133298"/>
+                    <a:pt x="291846" y="2250361"/>
+                  </a:cubicBezTo>
+                  <a:cubicBezTo>
+                    <a:pt x="231553" y="2327132"/>
+                    <a:pt x="73819" y="2479532"/>
+                    <a:pt x="0" y="2543540"/>
+                  </a:cubicBezTo>
+                </a:path>
+              </a:pathLst>
+            </a:custGeom>
+            <a:noFill/>
+            <a:ln w="9525" cap="rnd">
+              <a:solidFill>
+                <a:schemeClr val="accent2">
+                  <a:alpha val="50000"/>
+                </a:schemeClr>
+              </a:solidFill>
+              <a:prstDash val="lgDash"/>
+              <a:round/>
+            </a:ln>
+          </p:spPr>
+          <p:txBody>
+            <a:bodyPr rtlCol="0" anchor="ctr"/>
+            <a:lstStyle/>
+            <a:p>
+              <a:endParaRPr lang="en-US"/>
+            </a:p>
+          </p:txBody>
+        </p:sp>
+        <p:sp>
+          <p:nvSpPr>
+            <p:cNvPr id="22" name="Freeform: Shape 21">
+              <a:extLst>
+                <a:ext uri="{FF2B5EF4-FFF2-40B4-BE49-F238E27FC236}">
+                  <a16:creationId xmlns:a16="http://schemas.microsoft.com/office/drawing/2014/main" id="{0F6388E0-BD20-4901-B128-88D3D56A13E8}"/>
+                </a:ext>
+                <a:ext uri="{C183D7F6-B498-43B3-948B-1728B52AA6E4}">
+                  <adec:decorative xmlns:adec="http://schemas.microsoft.com/office/drawing/2017/decorative" val="1"/>
+                </a:ext>
+              </a:extLst>
+            </p:cNvPr>
+            <p:cNvSpPr/>
+            <p:nvPr>
+              <p:extLst>
+                <p:ext uri="{386F3935-93C4-4BCD-93E2-E3B085C9AB24}">
+                  <p16:designElem xmlns:p16="http://schemas.microsoft.com/office/powerpoint/2015/main" val="1"/>
+                </p:ext>
+              </p:extLst>
+            </p:nvPr>
+          </p:nvSpPr>
+          <p:spPr>
+            <a:xfrm>
+              <a:off x="23002" y="881264"/>
+              <a:ext cx="258791" cy="1336561"/>
+            </a:xfrm>
+            <a:custGeom>
+              <a:avLst/>
+              <a:gdLst>
+                <a:gd name="connsiteX0" fmla="*/ 0 w 389425"/>
+                <a:gd name="connsiteY0" fmla="*/ 33 h 2011236"/>
+                <a:gd name="connsiteX1" fmla="*/ 171260 w 389425"/>
+                <a:gd name="connsiteY1" fmla="*/ 60326 h 2011236"/>
+                <a:gd name="connsiteX2" fmla="*/ 211455 w 389425"/>
+                <a:gd name="connsiteY2" fmla="*/ 221204 h 2011236"/>
+                <a:gd name="connsiteX3" fmla="*/ 243078 w 389425"/>
+                <a:gd name="connsiteY3" fmla="*/ 448089 h 2011236"/>
+                <a:gd name="connsiteX4" fmla="*/ 346424 w 389425"/>
+                <a:gd name="connsiteY4" fmla="*/ 789941 h 2011236"/>
+                <a:gd name="connsiteX5" fmla="*/ 372237 w 389425"/>
+                <a:gd name="connsiteY5" fmla="*/ 942151 h 2011236"/>
+                <a:gd name="connsiteX6" fmla="*/ 386620 w 389425"/>
+                <a:gd name="connsiteY6" fmla="*/ 1272478 h 2011236"/>
+                <a:gd name="connsiteX7" fmla="*/ 280416 w 389425"/>
+                <a:gd name="connsiteY7" fmla="*/ 1660241 h 2011236"/>
+                <a:gd name="connsiteX8" fmla="*/ 151257 w 389425"/>
+                <a:gd name="connsiteY8" fmla="*/ 1844073 h 2011236"/>
+                <a:gd name="connsiteX9" fmla="*/ 1905 w 389425"/>
+                <a:gd name="connsiteY9" fmla="*/ 2011237 h 2011236"/>
+              </a:gdLst>
+              <a:ahLst/>
+              <a:cxnLst>
+                <a:cxn ang="0">
+                  <a:pos x="connsiteX0" y="connsiteY0"/>
+                </a:cxn>
+                <a:cxn ang="0">
+                  <a:pos x="connsiteX1" y="connsiteY1"/>
+                </a:cxn>
+                <a:cxn ang="0">
+                  <a:pos x="connsiteX2" y="connsiteY2"/>
+                </a:cxn>
+                <a:cxn ang="0">
+                  <a:pos x="connsiteX3" y="connsiteY3"/>
+                </a:cxn>
+                <a:cxn ang="0">
+                  <a:pos x="connsiteX4" y="connsiteY4"/>
+                </a:cxn>
+                <a:cxn ang="0">
+                  <a:pos x="connsiteX5" y="connsiteY5"/>
+                </a:cxn>
+                <a:cxn ang="0">
+                  <a:pos x="connsiteX6" y="connsiteY6"/>
+                </a:cxn>
+                <a:cxn ang="0">
+                  <a:pos x="connsiteX7" y="connsiteY7"/>
+                </a:cxn>
+                <a:cxn ang="0">
+                  <a:pos x="connsiteX8" y="connsiteY8"/>
+                </a:cxn>
+                <a:cxn ang="0">
+                  <a:pos x="connsiteX9" y="connsiteY9"/>
+                </a:cxn>
+              </a:cxnLst>
+              <a:rect l="l" t="t" r="r" b="b"/>
+              <a:pathLst>
+                <a:path w="389425" h="2011236">
+                  <a:moveTo>
+                    <a:pt x="0" y="33"/>
+                  </a:moveTo>
+                  <a:cubicBezTo>
+                    <a:pt x="57912" y="-824"/>
+                    <a:pt x="136112" y="14892"/>
+                    <a:pt x="171260" y="60326"/>
+                  </a:cubicBezTo>
+                  <a:cubicBezTo>
+                    <a:pt x="205645" y="104903"/>
+                    <a:pt x="207740" y="164244"/>
+                    <a:pt x="211455" y="221204"/>
+                  </a:cubicBezTo>
+                  <a:cubicBezTo>
+                    <a:pt x="216408" y="297594"/>
+                    <a:pt x="225838" y="373604"/>
+                    <a:pt x="243078" y="448089"/>
+                  </a:cubicBezTo>
+                  <a:cubicBezTo>
+                    <a:pt x="269939" y="564199"/>
+                    <a:pt x="319183" y="673927"/>
+                    <a:pt x="346424" y="789941"/>
+                  </a:cubicBezTo>
+                  <a:cubicBezTo>
+                    <a:pt x="358235" y="840043"/>
+                    <a:pt x="365951" y="891097"/>
+                    <a:pt x="372237" y="942151"/>
+                  </a:cubicBezTo>
+                  <a:cubicBezTo>
+                    <a:pt x="385858" y="1051784"/>
+                    <a:pt x="394049" y="1162274"/>
+                    <a:pt x="386620" y="1272478"/>
+                  </a:cubicBezTo>
+                  <a:cubicBezTo>
+                    <a:pt x="377476" y="1407828"/>
+                    <a:pt x="344996" y="1541178"/>
+                    <a:pt x="280416" y="1660241"/>
+                  </a:cubicBezTo>
+                  <a:cubicBezTo>
+                    <a:pt x="244602" y="1726249"/>
+                    <a:pt x="199358" y="1786352"/>
+                    <a:pt x="151257" y="1844073"/>
+                  </a:cubicBezTo>
+                  <a:cubicBezTo>
+                    <a:pt x="79534" y="1930084"/>
+                    <a:pt x="89345" y="1941419"/>
+                    <a:pt x="1905" y="2011237"/>
+                  </a:cubicBezTo>
+                </a:path>
+              </a:pathLst>
+            </a:custGeom>
+            <a:noFill/>
+            <a:ln w="9525" cap="rnd">
+              <a:solidFill>
+                <a:schemeClr val="accent2">
+                  <a:alpha val="50000"/>
+                </a:schemeClr>
+              </a:solidFill>
+              <a:prstDash val="lgDash"/>
+              <a:round/>
+            </a:ln>
+          </p:spPr>
+          <p:txBody>
+            <a:bodyPr rtlCol="0" anchor="ctr"/>
+            <a:lstStyle/>
+            <a:p>
+              <a:endParaRPr lang="en-US" dirty="0"/>
+            </a:p>
+          </p:txBody>
+        </p:sp>
+      </p:grpSp>
+      <p:sp>
+        <p:nvSpPr>
+          <p:cNvPr id="4" name="Title 1">
+            <a:extLst>
+              <a:ext uri="{FF2B5EF4-FFF2-40B4-BE49-F238E27FC236}">
+                <a16:creationId xmlns:a16="http://schemas.microsoft.com/office/drawing/2014/main" id="{3AE7F446-88F3-4516-B632-CE8E2E9D98EE}"/>
+              </a:ext>
+            </a:extLst>
+          </p:cNvPr>
+          <p:cNvSpPr>
+            <a:spLocks noGrp="1"/>
+          </p:cNvSpPr>
+          <p:nvPr>
+            <p:ph type="title"/>
+          </p:nvPr>
+        </p:nvSpPr>
+        <p:spPr>
+          <a:xfrm>
+            <a:off x="5554762" y="475879"/>
+            <a:ext cx="5749739" cy="1162422"/>
+          </a:xfrm>
+        </p:spPr>
+        <p:txBody>
+          <a:bodyPr>
+            <a:normAutofit/>
+          </a:bodyPr>
+          <a:lstStyle/>
+          <a:p>
+            <a:pPr algn="r"/>
+            <a:r>
+              <a:rPr lang="he-IL" b="1" dirty="0">
+                <a:latin typeface="Calibri Light" panose="020F0302020204030204" pitchFamily="34" charset="0"/>
+                <a:cs typeface="Calibri Light" panose="020F0302020204030204" pitchFamily="34" charset="0"/>
+              </a:rPr>
+              <a:t>טיפ להצלחה כצוות:</a:t>
             </a:r>
             <a:endParaRPr lang="en-IL" b="1" dirty="0">
               <a:latin typeface="Calibri Light" panose="020F0302020204030204" pitchFamily="34" charset="0"/>
@@ -24312,12 +26485,14 @@
         </p:nvSpPr>
         <p:spPr>
           <a:xfrm>
-            <a:off x="838200" y="1825625"/>
-            <a:ext cx="10515600" cy="4351338"/>
+            <a:off x="3753757" y="1815602"/>
+            <a:ext cx="7426550" cy="3728613"/>
           </a:xfrm>
         </p:spPr>
         <p:txBody>
-          <a:bodyPr/>
+          <a:bodyPr>
+            <a:normAutofit/>
+          </a:bodyPr>
           <a:lstStyle/>
           <a:p>
             <a:pPr algn="r" rtl="1">
@@ -24395,7 +26570,7 @@
                 <a:latin typeface="Calibri" panose="020F0502020204030204" pitchFamily="34" charset="0"/>
                 <a:cs typeface="Calibri" panose="020F0502020204030204" pitchFamily="34" charset="0"/>
               </a:rPr>
-              <a:t>לקבל הכל בפרופציה מסויימת</a:t>
+              <a:t>לקחת הכל בפרופורציה</a:t>
             </a:r>
             <a:endParaRPr lang="en-US" dirty="0">
               <a:latin typeface="Calibri" panose="020F0502020204030204" pitchFamily="34" charset="0"/>
@@ -24403,13 +26578,2051 @@
             </a:endParaRPr>
           </a:p>
           <a:p>
-            <a:pPr marL="0" indent="0" algn="r" rtl="1">
+            <a:pPr marL="0" indent="0" rtl="1">
               <a:buNone/>
             </a:pPr>
-            <a:endParaRPr lang="en-IL" dirty="0"/>
+            <a:endParaRPr lang="en-IL" sz="1800" dirty="0"/>
           </a:p>
         </p:txBody>
       </p:sp>
+      <p:pic>
+        <p:nvPicPr>
+          <p:cNvPr id="3" name="Picture 2" descr="Diagram&#10;&#10;Description automatically generated with medium confidence">
+            <a:extLst>
+              <a:ext uri="{FF2B5EF4-FFF2-40B4-BE49-F238E27FC236}">
+                <a16:creationId xmlns:a16="http://schemas.microsoft.com/office/drawing/2014/main" id="{59FA147F-F1DA-4A11-81AE-CD833F49D793}"/>
+              </a:ext>
+            </a:extLst>
+          </p:cNvPr>
+          <p:cNvPicPr>
+            <a:picLocks noChangeAspect="1"/>
+          </p:cNvPicPr>
+          <p:nvPr/>
+        </p:nvPicPr>
+        <p:blipFill rotWithShape="1">
+          <a:blip r:embed="rId2">
+            <a:extLst>
+              <a:ext uri="{28A0092B-C50C-407E-A947-70E740481C1C}">
+                <a14:useLocalDpi xmlns:a14="http://schemas.microsoft.com/office/drawing/2010/main" val="0"/>
+              </a:ext>
+            </a:extLst>
+          </a:blip>
+          <a:srcRect l="16804" r="16892" b="1"/>
+          <a:stretch/>
+        </p:blipFill>
+        <p:spPr>
+          <a:xfrm>
+            <a:off x="1124145" y="2932166"/>
+            <a:ext cx="2815283" cy="2815283"/>
+          </a:xfrm>
+          <a:custGeom>
+            <a:avLst/>
+            <a:gdLst/>
+            <a:ahLst/>
+            <a:cxnLst/>
+            <a:rect l="l" t="t" r="r" b="b"/>
+            <a:pathLst>
+              <a:path w="5132388" h="5132388">
+                <a:moveTo>
+                  <a:pt x="2566194" y="0"/>
+                </a:moveTo>
+                <a:cubicBezTo>
+                  <a:pt x="3983464" y="0"/>
+                  <a:pt x="5132388" y="1148924"/>
+                  <a:pt x="5132388" y="2566194"/>
+                </a:cubicBezTo>
+                <a:cubicBezTo>
+                  <a:pt x="5132388" y="3983464"/>
+                  <a:pt x="3983464" y="5132388"/>
+                  <a:pt x="2566194" y="5132388"/>
+                </a:cubicBezTo>
+                <a:cubicBezTo>
+                  <a:pt x="1148924" y="5132388"/>
+                  <a:pt x="0" y="3983464"/>
+                  <a:pt x="0" y="2566194"/>
+                </a:cubicBezTo>
+                <a:cubicBezTo>
+                  <a:pt x="0" y="1148924"/>
+                  <a:pt x="1148924" y="0"/>
+                  <a:pt x="2566194" y="0"/>
+                </a:cubicBezTo>
+                <a:close/>
+              </a:path>
+            </a:pathLst>
+          </a:custGeom>
+        </p:spPr>
+      </p:pic>
+      <p:grpSp>
+        <p:nvGrpSpPr>
+          <p:cNvPr id="24" name="Bottom Right">
+            <a:extLst>
+              <a:ext uri="{FF2B5EF4-FFF2-40B4-BE49-F238E27FC236}">
+                <a16:creationId xmlns:a16="http://schemas.microsoft.com/office/drawing/2014/main" id="{4C476EAB-383B-48F9-B661-B049EB50AE63}"/>
+              </a:ext>
+              <a:ext uri="{C183D7F6-B498-43B3-948B-1728B52AA6E4}">
+                <adec:decorative xmlns:adec="http://schemas.microsoft.com/office/drawing/2017/decorative" val="1"/>
+              </a:ext>
+            </a:extLst>
+          </p:cNvPr>
+          <p:cNvGrpSpPr>
+            <a:grpSpLocks noGrp="1" noUngrp="1" noRot="1" noChangeAspect="1" noMove="1" noResize="1"/>
+          </p:cNvGrpSpPr>
+          <p:nvPr>
+            <p:extLst>
+              <p:ext uri="{386F3935-93C4-4BCD-93E2-E3B085C9AB24}">
+                <p16:designElem xmlns:p16="http://schemas.microsoft.com/office/powerpoint/2015/main" val="1"/>
+              </p:ext>
+            </p:extLst>
+          </p:nvPr>
+        </p:nvGrpSpPr>
+        <p:grpSpPr>
+          <a:xfrm>
+            <a:off x="7980400" y="3276601"/>
+            <a:ext cx="4211600" cy="3581399"/>
+            <a:chOff x="7980400" y="3276601"/>
+            <a:chExt cx="4211600" cy="3581399"/>
+          </a:xfrm>
+        </p:grpSpPr>
+        <p:sp>
+          <p:nvSpPr>
+            <p:cNvPr id="25" name="Freeform: Shape 24">
+              <a:extLst>
+                <a:ext uri="{FF2B5EF4-FFF2-40B4-BE49-F238E27FC236}">
+                  <a16:creationId xmlns:a16="http://schemas.microsoft.com/office/drawing/2014/main" id="{3045FFB7-76A2-4C6F-A15F-23BF1597CB30}"/>
+                </a:ext>
+                <a:ext uri="{C183D7F6-B498-43B3-948B-1728B52AA6E4}">
+                  <adec:decorative xmlns:adec="http://schemas.microsoft.com/office/drawing/2017/decorative" val="1"/>
+                </a:ext>
+              </a:extLst>
+            </p:cNvPr>
+            <p:cNvSpPr/>
+            <p:nvPr>
+              <p:extLst>
+                <p:ext uri="{386F3935-93C4-4BCD-93E2-E3B085C9AB24}">
+                  <p16:designElem xmlns:p16="http://schemas.microsoft.com/office/powerpoint/2015/main" val="1"/>
+                </p:ext>
+              </p:extLst>
+            </p:nvPr>
+          </p:nvSpPr>
+          <p:spPr>
+            <a:xfrm>
+              <a:off x="10439256" y="6178637"/>
+              <a:ext cx="1482102" cy="679363"/>
+            </a:xfrm>
+            <a:custGeom>
+              <a:avLst/>
+              <a:gdLst>
+                <a:gd name="connsiteX0" fmla="*/ 741051 w 1482102"/>
+                <a:gd name="connsiteY0" fmla="*/ 0 h 679363"/>
+                <a:gd name="connsiteX1" fmla="*/ 1473822 w 1482102"/>
+                <a:gd name="connsiteY1" fmla="*/ 597226 h 679363"/>
+                <a:gd name="connsiteX2" fmla="*/ 1482102 w 1482102"/>
+                <a:gd name="connsiteY2" fmla="*/ 679363 h 679363"/>
+                <a:gd name="connsiteX3" fmla="*/ 0 w 1482102"/>
+                <a:gd name="connsiteY3" fmla="*/ 679363 h 679363"/>
+                <a:gd name="connsiteX4" fmla="*/ 8280 w 1482102"/>
+                <a:gd name="connsiteY4" fmla="*/ 597226 h 679363"/>
+                <a:gd name="connsiteX5" fmla="*/ 741051 w 1482102"/>
+                <a:gd name="connsiteY5" fmla="*/ 0 h 679363"/>
+              </a:gdLst>
+              <a:ahLst/>
+              <a:cxnLst>
+                <a:cxn ang="0">
+                  <a:pos x="connsiteX0" y="connsiteY0"/>
+                </a:cxn>
+                <a:cxn ang="0">
+                  <a:pos x="connsiteX1" y="connsiteY1"/>
+                </a:cxn>
+                <a:cxn ang="0">
+                  <a:pos x="connsiteX2" y="connsiteY2"/>
+                </a:cxn>
+                <a:cxn ang="0">
+                  <a:pos x="connsiteX3" y="connsiteY3"/>
+                </a:cxn>
+                <a:cxn ang="0">
+                  <a:pos x="connsiteX4" y="connsiteY4"/>
+                </a:cxn>
+                <a:cxn ang="0">
+                  <a:pos x="connsiteX5" y="connsiteY5"/>
+                </a:cxn>
+              </a:cxnLst>
+              <a:rect l="l" t="t" r="r" b="b"/>
+              <a:pathLst>
+                <a:path w="1482102" h="679363">
+                  <a:moveTo>
+                    <a:pt x="741051" y="0"/>
+                  </a:moveTo>
+                  <a:cubicBezTo>
+                    <a:pt x="1102506" y="0"/>
+                    <a:pt x="1404077" y="256390"/>
+                    <a:pt x="1473822" y="597226"/>
+                  </a:cubicBezTo>
+                  <a:lnTo>
+                    <a:pt x="1482102" y="679363"/>
+                  </a:lnTo>
+                  <a:lnTo>
+                    <a:pt x="0" y="679363"/>
+                  </a:lnTo>
+                  <a:lnTo>
+                    <a:pt x="8280" y="597226"/>
+                  </a:lnTo>
+                  <a:cubicBezTo>
+                    <a:pt x="78025" y="256390"/>
+                    <a:pt x="379596" y="0"/>
+                    <a:pt x="741051" y="0"/>
+                  </a:cubicBezTo>
+                  <a:close/>
+                </a:path>
+              </a:pathLst>
+            </a:custGeom>
+            <a:solidFill>
+              <a:schemeClr val="bg1"/>
+            </a:solidFill>
+            <a:ln>
+              <a:noFill/>
+            </a:ln>
+          </p:spPr>
+          <p:style>
+            <a:lnRef idx="2">
+              <a:schemeClr val="accent1">
+                <a:shade val="50000"/>
+              </a:schemeClr>
+            </a:lnRef>
+            <a:fillRef idx="1">
+              <a:schemeClr val="accent1"/>
+            </a:fillRef>
+            <a:effectRef idx="0">
+              <a:schemeClr val="accent1"/>
+            </a:effectRef>
+            <a:fontRef idx="minor">
+              <a:schemeClr val="lt1"/>
+            </a:fontRef>
+          </p:style>
+          <p:txBody>
+            <a:bodyPr wrap="square" rtlCol="0" anchor="ctr">
+              <a:noAutofit/>
+            </a:bodyPr>
+            <a:lstStyle/>
+            <a:p>
+              <a:pPr algn="ctr"/>
+              <a:endParaRPr lang="en-US" dirty="0">
+                <a:solidFill>
+                  <a:schemeClr val="tx1">
+                    <a:lumMod val="65000"/>
+                    <a:lumOff val="35000"/>
+                  </a:schemeClr>
+                </a:solidFill>
+                <a:latin typeface="AvenirNext LT Pro Medium" panose="020B0504020202020204" pitchFamily="34" charset="0"/>
+              </a:endParaRPr>
+            </a:p>
+          </p:txBody>
+        </p:sp>
+        <p:grpSp>
+          <p:nvGrpSpPr>
+            <p:cNvPr id="26" name="Graphic 157">
+              <a:extLst>
+                <a:ext uri="{FF2B5EF4-FFF2-40B4-BE49-F238E27FC236}">
+                  <a16:creationId xmlns:a16="http://schemas.microsoft.com/office/drawing/2014/main" id="{F4E5EB5B-D417-4B20-9CBE-F3DCCA5F3D0A}"/>
+                </a:ext>
+                <a:ext uri="{C183D7F6-B498-43B3-948B-1728B52AA6E4}">
+                  <adec:decorative xmlns:adec="http://schemas.microsoft.com/office/drawing/2017/decorative" val="1"/>
+                </a:ext>
+              </a:extLst>
+            </p:cNvPr>
+            <p:cNvGrpSpPr/>
+            <p:nvPr>
+              <p:extLst>
+                <p:ext uri="{386F3935-93C4-4BCD-93E2-E3B085C9AB24}">
+                  <p16:designElem xmlns:p16="http://schemas.microsoft.com/office/powerpoint/2015/main" val="1"/>
+                </p:ext>
+              </p:extLst>
+            </p:nvPr>
+          </p:nvGrpSpPr>
+          <p:grpSpPr>
+            <a:xfrm>
+              <a:off x="8662740" y="3276601"/>
+              <a:ext cx="3529260" cy="3581398"/>
+              <a:chOff x="4114800" y="1423987"/>
+              <a:chExt cx="3961542" cy="4007547"/>
+            </a:xfrm>
+            <a:noFill/>
+          </p:grpSpPr>
+          <p:sp>
+            <p:nvSpPr>
+              <p:cNvPr id="28" name="Freeform: Shape 27">
+                <a:extLst>
+                  <a:ext uri="{FF2B5EF4-FFF2-40B4-BE49-F238E27FC236}">
+                    <a16:creationId xmlns:a16="http://schemas.microsoft.com/office/drawing/2014/main" id="{56643958-DAAD-4611-BCC7-9BDB5917C294}"/>
+                  </a:ext>
+                  <a:ext uri="{C183D7F6-B498-43B3-948B-1728B52AA6E4}">
+                    <adec:decorative xmlns:adec="http://schemas.microsoft.com/office/drawing/2017/decorative" val="1"/>
+                  </a:ext>
+                </a:extLst>
+              </p:cNvPr>
+              <p:cNvSpPr/>
+              <p:nvPr>
+                <p:extLst>
+                  <p:ext uri="{386F3935-93C4-4BCD-93E2-E3B085C9AB24}">
+                    <p16:designElem xmlns:p16="http://schemas.microsoft.com/office/powerpoint/2015/main" val="1"/>
+                  </p:ext>
+                </p:extLst>
+              </p:nvPr>
+            </p:nvSpPr>
+            <p:spPr>
+              <a:xfrm>
+                <a:off x="4114800" y="1423987"/>
+                <a:ext cx="3946874" cy="3989641"/>
+              </a:xfrm>
+              <a:custGeom>
+                <a:avLst/>
+                <a:gdLst>
+                  <a:gd name="connsiteX0" fmla="*/ 0 w 3946874"/>
+                  <a:gd name="connsiteY0" fmla="*/ 3989641 h 3989641"/>
+                  <a:gd name="connsiteX1" fmla="*/ 79439 w 3946874"/>
+                  <a:gd name="connsiteY1" fmla="*/ 3891153 h 3989641"/>
+                  <a:gd name="connsiteX2" fmla="*/ 297371 w 3946874"/>
+                  <a:gd name="connsiteY2" fmla="*/ 3626930 h 3989641"/>
+                  <a:gd name="connsiteX3" fmla="*/ 454343 w 3946874"/>
+                  <a:gd name="connsiteY3" fmla="*/ 3440335 h 3989641"/>
+                  <a:gd name="connsiteX4" fmla="*/ 622363 w 3946874"/>
+                  <a:gd name="connsiteY4" fmla="*/ 3290697 h 3989641"/>
+                  <a:gd name="connsiteX5" fmla="*/ 927068 w 3946874"/>
+                  <a:gd name="connsiteY5" fmla="*/ 3087434 h 3989641"/>
+                  <a:gd name="connsiteX6" fmla="*/ 1176338 w 3946874"/>
+                  <a:gd name="connsiteY6" fmla="*/ 2915603 h 3989641"/>
+                  <a:gd name="connsiteX7" fmla="*/ 1394270 w 3946874"/>
+                  <a:gd name="connsiteY7" fmla="*/ 2780729 h 3989641"/>
+                  <a:gd name="connsiteX8" fmla="*/ 1601057 w 3946874"/>
+                  <a:gd name="connsiteY8" fmla="*/ 2723483 h 3989641"/>
+                  <a:gd name="connsiteX9" fmla="*/ 1756220 w 3946874"/>
+                  <a:gd name="connsiteY9" fmla="*/ 2743772 h 3989641"/>
+                  <a:gd name="connsiteX10" fmla="*/ 1889189 w 3946874"/>
+                  <a:gd name="connsiteY10" fmla="*/ 2765965 h 3989641"/>
+                  <a:gd name="connsiteX11" fmla="*/ 2007394 w 3946874"/>
+                  <a:gd name="connsiteY11" fmla="*/ 2765965 h 3989641"/>
+                  <a:gd name="connsiteX12" fmla="*/ 2184654 w 3946874"/>
+                  <a:gd name="connsiteY12" fmla="*/ 2671763 h 3989641"/>
+                  <a:gd name="connsiteX13" fmla="*/ 2372773 w 3946874"/>
+                  <a:gd name="connsiteY13" fmla="*/ 2538984 h 3989641"/>
+                  <a:gd name="connsiteX14" fmla="*/ 2439543 w 3946874"/>
+                  <a:gd name="connsiteY14" fmla="*/ 2510504 h 3989641"/>
+                  <a:gd name="connsiteX15" fmla="*/ 2650617 w 3946874"/>
+                  <a:gd name="connsiteY15" fmla="*/ 2434781 h 3989641"/>
+                  <a:gd name="connsiteX16" fmla="*/ 2785110 w 3946874"/>
+                  <a:gd name="connsiteY16" fmla="*/ 2383060 h 3989641"/>
+                  <a:gd name="connsiteX17" fmla="*/ 2897315 w 3946874"/>
+                  <a:gd name="connsiteY17" fmla="*/ 2318861 h 3989641"/>
+                  <a:gd name="connsiteX18" fmla="*/ 2997994 w 3946874"/>
+                  <a:gd name="connsiteY18" fmla="*/ 2226183 h 3989641"/>
+                  <a:gd name="connsiteX19" fmla="*/ 3061240 w 3946874"/>
+                  <a:gd name="connsiteY19" fmla="*/ 2141506 h 3989641"/>
+                  <a:gd name="connsiteX20" fmla="*/ 3152108 w 3946874"/>
+                  <a:gd name="connsiteY20" fmla="*/ 2005203 h 3989641"/>
+                  <a:gd name="connsiteX21" fmla="*/ 3274124 w 3946874"/>
+                  <a:gd name="connsiteY21" fmla="*/ 1871567 h 3989641"/>
+                  <a:gd name="connsiteX22" fmla="*/ 3388138 w 3946874"/>
+                  <a:gd name="connsiteY22" fmla="*/ 1770888 h 3989641"/>
+                  <a:gd name="connsiteX23" fmla="*/ 3466529 w 3946874"/>
+                  <a:gd name="connsiteY23" fmla="*/ 1679162 h 3989641"/>
+                  <a:gd name="connsiteX24" fmla="*/ 3538633 w 3946874"/>
+                  <a:gd name="connsiteY24" fmla="*/ 1551718 h 3989641"/>
+                  <a:gd name="connsiteX25" fmla="*/ 3588544 w 3946874"/>
+                  <a:gd name="connsiteY25" fmla="*/ 1376172 h 3989641"/>
+                  <a:gd name="connsiteX26" fmla="*/ 3597402 w 3946874"/>
+                  <a:gd name="connsiteY26" fmla="*/ 1293305 h 3989641"/>
+                  <a:gd name="connsiteX27" fmla="*/ 3721227 w 3946874"/>
+                  <a:gd name="connsiteY27" fmla="*/ 880491 h 3989641"/>
+                  <a:gd name="connsiteX28" fmla="*/ 3761137 w 3946874"/>
+                  <a:gd name="connsiteY28" fmla="*/ 463677 h 3989641"/>
+                  <a:gd name="connsiteX29" fmla="*/ 3946874 w 3946874"/>
+                  <a:gd name="connsiteY29" fmla="*/ 0 h 3989641"/>
+                </a:gdLst>
+                <a:ahLst/>
+                <a:cxnLst>
+                  <a:cxn ang="0">
+                    <a:pos x="connsiteX0" y="connsiteY0"/>
+                  </a:cxn>
+                  <a:cxn ang="0">
+                    <a:pos x="connsiteX1" y="connsiteY1"/>
+                  </a:cxn>
+                  <a:cxn ang="0">
+                    <a:pos x="connsiteX2" y="connsiteY2"/>
+                  </a:cxn>
+                  <a:cxn ang="0">
+                    <a:pos x="connsiteX3" y="connsiteY3"/>
+                  </a:cxn>
+                  <a:cxn ang="0">
+                    <a:pos x="connsiteX4" y="connsiteY4"/>
+                  </a:cxn>
+                  <a:cxn ang="0">
+                    <a:pos x="connsiteX5" y="connsiteY5"/>
+                  </a:cxn>
+                  <a:cxn ang="0">
+                    <a:pos x="connsiteX6" y="connsiteY6"/>
+                  </a:cxn>
+                  <a:cxn ang="0">
+                    <a:pos x="connsiteX7" y="connsiteY7"/>
+                  </a:cxn>
+                  <a:cxn ang="0">
+                    <a:pos x="connsiteX8" y="connsiteY8"/>
+                  </a:cxn>
+                  <a:cxn ang="0">
+                    <a:pos x="connsiteX9" y="connsiteY9"/>
+                  </a:cxn>
+                  <a:cxn ang="0">
+                    <a:pos x="connsiteX10" y="connsiteY10"/>
+                  </a:cxn>
+                  <a:cxn ang="0">
+                    <a:pos x="connsiteX11" y="connsiteY11"/>
+                  </a:cxn>
+                  <a:cxn ang="0">
+                    <a:pos x="connsiteX12" y="connsiteY12"/>
+                  </a:cxn>
+                  <a:cxn ang="0">
+                    <a:pos x="connsiteX13" y="connsiteY13"/>
+                  </a:cxn>
+                  <a:cxn ang="0">
+                    <a:pos x="connsiteX14" y="connsiteY14"/>
+                  </a:cxn>
+                  <a:cxn ang="0">
+                    <a:pos x="connsiteX15" y="connsiteY15"/>
+                  </a:cxn>
+                  <a:cxn ang="0">
+                    <a:pos x="connsiteX16" y="connsiteY16"/>
+                  </a:cxn>
+                  <a:cxn ang="0">
+                    <a:pos x="connsiteX17" y="connsiteY17"/>
+                  </a:cxn>
+                  <a:cxn ang="0">
+                    <a:pos x="connsiteX18" y="connsiteY18"/>
+                  </a:cxn>
+                  <a:cxn ang="0">
+                    <a:pos x="connsiteX19" y="connsiteY19"/>
+                  </a:cxn>
+                  <a:cxn ang="0">
+                    <a:pos x="connsiteX20" y="connsiteY20"/>
+                  </a:cxn>
+                  <a:cxn ang="0">
+                    <a:pos x="connsiteX21" y="connsiteY21"/>
+                  </a:cxn>
+                  <a:cxn ang="0">
+                    <a:pos x="connsiteX22" y="connsiteY22"/>
+                  </a:cxn>
+                  <a:cxn ang="0">
+                    <a:pos x="connsiteX23" y="connsiteY23"/>
+                  </a:cxn>
+                  <a:cxn ang="0">
+                    <a:pos x="connsiteX24" y="connsiteY24"/>
+                  </a:cxn>
+                  <a:cxn ang="0">
+                    <a:pos x="connsiteX25" y="connsiteY25"/>
+                  </a:cxn>
+                  <a:cxn ang="0">
+                    <a:pos x="connsiteX26" y="connsiteY26"/>
+                  </a:cxn>
+                  <a:cxn ang="0">
+                    <a:pos x="connsiteX27" y="connsiteY27"/>
+                  </a:cxn>
+                  <a:cxn ang="0">
+                    <a:pos x="connsiteX28" y="connsiteY28"/>
+                  </a:cxn>
+                  <a:cxn ang="0">
+                    <a:pos x="connsiteX29" y="connsiteY29"/>
+                  </a:cxn>
+                </a:cxnLst>
+                <a:rect l="l" t="t" r="r" b="b"/>
+                <a:pathLst>
+                  <a:path w="3946874" h="3989641">
+                    <a:moveTo>
+                      <a:pt x="0" y="3989641"/>
+                    </a:moveTo>
+                    <a:cubicBezTo>
+                      <a:pt x="19050" y="3957257"/>
+                      <a:pt x="50959" y="3916013"/>
+                      <a:pt x="79439" y="3891153"/>
+                    </a:cubicBezTo>
+                    <a:cubicBezTo>
+                      <a:pt x="165544" y="3815906"/>
+                      <a:pt x="227933" y="3717989"/>
+                      <a:pt x="297371" y="3626930"/>
+                    </a:cubicBezTo>
+                    <a:cubicBezTo>
+                      <a:pt x="346615" y="3562255"/>
+                      <a:pt x="398050" y="3499009"/>
+                      <a:pt x="454343" y="3440335"/>
+                    </a:cubicBezTo>
+                    <a:cubicBezTo>
+                      <a:pt x="506349" y="3386042"/>
+                      <a:pt x="562642" y="3336227"/>
+                      <a:pt x="622363" y="3290697"/>
+                    </a:cubicBezTo>
+                    <a:cubicBezTo>
+                      <a:pt x="719519" y="3216688"/>
+                      <a:pt x="824960" y="3154585"/>
+                      <a:pt x="927068" y="3087434"/>
+                    </a:cubicBezTo>
+                    <a:cubicBezTo>
+                      <a:pt x="1011365" y="3031998"/>
+                      <a:pt x="1093565" y="2973324"/>
+                      <a:pt x="1176338" y="2915603"/>
+                    </a:cubicBezTo>
+                    <a:cubicBezTo>
+                      <a:pt x="1246537" y="2866644"/>
+                      <a:pt x="1317308" y="2818066"/>
+                      <a:pt x="1394270" y="2780729"/>
+                    </a:cubicBezTo>
+                    <a:cubicBezTo>
+                      <a:pt x="1459421" y="2749106"/>
+                      <a:pt x="1528763" y="2724436"/>
+                      <a:pt x="1601057" y="2723483"/>
+                    </a:cubicBezTo>
+                    <a:cubicBezTo>
+                      <a:pt x="1653350" y="2722721"/>
+                      <a:pt x="1704785" y="2733485"/>
+                      <a:pt x="1756220" y="2743772"/>
+                    </a:cubicBezTo>
+                    <a:cubicBezTo>
+                      <a:pt x="1800320" y="2752630"/>
+                      <a:pt x="1844612" y="2760250"/>
+                      <a:pt x="1889189" y="2765965"/>
+                    </a:cubicBezTo>
+                    <a:cubicBezTo>
+                      <a:pt x="1928622" y="2771013"/>
+                      <a:pt x="1968437" y="2773299"/>
+                      <a:pt x="2007394" y="2765965"/>
+                    </a:cubicBezTo>
+                    <a:cubicBezTo>
+                      <a:pt x="2073878" y="2753487"/>
+                      <a:pt x="2130647" y="2712911"/>
+                      <a:pt x="2184654" y="2671763"/>
+                    </a:cubicBezTo>
+                    <a:cubicBezTo>
+                      <a:pt x="2245900" y="2625090"/>
+                      <a:pt x="2304002" y="2573465"/>
+                      <a:pt x="2372773" y="2538984"/>
+                    </a:cubicBezTo>
+                    <a:cubicBezTo>
+                      <a:pt x="2394395" y="2528126"/>
+                      <a:pt x="2416874" y="2518982"/>
+                      <a:pt x="2439543" y="2510504"/>
+                    </a:cubicBezTo>
+                    <a:cubicBezTo>
+                      <a:pt x="2509552" y="2484215"/>
+                      <a:pt x="2580037" y="2459450"/>
+                      <a:pt x="2650617" y="2434781"/>
+                    </a:cubicBezTo>
+                    <a:cubicBezTo>
+                      <a:pt x="2695956" y="2418874"/>
+                      <a:pt x="2741295" y="2402872"/>
+                      <a:pt x="2785110" y="2383060"/>
+                    </a:cubicBezTo>
+                    <a:cubicBezTo>
+                      <a:pt x="2824448" y="2365248"/>
+                      <a:pt x="2862358" y="2344198"/>
+                      <a:pt x="2897315" y="2318861"/>
+                    </a:cubicBezTo>
+                    <a:cubicBezTo>
+                      <a:pt x="2934367" y="2292096"/>
+                      <a:pt x="2968085" y="2260854"/>
+                      <a:pt x="2997994" y="2226183"/>
+                    </a:cubicBezTo>
+                    <a:cubicBezTo>
+                      <a:pt x="3020949" y="2199513"/>
+                      <a:pt x="3041714" y="2170938"/>
+                      <a:pt x="3061240" y="2141506"/>
+                    </a:cubicBezTo>
+                    <a:cubicBezTo>
+                      <a:pt x="3091529" y="2095976"/>
+                      <a:pt x="3119533" y="2049018"/>
+                      <a:pt x="3152108" y="2005203"/>
+                    </a:cubicBezTo>
+                    <a:cubicBezTo>
+                      <a:pt x="3188113" y="1956626"/>
+                      <a:pt x="3229261" y="1912144"/>
+                      <a:pt x="3274124" y="1871567"/>
+                    </a:cubicBezTo>
+                    <a:cubicBezTo>
+                      <a:pt x="3311747" y="1837563"/>
+                      <a:pt x="3351848" y="1806321"/>
+                      <a:pt x="3388138" y="1770888"/>
+                    </a:cubicBezTo>
+                    <a:cubicBezTo>
+                      <a:pt x="3416999" y="1742694"/>
+                      <a:pt x="3443002" y="1711833"/>
+                      <a:pt x="3466529" y="1679162"/>
+                    </a:cubicBezTo>
+                    <a:cubicBezTo>
+                      <a:pt x="3495008" y="1639348"/>
+                      <a:pt x="3519392" y="1596771"/>
+                      <a:pt x="3538633" y="1551718"/>
+                    </a:cubicBezTo>
+                    <a:cubicBezTo>
+                      <a:pt x="3562731" y="1495616"/>
+                      <a:pt x="3578924" y="1436465"/>
+                      <a:pt x="3588544" y="1376172"/>
+                    </a:cubicBezTo>
+                    <a:cubicBezTo>
+                      <a:pt x="3592925" y="1348740"/>
+                      <a:pt x="3595688" y="1321022"/>
+                      <a:pt x="3597402" y="1293305"/>
+                    </a:cubicBezTo>
+                    <a:cubicBezTo>
+                      <a:pt x="3605974" y="1155859"/>
+                      <a:pt x="3717703" y="1018127"/>
+                      <a:pt x="3721227" y="880491"/>
+                    </a:cubicBezTo>
+                    <a:cubicBezTo>
+                      <a:pt x="3724751" y="740855"/>
+                      <a:pt x="3743135" y="602171"/>
+                      <a:pt x="3761137" y="463677"/>
+                    </a:cubicBezTo>
+                    <a:cubicBezTo>
+                      <a:pt x="3776186" y="347758"/>
+                      <a:pt x="3934968" y="116205"/>
+                      <a:pt x="3946874" y="0"/>
+                    </a:cubicBezTo>
+                  </a:path>
+                </a:pathLst>
+              </a:custGeom>
+              <a:noFill/>
+              <a:ln w="9525" cap="rnd">
+                <a:solidFill>
+                  <a:schemeClr val="accent2">
+                    <a:alpha val="35000"/>
+                  </a:schemeClr>
+                </a:solidFill>
+                <a:prstDash val="lgDash"/>
+                <a:round/>
+              </a:ln>
+            </p:spPr>
+            <p:txBody>
+              <a:bodyPr rtlCol="0" anchor="ctr"/>
+              <a:lstStyle/>
+              <a:p>
+                <a:endParaRPr lang="en-US"/>
+              </a:p>
+            </p:txBody>
+          </p:sp>
+          <p:sp>
+            <p:nvSpPr>
+              <p:cNvPr id="29" name="Freeform: Shape 28">
+                <a:extLst>
+                  <a:ext uri="{FF2B5EF4-FFF2-40B4-BE49-F238E27FC236}">
+                    <a16:creationId xmlns:a16="http://schemas.microsoft.com/office/drawing/2014/main" id="{263D00C7-B9D3-4681-8C55-F137CBD364A9}"/>
+                  </a:ext>
+                  <a:ext uri="{C183D7F6-B498-43B3-948B-1728B52AA6E4}">
+                    <adec:decorative xmlns:adec="http://schemas.microsoft.com/office/drawing/2017/decorative" val="1"/>
+                  </a:ext>
+                </a:extLst>
+              </p:cNvPr>
+              <p:cNvSpPr/>
+              <p:nvPr>
+                <p:extLst>
+                  <p:ext uri="{386F3935-93C4-4BCD-93E2-E3B085C9AB24}">
+                    <p16:designElem xmlns:p16="http://schemas.microsoft.com/office/powerpoint/2015/main" val="1"/>
+                  </p:ext>
+                </p:extLst>
+              </p:nvPr>
+            </p:nvSpPr>
+            <p:spPr>
+              <a:xfrm>
+                <a:off x="4395978" y="2441733"/>
+                <a:ext cx="3665410" cy="2985611"/>
+              </a:xfrm>
+              <a:custGeom>
+                <a:avLst/>
+                <a:gdLst>
+                  <a:gd name="connsiteX0" fmla="*/ 0 w 3665410"/>
+                  <a:gd name="connsiteY0" fmla="*/ 2985611 h 2985611"/>
+                  <a:gd name="connsiteX1" fmla="*/ 166211 w 3665410"/>
+                  <a:gd name="connsiteY1" fmla="*/ 2699766 h 2985611"/>
+                  <a:gd name="connsiteX2" fmla="*/ 397002 w 3665410"/>
+                  <a:gd name="connsiteY2" fmla="*/ 2414969 h 2985611"/>
+                  <a:gd name="connsiteX3" fmla="*/ 620173 w 3665410"/>
+                  <a:gd name="connsiteY3" fmla="*/ 2237899 h 2985611"/>
+                  <a:gd name="connsiteX4" fmla="*/ 823341 w 3665410"/>
+                  <a:gd name="connsiteY4" fmla="*/ 2085499 h 2985611"/>
+                  <a:gd name="connsiteX5" fmla="*/ 1089565 w 3665410"/>
+                  <a:gd name="connsiteY5" fmla="*/ 1911477 h 2985611"/>
+                  <a:gd name="connsiteX6" fmla="*/ 1145000 w 3665410"/>
+                  <a:gd name="connsiteY6" fmla="*/ 1886807 h 2985611"/>
+                  <a:gd name="connsiteX7" fmla="*/ 1375791 w 3665410"/>
+                  <a:gd name="connsiteY7" fmla="*/ 1842135 h 2985611"/>
+                  <a:gd name="connsiteX8" fmla="*/ 1486567 w 3665410"/>
+                  <a:gd name="connsiteY8" fmla="*/ 1857566 h 2985611"/>
+                  <a:gd name="connsiteX9" fmla="*/ 1568101 w 3665410"/>
+                  <a:gd name="connsiteY9" fmla="*/ 1871377 h 2985611"/>
+                  <a:gd name="connsiteX10" fmla="*/ 1810607 w 3665410"/>
+                  <a:gd name="connsiteY10" fmla="*/ 1871377 h 2985611"/>
+                  <a:gd name="connsiteX11" fmla="*/ 1997964 w 3665410"/>
+                  <a:gd name="connsiteY11" fmla="*/ 1790605 h 2985611"/>
+                  <a:gd name="connsiteX12" fmla="*/ 2109883 w 3665410"/>
+                  <a:gd name="connsiteY12" fmla="*/ 1702784 h 2985611"/>
+                  <a:gd name="connsiteX13" fmla="*/ 2321433 w 3665410"/>
+                  <a:gd name="connsiteY13" fmla="*/ 1552384 h 2985611"/>
+                  <a:gd name="connsiteX14" fmla="*/ 2558891 w 3665410"/>
+                  <a:gd name="connsiteY14" fmla="*/ 1453420 h 2985611"/>
+                  <a:gd name="connsiteX15" fmla="*/ 2709767 w 3665410"/>
+                  <a:gd name="connsiteY15" fmla="*/ 1377887 h 2985611"/>
+                  <a:gd name="connsiteX16" fmla="*/ 2885408 w 3665410"/>
+                  <a:gd name="connsiteY16" fmla="*/ 1237393 h 2985611"/>
+                  <a:gd name="connsiteX17" fmla="*/ 3017711 w 3665410"/>
+                  <a:gd name="connsiteY17" fmla="*/ 1072229 h 2985611"/>
+                  <a:gd name="connsiteX18" fmla="*/ 3150680 w 3665410"/>
+                  <a:gd name="connsiteY18" fmla="*/ 921830 h 2985611"/>
+                  <a:gd name="connsiteX19" fmla="*/ 3255169 w 3665410"/>
+                  <a:gd name="connsiteY19" fmla="*/ 801815 h 2985611"/>
+                  <a:gd name="connsiteX20" fmla="*/ 3339275 w 3665410"/>
+                  <a:gd name="connsiteY20" fmla="*/ 694182 h 2985611"/>
+                  <a:gd name="connsiteX21" fmla="*/ 3409188 w 3665410"/>
+                  <a:gd name="connsiteY21" fmla="*/ 546926 h 2985611"/>
+                  <a:gd name="connsiteX22" fmla="*/ 3464243 w 3665410"/>
+                  <a:gd name="connsiteY22" fmla="*/ 347663 h 2985611"/>
+                  <a:gd name="connsiteX23" fmla="*/ 3665411 w 3665410"/>
+                  <a:gd name="connsiteY23" fmla="*/ 0 h 2985611"/>
+                </a:gdLst>
+                <a:ahLst/>
+                <a:cxnLst>
+                  <a:cxn ang="0">
+                    <a:pos x="connsiteX0" y="connsiteY0"/>
+                  </a:cxn>
+                  <a:cxn ang="0">
+                    <a:pos x="connsiteX1" y="connsiteY1"/>
+                  </a:cxn>
+                  <a:cxn ang="0">
+                    <a:pos x="connsiteX2" y="connsiteY2"/>
+                  </a:cxn>
+                  <a:cxn ang="0">
+                    <a:pos x="connsiteX3" y="connsiteY3"/>
+                  </a:cxn>
+                  <a:cxn ang="0">
+                    <a:pos x="connsiteX4" y="connsiteY4"/>
+                  </a:cxn>
+                  <a:cxn ang="0">
+                    <a:pos x="connsiteX5" y="connsiteY5"/>
+                  </a:cxn>
+                  <a:cxn ang="0">
+                    <a:pos x="connsiteX6" y="connsiteY6"/>
+                  </a:cxn>
+                  <a:cxn ang="0">
+                    <a:pos x="connsiteX7" y="connsiteY7"/>
+                  </a:cxn>
+                  <a:cxn ang="0">
+                    <a:pos x="connsiteX8" y="connsiteY8"/>
+                  </a:cxn>
+                  <a:cxn ang="0">
+                    <a:pos x="connsiteX9" y="connsiteY9"/>
+                  </a:cxn>
+                  <a:cxn ang="0">
+                    <a:pos x="connsiteX10" y="connsiteY10"/>
+                  </a:cxn>
+                  <a:cxn ang="0">
+                    <a:pos x="connsiteX11" y="connsiteY11"/>
+                  </a:cxn>
+                  <a:cxn ang="0">
+                    <a:pos x="connsiteX12" y="connsiteY12"/>
+                  </a:cxn>
+                  <a:cxn ang="0">
+                    <a:pos x="connsiteX13" y="connsiteY13"/>
+                  </a:cxn>
+                  <a:cxn ang="0">
+                    <a:pos x="connsiteX14" y="connsiteY14"/>
+                  </a:cxn>
+                  <a:cxn ang="0">
+                    <a:pos x="connsiteX15" y="connsiteY15"/>
+                  </a:cxn>
+                  <a:cxn ang="0">
+                    <a:pos x="connsiteX16" y="connsiteY16"/>
+                  </a:cxn>
+                  <a:cxn ang="0">
+                    <a:pos x="connsiteX17" y="connsiteY17"/>
+                  </a:cxn>
+                  <a:cxn ang="0">
+                    <a:pos x="connsiteX18" y="connsiteY18"/>
+                  </a:cxn>
+                  <a:cxn ang="0">
+                    <a:pos x="connsiteX19" y="connsiteY19"/>
+                  </a:cxn>
+                  <a:cxn ang="0">
+                    <a:pos x="connsiteX20" y="connsiteY20"/>
+                  </a:cxn>
+                  <a:cxn ang="0">
+                    <a:pos x="connsiteX21" y="connsiteY21"/>
+                  </a:cxn>
+                  <a:cxn ang="0">
+                    <a:pos x="connsiteX22" y="connsiteY22"/>
+                  </a:cxn>
+                  <a:cxn ang="0">
+                    <a:pos x="connsiteX23" y="connsiteY23"/>
+                  </a:cxn>
+                </a:cxnLst>
+                <a:rect l="l" t="t" r="r" b="b"/>
+                <a:pathLst>
+                  <a:path w="3665410" h="2985611">
+                    <a:moveTo>
+                      <a:pt x="0" y="2985611"/>
+                    </a:moveTo>
+                    <a:cubicBezTo>
+                      <a:pt x="0" y="2985611"/>
+                      <a:pt x="86773" y="2802827"/>
+                      <a:pt x="166211" y="2699766"/>
+                    </a:cubicBezTo>
+                    <a:cubicBezTo>
+                      <a:pt x="240983" y="2602706"/>
+                      <a:pt x="309182" y="2500122"/>
+                      <a:pt x="397002" y="2414969"/>
+                    </a:cubicBezTo>
+                    <a:cubicBezTo>
+                      <a:pt x="465296" y="2348865"/>
+                      <a:pt x="543592" y="2294477"/>
+                      <a:pt x="620173" y="2237899"/>
+                    </a:cubicBezTo>
+                    <a:cubicBezTo>
+                      <a:pt x="688277" y="2187607"/>
+                      <a:pt x="755333" y="2135886"/>
+                      <a:pt x="823341" y="2085499"/>
+                    </a:cubicBezTo>
+                    <a:cubicBezTo>
+                      <a:pt x="908685" y="2022253"/>
+                      <a:pt x="994791" y="1959197"/>
+                      <a:pt x="1089565" y="1911477"/>
+                    </a:cubicBezTo>
+                    <a:cubicBezTo>
+                      <a:pt x="1107662" y="1902428"/>
+                      <a:pt x="1126141" y="1894141"/>
+                      <a:pt x="1145000" y="1886807"/>
+                    </a:cubicBezTo>
+                    <a:cubicBezTo>
+                      <a:pt x="1218819" y="1858232"/>
+                      <a:pt x="1296924" y="1838611"/>
+                      <a:pt x="1375791" y="1842135"/>
+                    </a:cubicBezTo>
+                    <a:cubicBezTo>
+                      <a:pt x="1413129" y="1843754"/>
+                      <a:pt x="1449896" y="1850422"/>
+                      <a:pt x="1486567" y="1857566"/>
+                    </a:cubicBezTo>
+                    <a:cubicBezTo>
+                      <a:pt x="1513618" y="1862804"/>
+                      <a:pt x="1540859" y="1867376"/>
+                      <a:pt x="1568101" y="1871377"/>
+                    </a:cubicBezTo>
+                    <a:cubicBezTo>
+                      <a:pt x="1648778" y="1883188"/>
+                      <a:pt x="1730978" y="1887665"/>
+                      <a:pt x="1810607" y="1871377"/>
+                    </a:cubicBezTo>
+                    <a:cubicBezTo>
+                      <a:pt x="1877854" y="1857661"/>
+                      <a:pt x="1941100" y="1829086"/>
+                      <a:pt x="1997964" y="1790605"/>
+                    </a:cubicBezTo>
+                    <a:cubicBezTo>
+                      <a:pt x="2037302" y="1764030"/>
+                      <a:pt x="2073497" y="1733264"/>
+                      <a:pt x="2109883" y="1702784"/>
+                    </a:cubicBezTo>
+                    <a:cubicBezTo>
+                      <a:pt x="2176367" y="1647063"/>
+                      <a:pt x="2244852" y="1593151"/>
+                      <a:pt x="2321433" y="1552384"/>
+                    </a:cubicBezTo>
+                    <a:cubicBezTo>
+                      <a:pt x="2397157" y="1512094"/>
+                      <a:pt x="2479548" y="1486281"/>
+                      <a:pt x="2558891" y="1453420"/>
+                    </a:cubicBezTo>
+                    <a:cubicBezTo>
+                      <a:pt x="2610898" y="1431798"/>
+                      <a:pt x="2661571" y="1407033"/>
+                      <a:pt x="2709767" y="1377887"/>
+                    </a:cubicBezTo>
+                    <a:cubicBezTo>
+                      <a:pt x="2774252" y="1338929"/>
+                      <a:pt x="2834069" y="1292447"/>
+                      <a:pt x="2885408" y="1237393"/>
+                    </a:cubicBezTo>
+                    <a:cubicBezTo>
+                      <a:pt x="2933605" y="1185767"/>
+                      <a:pt x="2973324" y="1127093"/>
+                      <a:pt x="3017711" y="1072229"/>
+                    </a:cubicBezTo>
+                    <a:cubicBezTo>
+                      <a:pt x="3059811" y="1020223"/>
+                      <a:pt x="3105912" y="971645"/>
+                      <a:pt x="3150680" y="921830"/>
+                    </a:cubicBezTo>
+                    <a:cubicBezTo>
+                      <a:pt x="3186113" y="882396"/>
+                      <a:pt x="3220593" y="842010"/>
+                      <a:pt x="3255169" y="801815"/>
+                    </a:cubicBezTo>
+                    <a:cubicBezTo>
+                      <a:pt x="3284887" y="767239"/>
+                      <a:pt x="3314605" y="732473"/>
+                      <a:pt x="3339275" y="694182"/>
+                    </a:cubicBezTo>
+                    <a:cubicBezTo>
+                      <a:pt x="3368707" y="648367"/>
+                      <a:pt x="3390138" y="597980"/>
+                      <a:pt x="3409188" y="546926"/>
+                    </a:cubicBezTo>
+                    <a:cubicBezTo>
+                      <a:pt x="3433382" y="482156"/>
+                      <a:pt x="3453384" y="415861"/>
+                      <a:pt x="3464243" y="347663"/>
+                    </a:cubicBezTo>
+                    <a:cubicBezTo>
+                      <a:pt x="3476244" y="272224"/>
+                      <a:pt x="3661696" y="76295"/>
+                      <a:pt x="3665411" y="0"/>
+                    </a:cubicBezTo>
+                  </a:path>
+                </a:pathLst>
+              </a:custGeom>
+              <a:noFill/>
+              <a:ln w="9525" cap="rnd">
+                <a:solidFill>
+                  <a:schemeClr val="accent2">
+                    <a:alpha val="35000"/>
+                  </a:schemeClr>
+                </a:solidFill>
+                <a:prstDash val="lgDash"/>
+                <a:round/>
+              </a:ln>
+            </p:spPr>
+            <p:txBody>
+              <a:bodyPr rtlCol="0" anchor="ctr"/>
+              <a:lstStyle/>
+              <a:p>
+                <a:endParaRPr lang="en-US"/>
+              </a:p>
+            </p:txBody>
+          </p:sp>
+          <p:sp>
+            <p:nvSpPr>
+              <p:cNvPr id="30" name="Freeform: Shape 29">
+                <a:extLst>
+                  <a:ext uri="{FF2B5EF4-FFF2-40B4-BE49-F238E27FC236}">
+                    <a16:creationId xmlns:a16="http://schemas.microsoft.com/office/drawing/2014/main" id="{0539B678-9BB9-4639-B9A4-4511639BB4B8}"/>
+                  </a:ext>
+                  <a:ext uri="{C183D7F6-B498-43B3-948B-1728B52AA6E4}">
+                    <adec:decorative xmlns:adec="http://schemas.microsoft.com/office/drawing/2017/decorative" val="1"/>
+                  </a:ext>
+                </a:extLst>
+              </p:cNvPr>
+              <p:cNvSpPr/>
+              <p:nvPr>
+                <p:extLst>
+                  <p:ext uri="{386F3935-93C4-4BCD-93E2-E3B085C9AB24}">
+                    <p16:designElem xmlns:p16="http://schemas.microsoft.com/office/powerpoint/2015/main" val="1"/>
+                  </p:ext>
+                </p:extLst>
+              </p:nvPr>
+            </p:nvSpPr>
+            <p:spPr>
+              <a:xfrm>
+                <a:off x="7790402" y="5229700"/>
+                <a:ext cx="285940" cy="199072"/>
+              </a:xfrm>
+              <a:custGeom>
+                <a:avLst/>
+                <a:gdLst>
+                  <a:gd name="connsiteX0" fmla="*/ 0 w 285940"/>
+                  <a:gd name="connsiteY0" fmla="*/ 199073 h 199072"/>
+                  <a:gd name="connsiteX1" fmla="*/ 285940 w 285940"/>
+                  <a:gd name="connsiteY1" fmla="*/ 0 h 199072"/>
+                </a:gdLst>
+                <a:ahLst/>
+                <a:cxnLst>
+                  <a:cxn ang="0">
+                    <a:pos x="connsiteX0" y="connsiteY0"/>
+                  </a:cxn>
+                  <a:cxn ang="0">
+                    <a:pos x="connsiteX1" y="connsiteY1"/>
+                  </a:cxn>
+                </a:cxnLst>
+                <a:rect l="l" t="t" r="r" b="b"/>
+                <a:pathLst>
+                  <a:path w="285940" h="199072">
+                    <a:moveTo>
+                      <a:pt x="0" y="199073"/>
+                    </a:moveTo>
+                    <a:cubicBezTo>
+                      <a:pt x="0" y="199073"/>
+                      <a:pt x="242125" y="39243"/>
+                      <a:pt x="285940" y="0"/>
+                    </a:cubicBezTo>
+                  </a:path>
+                </a:pathLst>
+              </a:custGeom>
+              <a:noFill/>
+              <a:ln w="9525" cap="rnd">
+                <a:solidFill>
+                  <a:schemeClr val="accent2">
+                    <a:alpha val="35000"/>
+                  </a:schemeClr>
+                </a:solidFill>
+                <a:prstDash val="lgDash"/>
+                <a:round/>
+              </a:ln>
+            </p:spPr>
+            <p:txBody>
+              <a:bodyPr rtlCol="0" anchor="ctr"/>
+              <a:lstStyle/>
+              <a:p>
+                <a:endParaRPr lang="en-US"/>
+              </a:p>
+            </p:txBody>
+          </p:sp>
+          <p:sp>
+            <p:nvSpPr>
+              <p:cNvPr id="31" name="Freeform: Shape 30">
+                <a:extLst>
+                  <a:ext uri="{FF2B5EF4-FFF2-40B4-BE49-F238E27FC236}">
+                    <a16:creationId xmlns:a16="http://schemas.microsoft.com/office/drawing/2014/main" id="{C14F8CDF-D0D2-43AD-A7AB-0871C24A6E2C}"/>
+                  </a:ext>
+                  <a:ext uri="{C183D7F6-B498-43B3-948B-1728B52AA6E4}">
+                    <adec:decorative xmlns:adec="http://schemas.microsoft.com/office/drawing/2017/decorative" val="1"/>
+                  </a:ext>
+                </a:extLst>
+              </p:cNvPr>
+              <p:cNvSpPr/>
+              <p:nvPr>
+                <p:extLst>
+                  <p:ext uri="{386F3935-93C4-4BCD-93E2-E3B085C9AB24}">
+                    <p16:designElem xmlns:p16="http://schemas.microsoft.com/office/powerpoint/2015/main" val="1"/>
+                  </p:ext>
+                </p:extLst>
+              </p:nvPr>
+            </p:nvSpPr>
+            <p:spPr>
+              <a:xfrm>
+                <a:off x="7393114" y="5049773"/>
+                <a:ext cx="655796" cy="381190"/>
+              </a:xfrm>
+              <a:custGeom>
+                <a:avLst/>
+                <a:gdLst>
+                  <a:gd name="connsiteX0" fmla="*/ 0 w 655796"/>
+                  <a:gd name="connsiteY0" fmla="*/ 381190 h 381190"/>
+                  <a:gd name="connsiteX1" fmla="*/ 655796 w 655796"/>
+                  <a:gd name="connsiteY1" fmla="*/ 0 h 381190"/>
+                </a:gdLst>
+                <a:ahLst/>
+                <a:cxnLst>
+                  <a:cxn ang="0">
+                    <a:pos x="connsiteX0" y="connsiteY0"/>
+                  </a:cxn>
+                  <a:cxn ang="0">
+                    <a:pos x="connsiteX1" y="connsiteY1"/>
+                  </a:cxn>
+                </a:cxnLst>
+                <a:rect l="l" t="t" r="r" b="b"/>
+                <a:pathLst>
+                  <a:path w="655796" h="381190">
+                    <a:moveTo>
+                      <a:pt x="0" y="381190"/>
+                    </a:moveTo>
+                    <a:cubicBezTo>
+                      <a:pt x="0" y="381190"/>
+                      <a:pt x="461105" y="172117"/>
+                      <a:pt x="655796" y="0"/>
+                    </a:cubicBezTo>
+                  </a:path>
+                </a:pathLst>
+              </a:custGeom>
+              <a:noFill/>
+              <a:ln w="9525" cap="rnd">
+                <a:solidFill>
+                  <a:schemeClr val="accent2">
+                    <a:alpha val="35000"/>
+                  </a:schemeClr>
+                </a:solidFill>
+                <a:prstDash val="lgDash"/>
+                <a:round/>
+              </a:ln>
+            </p:spPr>
+            <p:txBody>
+              <a:bodyPr rtlCol="0" anchor="ctr"/>
+              <a:lstStyle/>
+              <a:p>
+                <a:endParaRPr lang="en-US"/>
+              </a:p>
+            </p:txBody>
+          </p:sp>
+          <p:sp>
+            <p:nvSpPr>
+              <p:cNvPr id="32" name="Freeform: Shape 31">
+                <a:extLst>
+                  <a:ext uri="{FF2B5EF4-FFF2-40B4-BE49-F238E27FC236}">
+                    <a16:creationId xmlns:a16="http://schemas.microsoft.com/office/drawing/2014/main" id="{25D54C27-D98D-4E8C-87BD-E0ECAB3BAE92}"/>
+                  </a:ext>
+                  <a:ext uri="{C183D7F6-B498-43B3-948B-1728B52AA6E4}">
+                    <adec:decorative xmlns:adec="http://schemas.microsoft.com/office/drawing/2017/decorative" val="1"/>
+                  </a:ext>
+                </a:extLst>
+              </p:cNvPr>
+              <p:cNvSpPr/>
+              <p:nvPr>
+                <p:extLst>
+                  <p:ext uri="{386F3935-93C4-4BCD-93E2-E3B085C9AB24}">
+                    <p16:designElem xmlns:p16="http://schemas.microsoft.com/office/powerpoint/2015/main" val="1"/>
+                  </p:ext>
+                </p:extLst>
+              </p:nvPr>
+            </p:nvSpPr>
+            <p:spPr>
+              <a:xfrm>
+                <a:off x="5154072" y="3867816"/>
+                <a:ext cx="2907315" cy="1544764"/>
+              </a:xfrm>
+              <a:custGeom>
+                <a:avLst/>
+                <a:gdLst>
+                  <a:gd name="connsiteX0" fmla="*/ 0 w 2907315"/>
+                  <a:gd name="connsiteY0" fmla="*/ 1544764 h 1544764"/>
+                  <a:gd name="connsiteX1" fmla="*/ 201644 w 2907315"/>
+                  <a:gd name="connsiteY1" fmla="*/ 1352550 h 1544764"/>
+                  <a:gd name="connsiteX2" fmla="*/ 423196 w 2907315"/>
+                  <a:gd name="connsiteY2" fmla="*/ 1196054 h 1544764"/>
+                  <a:gd name="connsiteX3" fmla="*/ 782193 w 2907315"/>
+                  <a:gd name="connsiteY3" fmla="*/ 1099947 h 1544764"/>
+                  <a:gd name="connsiteX4" fmla="*/ 1052513 w 2907315"/>
+                  <a:gd name="connsiteY4" fmla="*/ 1042321 h 1544764"/>
+                  <a:gd name="connsiteX5" fmla="*/ 1311783 w 2907315"/>
+                  <a:gd name="connsiteY5" fmla="*/ 1056037 h 1544764"/>
+                  <a:gd name="connsiteX6" fmla="*/ 1484662 w 2907315"/>
+                  <a:gd name="connsiteY6" fmla="*/ 1083469 h 1544764"/>
+                  <a:gd name="connsiteX7" fmla="*/ 1788224 w 2907315"/>
+                  <a:gd name="connsiteY7" fmla="*/ 1023080 h 1544764"/>
+                  <a:gd name="connsiteX8" fmla="*/ 2269045 w 2907315"/>
+                  <a:gd name="connsiteY8" fmla="*/ 734758 h 1544764"/>
+                  <a:gd name="connsiteX9" fmla="*/ 2534984 w 2907315"/>
+                  <a:gd name="connsiteY9" fmla="*/ 572738 h 1544764"/>
+                  <a:gd name="connsiteX10" fmla="*/ 2907316 w 2907315"/>
+                  <a:gd name="connsiteY10" fmla="*/ 0 h 1544764"/>
+                </a:gdLst>
+                <a:ahLst/>
+                <a:cxnLst>
+                  <a:cxn ang="0">
+                    <a:pos x="connsiteX0" y="connsiteY0"/>
+                  </a:cxn>
+                  <a:cxn ang="0">
+                    <a:pos x="connsiteX1" y="connsiteY1"/>
+                  </a:cxn>
+                  <a:cxn ang="0">
+                    <a:pos x="connsiteX2" y="connsiteY2"/>
+                  </a:cxn>
+                  <a:cxn ang="0">
+                    <a:pos x="connsiteX3" y="connsiteY3"/>
+                  </a:cxn>
+                  <a:cxn ang="0">
+                    <a:pos x="connsiteX4" y="connsiteY4"/>
+                  </a:cxn>
+                  <a:cxn ang="0">
+                    <a:pos x="connsiteX5" y="connsiteY5"/>
+                  </a:cxn>
+                  <a:cxn ang="0">
+                    <a:pos x="connsiteX6" y="connsiteY6"/>
+                  </a:cxn>
+                  <a:cxn ang="0">
+                    <a:pos x="connsiteX7" y="connsiteY7"/>
+                  </a:cxn>
+                  <a:cxn ang="0">
+                    <a:pos x="connsiteX8" y="connsiteY8"/>
+                  </a:cxn>
+                  <a:cxn ang="0">
+                    <a:pos x="connsiteX9" y="connsiteY9"/>
+                  </a:cxn>
+                  <a:cxn ang="0">
+                    <a:pos x="connsiteX10" y="connsiteY10"/>
+                  </a:cxn>
+                </a:cxnLst>
+                <a:rect l="l" t="t" r="r" b="b"/>
+                <a:pathLst>
+                  <a:path w="2907315" h="1544764">
+                    <a:moveTo>
+                      <a:pt x="0" y="1544764"/>
+                    </a:moveTo>
+                    <a:cubicBezTo>
+                      <a:pt x="0" y="1544764"/>
+                      <a:pt x="98012" y="1443990"/>
+                      <a:pt x="201644" y="1352550"/>
+                    </a:cubicBezTo>
+                    <a:cubicBezTo>
+                      <a:pt x="271272" y="1291209"/>
+                      <a:pt x="343662" y="1234249"/>
+                      <a:pt x="423196" y="1196054"/>
+                    </a:cubicBezTo>
+                    <a:cubicBezTo>
+                      <a:pt x="537591" y="1141095"/>
+                      <a:pt x="661226" y="1127189"/>
+                      <a:pt x="782193" y="1099947"/>
+                    </a:cubicBezTo>
+                    <a:cubicBezTo>
+                      <a:pt x="872300" y="1079659"/>
+                      <a:pt x="961358" y="1051370"/>
+                      <a:pt x="1052513" y="1042321"/>
+                    </a:cubicBezTo>
+                    <a:cubicBezTo>
+                      <a:pt x="1139000" y="1033653"/>
+                      <a:pt x="1225868" y="1040321"/>
+                      <a:pt x="1311783" y="1056037"/>
+                    </a:cubicBezTo>
+                    <a:cubicBezTo>
+                      <a:pt x="1369314" y="1066609"/>
+                      <a:pt x="1426559" y="1079373"/>
+                      <a:pt x="1484662" y="1083469"/>
+                    </a:cubicBezTo>
+                    <a:cubicBezTo>
+                      <a:pt x="1587913" y="1090803"/>
+                      <a:pt x="1690402" y="1064800"/>
+                      <a:pt x="1788224" y="1023080"/>
+                    </a:cubicBezTo>
+                    <a:cubicBezTo>
+                      <a:pt x="1956721" y="951262"/>
+                      <a:pt x="2106549" y="825722"/>
+                      <a:pt x="2269045" y="734758"/>
+                    </a:cubicBezTo>
+                    <a:cubicBezTo>
+                      <a:pt x="2359438" y="684181"/>
+                      <a:pt x="2452497" y="640556"/>
+                      <a:pt x="2534984" y="572738"/>
+                    </a:cubicBezTo>
+                    <a:cubicBezTo>
+                      <a:pt x="2673001" y="459391"/>
+                      <a:pt x="2847023" y="191453"/>
+                      <a:pt x="2907316" y="0"/>
+                    </a:cubicBezTo>
+                  </a:path>
+                </a:pathLst>
+              </a:custGeom>
+              <a:noFill/>
+              <a:ln w="9525" cap="rnd">
+                <a:solidFill>
+                  <a:schemeClr val="accent2">
+                    <a:alpha val="35000"/>
+                  </a:schemeClr>
+                </a:solidFill>
+                <a:prstDash val="lgDash"/>
+                <a:round/>
+              </a:ln>
+            </p:spPr>
+            <p:txBody>
+              <a:bodyPr rtlCol="0" anchor="ctr"/>
+              <a:lstStyle/>
+              <a:p>
+                <a:endParaRPr lang="en-US"/>
+              </a:p>
+            </p:txBody>
+          </p:sp>
+          <p:sp>
+            <p:nvSpPr>
+              <p:cNvPr id="33" name="Freeform: Shape 32">
+                <a:extLst>
+                  <a:ext uri="{FF2B5EF4-FFF2-40B4-BE49-F238E27FC236}">
+                    <a16:creationId xmlns:a16="http://schemas.microsoft.com/office/drawing/2014/main" id="{CA10EDED-B646-4197-BF0C-C4A83018BAFE}"/>
+                  </a:ext>
+                  <a:ext uri="{C183D7F6-B498-43B3-948B-1728B52AA6E4}">
+                    <adec:decorative xmlns:adec="http://schemas.microsoft.com/office/drawing/2017/decorative" val="1"/>
+                  </a:ext>
+                </a:extLst>
+              </p:cNvPr>
+              <p:cNvSpPr/>
+              <p:nvPr>
+                <p:extLst>
+                  <p:ext uri="{386F3935-93C4-4BCD-93E2-E3B085C9AB24}">
+                    <p16:designElem xmlns:p16="http://schemas.microsoft.com/office/powerpoint/2015/main" val="1"/>
+                  </p:ext>
+                </p:extLst>
+              </p:nvPr>
+            </p:nvSpPr>
+            <p:spPr>
+              <a:xfrm>
+                <a:off x="4907946" y="3479100"/>
+                <a:ext cx="3168300" cy="1952434"/>
+              </a:xfrm>
+              <a:custGeom>
+                <a:avLst/>
+                <a:gdLst>
+                  <a:gd name="connsiteX0" fmla="*/ 0 w 3168300"/>
+                  <a:gd name="connsiteY0" fmla="*/ 1952435 h 1952434"/>
+                  <a:gd name="connsiteX1" fmla="*/ 202121 w 3168300"/>
+                  <a:gd name="connsiteY1" fmla="*/ 1687068 h 1952434"/>
+                  <a:gd name="connsiteX2" fmla="*/ 545116 w 3168300"/>
+                  <a:gd name="connsiteY2" fmla="*/ 1450277 h 1952434"/>
+                  <a:gd name="connsiteX3" fmla="*/ 906780 w 3168300"/>
+                  <a:gd name="connsiteY3" fmla="*/ 1354455 h 1952434"/>
+                  <a:gd name="connsiteX4" fmla="*/ 1332262 w 3168300"/>
+                  <a:gd name="connsiteY4" fmla="*/ 1285304 h 1952434"/>
+                  <a:gd name="connsiteX5" fmla="*/ 1691259 w 3168300"/>
+                  <a:gd name="connsiteY5" fmla="*/ 1240060 h 1952434"/>
+                  <a:gd name="connsiteX6" fmla="*/ 2010346 w 3168300"/>
+                  <a:gd name="connsiteY6" fmla="*/ 1141667 h 1952434"/>
+                  <a:gd name="connsiteX7" fmla="*/ 2393252 w 3168300"/>
+                  <a:gd name="connsiteY7" fmla="*/ 1027271 h 1952434"/>
+                  <a:gd name="connsiteX8" fmla="*/ 2582037 w 3168300"/>
+                  <a:gd name="connsiteY8" fmla="*/ 958120 h 1952434"/>
+                  <a:gd name="connsiteX9" fmla="*/ 2760155 w 3168300"/>
+                  <a:gd name="connsiteY9" fmla="*/ 827723 h 1952434"/>
+                  <a:gd name="connsiteX10" fmla="*/ 2914364 w 3168300"/>
+                  <a:gd name="connsiteY10" fmla="*/ 567023 h 1952434"/>
+                  <a:gd name="connsiteX11" fmla="*/ 3168301 w 3168300"/>
+                  <a:gd name="connsiteY11" fmla="*/ 0 h 1952434"/>
+                </a:gdLst>
+                <a:ahLst/>
+                <a:cxnLst>
+                  <a:cxn ang="0">
+                    <a:pos x="connsiteX0" y="connsiteY0"/>
+                  </a:cxn>
+                  <a:cxn ang="0">
+                    <a:pos x="connsiteX1" y="connsiteY1"/>
+                  </a:cxn>
+                  <a:cxn ang="0">
+                    <a:pos x="connsiteX2" y="connsiteY2"/>
+                  </a:cxn>
+                  <a:cxn ang="0">
+                    <a:pos x="connsiteX3" y="connsiteY3"/>
+                  </a:cxn>
+                  <a:cxn ang="0">
+                    <a:pos x="connsiteX4" y="connsiteY4"/>
+                  </a:cxn>
+                  <a:cxn ang="0">
+                    <a:pos x="connsiteX5" y="connsiteY5"/>
+                  </a:cxn>
+                  <a:cxn ang="0">
+                    <a:pos x="connsiteX6" y="connsiteY6"/>
+                  </a:cxn>
+                  <a:cxn ang="0">
+                    <a:pos x="connsiteX7" y="connsiteY7"/>
+                  </a:cxn>
+                  <a:cxn ang="0">
+                    <a:pos x="connsiteX8" y="connsiteY8"/>
+                  </a:cxn>
+                  <a:cxn ang="0">
+                    <a:pos x="connsiteX9" y="connsiteY9"/>
+                  </a:cxn>
+                  <a:cxn ang="0">
+                    <a:pos x="connsiteX10" y="connsiteY10"/>
+                  </a:cxn>
+                  <a:cxn ang="0">
+                    <a:pos x="connsiteX11" y="connsiteY11"/>
+                  </a:cxn>
+                </a:cxnLst>
+                <a:rect l="l" t="t" r="r" b="b"/>
+                <a:pathLst>
+                  <a:path w="3168300" h="1952434">
+                    <a:moveTo>
+                      <a:pt x="0" y="1952435"/>
+                    </a:moveTo>
+                    <a:cubicBezTo>
+                      <a:pt x="0" y="1952435"/>
+                      <a:pt x="91059" y="1796415"/>
+                      <a:pt x="202121" y="1687068"/>
+                    </a:cubicBezTo>
+                    <a:cubicBezTo>
+                      <a:pt x="301943" y="1588675"/>
+                      <a:pt x="416528" y="1505617"/>
+                      <a:pt x="545116" y="1450277"/>
+                    </a:cubicBezTo>
+                    <a:cubicBezTo>
+                      <a:pt x="659987" y="1400747"/>
+                      <a:pt x="783622" y="1377601"/>
+                      <a:pt x="906780" y="1354455"/>
+                    </a:cubicBezTo>
+                    <a:cubicBezTo>
+                      <a:pt x="1048036" y="1327976"/>
+                      <a:pt x="1189482" y="1301972"/>
+                      <a:pt x="1332262" y="1285304"/>
+                    </a:cubicBezTo>
+                    <a:cubicBezTo>
+                      <a:pt x="1452182" y="1271302"/>
+                      <a:pt x="1573340" y="1265873"/>
+                      <a:pt x="1691259" y="1240060"/>
+                    </a:cubicBezTo>
+                    <a:cubicBezTo>
+                      <a:pt x="1800035" y="1216247"/>
+                      <a:pt x="1904619" y="1176718"/>
+                      <a:pt x="2010346" y="1141667"/>
+                    </a:cubicBezTo>
+                    <a:cubicBezTo>
+                      <a:pt x="2136743" y="1099661"/>
+                      <a:pt x="2265902" y="1066229"/>
+                      <a:pt x="2393252" y="1027271"/>
+                    </a:cubicBezTo>
+                    <a:cubicBezTo>
+                      <a:pt x="2457450" y="1007650"/>
+                      <a:pt x="2521744" y="987552"/>
+                      <a:pt x="2582037" y="958120"/>
+                    </a:cubicBezTo>
+                    <a:cubicBezTo>
+                      <a:pt x="2648807" y="925449"/>
+                      <a:pt x="2710815" y="883349"/>
+                      <a:pt x="2760155" y="827723"/>
+                    </a:cubicBezTo>
+                    <a:cubicBezTo>
+                      <a:pt x="2827496" y="751904"/>
+                      <a:pt x="2867978" y="657511"/>
+                      <a:pt x="2914364" y="567023"/>
+                    </a:cubicBezTo>
+                    <a:cubicBezTo>
+                      <a:pt x="2972753" y="453200"/>
+                      <a:pt x="3119152" y="118015"/>
+                      <a:pt x="3168301" y="0"/>
+                    </a:cubicBezTo>
+                  </a:path>
+                </a:pathLst>
+              </a:custGeom>
+              <a:noFill/>
+              <a:ln w="9525" cap="rnd">
+                <a:solidFill>
+                  <a:schemeClr val="accent2">
+                    <a:alpha val="35000"/>
+                  </a:schemeClr>
+                </a:solidFill>
+                <a:prstDash val="lgDash"/>
+                <a:round/>
+              </a:ln>
+            </p:spPr>
+            <p:txBody>
+              <a:bodyPr rtlCol="0" anchor="ctr"/>
+              <a:lstStyle/>
+              <a:p>
+                <a:endParaRPr lang="en-US"/>
+              </a:p>
+            </p:txBody>
+          </p:sp>
+          <p:sp>
+            <p:nvSpPr>
+              <p:cNvPr id="34" name="Freeform: Shape 33">
+                <a:extLst>
+                  <a:ext uri="{FF2B5EF4-FFF2-40B4-BE49-F238E27FC236}">
+                    <a16:creationId xmlns:a16="http://schemas.microsoft.com/office/drawing/2014/main" id="{B9B3D029-DC96-4655-89E2-D9387B3D5645}"/>
+                  </a:ext>
+                  <a:ext uri="{C183D7F6-B498-43B3-948B-1728B52AA6E4}">
+                    <adec:decorative xmlns:adec="http://schemas.microsoft.com/office/drawing/2017/decorative" val="1"/>
+                  </a:ext>
+                </a:extLst>
+              </p:cNvPr>
+              <p:cNvSpPr/>
+              <p:nvPr>
+                <p:extLst>
+                  <p:ext uri="{386F3935-93C4-4BCD-93E2-E3B085C9AB24}">
+                    <p16:designElem xmlns:p16="http://schemas.microsoft.com/office/powerpoint/2015/main" val="1"/>
+                  </p:ext>
+                </p:extLst>
+              </p:nvPr>
+            </p:nvSpPr>
+            <p:spPr>
+              <a:xfrm>
+                <a:off x="4704778" y="2976752"/>
+                <a:ext cx="3356800" cy="2452020"/>
+              </a:xfrm>
+              <a:custGeom>
+                <a:avLst/>
+                <a:gdLst>
+                  <a:gd name="connsiteX0" fmla="*/ 0 w 3356800"/>
+                  <a:gd name="connsiteY0" fmla="*/ 2452021 h 2452020"/>
+                  <a:gd name="connsiteX1" fmla="*/ 130874 w 3356800"/>
+                  <a:gd name="connsiteY1" fmla="*/ 2247710 h 2452020"/>
+                  <a:gd name="connsiteX2" fmla="*/ 437197 w 3356800"/>
+                  <a:gd name="connsiteY2" fmla="*/ 1941195 h 2452020"/>
+                  <a:gd name="connsiteX3" fmla="*/ 737140 w 3356800"/>
+                  <a:gd name="connsiteY3" fmla="*/ 1736884 h 2452020"/>
+                  <a:gd name="connsiteX4" fmla="*/ 1031843 w 3356800"/>
+                  <a:gd name="connsiteY4" fmla="*/ 1685068 h 2452020"/>
+                  <a:gd name="connsiteX5" fmla="*/ 1287304 w 3356800"/>
+                  <a:gd name="connsiteY5" fmla="*/ 1655826 h 2452020"/>
+                  <a:gd name="connsiteX6" fmla="*/ 1471994 w 3356800"/>
+                  <a:gd name="connsiteY6" fmla="*/ 1634300 h 2452020"/>
+                  <a:gd name="connsiteX7" fmla="*/ 1898237 w 3356800"/>
+                  <a:gd name="connsiteY7" fmla="*/ 1512665 h 2452020"/>
+                  <a:gd name="connsiteX8" fmla="*/ 2229136 w 3356800"/>
+                  <a:gd name="connsiteY8" fmla="*/ 1355598 h 2452020"/>
+                  <a:gd name="connsiteX9" fmla="*/ 2512314 w 3356800"/>
+                  <a:gd name="connsiteY9" fmla="*/ 1238631 h 2452020"/>
+                  <a:gd name="connsiteX10" fmla="*/ 2758535 w 3356800"/>
+                  <a:gd name="connsiteY10" fmla="*/ 1096994 h 2452020"/>
+                  <a:gd name="connsiteX11" fmla="*/ 2935510 w 3356800"/>
+                  <a:gd name="connsiteY11" fmla="*/ 919925 h 2452020"/>
+                  <a:gd name="connsiteX12" fmla="*/ 3081719 w 3356800"/>
+                  <a:gd name="connsiteY12" fmla="*/ 687419 h 2452020"/>
+                  <a:gd name="connsiteX13" fmla="*/ 3356800 w 3356800"/>
+                  <a:gd name="connsiteY13" fmla="*/ 0 h 2452020"/>
+                </a:gdLst>
+                <a:ahLst/>
+                <a:cxnLst>
+                  <a:cxn ang="0">
+                    <a:pos x="connsiteX0" y="connsiteY0"/>
+                  </a:cxn>
+                  <a:cxn ang="0">
+                    <a:pos x="connsiteX1" y="connsiteY1"/>
+                  </a:cxn>
+                  <a:cxn ang="0">
+                    <a:pos x="connsiteX2" y="connsiteY2"/>
+                  </a:cxn>
+                  <a:cxn ang="0">
+                    <a:pos x="connsiteX3" y="connsiteY3"/>
+                  </a:cxn>
+                  <a:cxn ang="0">
+                    <a:pos x="connsiteX4" y="connsiteY4"/>
+                  </a:cxn>
+                  <a:cxn ang="0">
+                    <a:pos x="connsiteX5" y="connsiteY5"/>
+                  </a:cxn>
+                  <a:cxn ang="0">
+                    <a:pos x="connsiteX6" y="connsiteY6"/>
+                  </a:cxn>
+                  <a:cxn ang="0">
+                    <a:pos x="connsiteX7" y="connsiteY7"/>
+                  </a:cxn>
+                  <a:cxn ang="0">
+                    <a:pos x="connsiteX8" y="connsiteY8"/>
+                  </a:cxn>
+                  <a:cxn ang="0">
+                    <a:pos x="connsiteX9" y="connsiteY9"/>
+                  </a:cxn>
+                  <a:cxn ang="0">
+                    <a:pos x="connsiteX10" y="connsiteY10"/>
+                  </a:cxn>
+                  <a:cxn ang="0">
+                    <a:pos x="connsiteX11" y="connsiteY11"/>
+                  </a:cxn>
+                  <a:cxn ang="0">
+                    <a:pos x="connsiteX12" y="connsiteY12"/>
+                  </a:cxn>
+                  <a:cxn ang="0">
+                    <a:pos x="connsiteX13" y="connsiteY13"/>
+                  </a:cxn>
+                </a:cxnLst>
+                <a:rect l="l" t="t" r="r" b="b"/>
+                <a:pathLst>
+                  <a:path w="3356800" h="2452020">
+                    <a:moveTo>
+                      <a:pt x="0" y="2452021"/>
+                    </a:moveTo>
+                    <a:cubicBezTo>
+                      <a:pt x="0" y="2452021"/>
+                      <a:pt x="57150" y="2344198"/>
+                      <a:pt x="130874" y="2247710"/>
+                    </a:cubicBezTo>
+                    <a:cubicBezTo>
+                      <a:pt x="218694" y="2132648"/>
+                      <a:pt x="328136" y="2036635"/>
+                      <a:pt x="437197" y="1941195"/>
+                    </a:cubicBezTo>
+                    <a:cubicBezTo>
+                      <a:pt x="529304" y="1860709"/>
+                      <a:pt x="623030" y="1779556"/>
+                      <a:pt x="737140" y="1736884"/>
+                    </a:cubicBezTo>
+                    <a:cubicBezTo>
+                      <a:pt x="830866" y="1701736"/>
+                      <a:pt x="932021" y="1695450"/>
+                      <a:pt x="1031843" y="1685068"/>
+                    </a:cubicBezTo>
+                    <a:cubicBezTo>
+                      <a:pt x="1117092" y="1676210"/>
+                      <a:pt x="1202055" y="1665160"/>
+                      <a:pt x="1287304" y="1655826"/>
+                    </a:cubicBezTo>
+                    <a:cubicBezTo>
+                      <a:pt x="1348931" y="1649063"/>
+                      <a:pt x="1410653" y="1643539"/>
+                      <a:pt x="1471994" y="1634300"/>
+                    </a:cubicBezTo>
+                    <a:cubicBezTo>
+                      <a:pt x="1618679" y="1612011"/>
+                      <a:pt x="1761935" y="1571149"/>
+                      <a:pt x="1898237" y="1512665"/>
+                    </a:cubicBezTo>
+                    <a:cubicBezTo>
+                      <a:pt x="2010442" y="1464564"/>
+                      <a:pt x="2117503" y="1405128"/>
+                      <a:pt x="2229136" y="1355598"/>
+                    </a:cubicBezTo>
+                    <a:cubicBezTo>
+                      <a:pt x="2322481" y="1314164"/>
+                      <a:pt x="2418969" y="1280160"/>
+                      <a:pt x="2512314" y="1238631"/>
+                    </a:cubicBezTo>
+                    <a:cubicBezTo>
+                      <a:pt x="2599087" y="1199960"/>
+                      <a:pt x="2683193" y="1154811"/>
+                      <a:pt x="2758535" y="1096994"/>
+                    </a:cubicBezTo>
+                    <a:cubicBezTo>
+                      <a:pt x="2825020" y="1046035"/>
+                      <a:pt x="2883789" y="985837"/>
+                      <a:pt x="2935510" y="919925"/>
+                    </a:cubicBezTo>
+                    <a:cubicBezTo>
+                      <a:pt x="2992184" y="847725"/>
+                      <a:pt x="3039904" y="769144"/>
+                      <a:pt x="3081719" y="687419"/>
+                    </a:cubicBezTo>
+                    <a:cubicBezTo>
+                      <a:pt x="3138297" y="576739"/>
+                      <a:pt x="3314129" y="116776"/>
+                      <a:pt x="3356800" y="0"/>
+                    </a:cubicBezTo>
+                  </a:path>
+                </a:pathLst>
+              </a:custGeom>
+              <a:noFill/>
+              <a:ln w="9525" cap="rnd">
+                <a:solidFill>
+                  <a:schemeClr val="accent2">
+                    <a:alpha val="35000"/>
+                  </a:schemeClr>
+                </a:solidFill>
+                <a:prstDash val="lgDash"/>
+                <a:round/>
+              </a:ln>
+            </p:spPr>
+            <p:txBody>
+              <a:bodyPr rtlCol="0" anchor="ctr"/>
+              <a:lstStyle/>
+              <a:p>
+                <a:endParaRPr lang="en-US"/>
+              </a:p>
+            </p:txBody>
+          </p:sp>
+        </p:grpSp>
+        <p:sp>
+          <p:nvSpPr>
+            <p:cNvPr id="27" name="Freeform: Shape 26">
+              <a:extLst>
+                <a:ext uri="{FF2B5EF4-FFF2-40B4-BE49-F238E27FC236}">
+                  <a16:creationId xmlns:a16="http://schemas.microsoft.com/office/drawing/2014/main" id="{EF12D98D-E6A5-437D-830E-C5C0E7ACE1C7}"/>
+                </a:ext>
+                <a:ext uri="{C183D7F6-B498-43B3-948B-1728B52AA6E4}">
+                  <adec:decorative xmlns:adec="http://schemas.microsoft.com/office/drawing/2017/decorative" val="1"/>
+                </a:ext>
+              </a:extLst>
+            </p:cNvPr>
+            <p:cNvSpPr/>
+            <p:nvPr>
+              <p:extLst>
+                <p:ext uri="{386F3935-93C4-4BCD-93E2-E3B085C9AB24}">
+                  <p16:designElem xmlns:p16="http://schemas.microsoft.com/office/powerpoint/2015/main" val="1"/>
+                </p:ext>
+              </p:extLst>
+            </p:nvPr>
+          </p:nvSpPr>
+          <p:spPr>
+            <a:xfrm>
+              <a:off x="7980400" y="5197178"/>
+              <a:ext cx="4211600" cy="1660822"/>
+            </a:xfrm>
+            <a:custGeom>
+              <a:avLst/>
+              <a:gdLst>
+                <a:gd name="connsiteX0" fmla="*/ 4211600 w 4211600"/>
+                <a:gd name="connsiteY0" fmla="*/ 0 h 1660822"/>
+                <a:gd name="connsiteX1" fmla="*/ 4211600 w 4211600"/>
+                <a:gd name="connsiteY1" fmla="*/ 58430 h 1660822"/>
+                <a:gd name="connsiteX2" fmla="*/ 4136524 w 4211600"/>
+                <a:gd name="connsiteY2" fmla="*/ 208808 h 1660822"/>
+                <a:gd name="connsiteX3" fmla="*/ 3973354 w 4211600"/>
+                <a:gd name="connsiteY3" fmla="*/ 437313 h 1660822"/>
+                <a:gd name="connsiteX4" fmla="*/ 3884746 w 4211600"/>
+                <a:gd name="connsiteY4" fmla="*/ 553613 h 1660822"/>
+                <a:gd name="connsiteX5" fmla="*/ 3849435 w 4211600"/>
+                <a:gd name="connsiteY5" fmla="*/ 603143 h 1660822"/>
+                <a:gd name="connsiteX6" fmla="*/ 3661849 w 4211600"/>
+                <a:gd name="connsiteY6" fmla="*/ 819075 h 1660822"/>
+                <a:gd name="connsiteX7" fmla="*/ 3402589 w 4211600"/>
+                <a:gd name="connsiteY7" fmla="*/ 952996 h 1660822"/>
+                <a:gd name="connsiteX8" fmla="*/ 3130202 w 4211600"/>
+                <a:gd name="connsiteY8" fmla="*/ 1023386 h 1660822"/>
+                <a:gd name="connsiteX9" fmla="*/ 2914657 w 4211600"/>
+                <a:gd name="connsiteY9" fmla="*/ 1068058 h 1660822"/>
+                <a:gd name="connsiteX10" fmla="*/ 2582149 w 4211600"/>
+                <a:gd name="connsiteY10" fmla="*/ 1138924 h 1660822"/>
+                <a:gd name="connsiteX11" fmla="*/ 2483958 w 4211600"/>
+                <a:gd name="connsiteY11" fmla="*/ 1162356 h 1660822"/>
+                <a:gd name="connsiteX12" fmla="*/ 2123750 w 4211600"/>
+                <a:gd name="connsiteY12" fmla="*/ 1238651 h 1660822"/>
+                <a:gd name="connsiteX13" fmla="*/ 1761444 w 4211600"/>
+                <a:gd name="connsiteY13" fmla="*/ 1273417 h 1660822"/>
+                <a:gd name="connsiteX14" fmla="*/ 1608382 w 4211600"/>
+                <a:gd name="connsiteY14" fmla="*/ 1284466 h 1660822"/>
+                <a:gd name="connsiteX15" fmla="*/ 999942 w 4211600"/>
+                <a:gd name="connsiteY15" fmla="*/ 1354284 h 1660822"/>
+                <a:gd name="connsiteX16" fmla="*/ 484705 w 4211600"/>
+                <a:gd name="connsiteY16" fmla="*/ 1450487 h 1660822"/>
+                <a:gd name="connsiteX17" fmla="*/ 113310 w 4211600"/>
+                <a:gd name="connsiteY17" fmla="*/ 1613700 h 1660822"/>
+                <a:gd name="connsiteX18" fmla="*/ 39668 w 4211600"/>
+                <a:gd name="connsiteY18" fmla="*/ 1660822 h 1660822"/>
+                <a:gd name="connsiteX19" fmla="*/ 0 w 4211600"/>
+                <a:gd name="connsiteY19" fmla="*/ 1660822 h 1660822"/>
+                <a:gd name="connsiteX20" fmla="*/ 96701 w 4211600"/>
+                <a:gd name="connsiteY20" fmla="*/ 1598934 h 1660822"/>
+                <a:gd name="connsiteX21" fmla="*/ 474335 w 4211600"/>
+                <a:gd name="connsiteY21" fmla="*/ 1433056 h 1660822"/>
+                <a:gd name="connsiteX22" fmla="*/ 994299 w 4211600"/>
+                <a:gd name="connsiteY22" fmla="*/ 1335806 h 1660822"/>
+                <a:gd name="connsiteX23" fmla="*/ 1605231 w 4211600"/>
+                <a:gd name="connsiteY23" fmla="*/ 1265702 h 1660822"/>
+                <a:gd name="connsiteX24" fmla="*/ 1758819 w 4211600"/>
+                <a:gd name="connsiteY24" fmla="*/ 1254558 h 1660822"/>
+                <a:gd name="connsiteX25" fmla="*/ 2118106 w 4211600"/>
+                <a:gd name="connsiteY25" fmla="*/ 1220077 h 1660822"/>
+                <a:gd name="connsiteX26" fmla="*/ 2475557 w 4211600"/>
+                <a:gd name="connsiteY26" fmla="*/ 1144353 h 1660822"/>
+                <a:gd name="connsiteX27" fmla="*/ 2573878 w 4211600"/>
+                <a:gd name="connsiteY27" fmla="*/ 1120827 h 1660822"/>
+                <a:gd name="connsiteX28" fmla="*/ 2907437 w 4211600"/>
+                <a:gd name="connsiteY28" fmla="*/ 1049675 h 1660822"/>
+                <a:gd name="connsiteX29" fmla="*/ 3122589 w 4211600"/>
+                <a:gd name="connsiteY29" fmla="*/ 1005098 h 1660822"/>
+                <a:gd name="connsiteX30" fmla="*/ 3391169 w 4211600"/>
+                <a:gd name="connsiteY30" fmla="*/ 935756 h 1660822"/>
+                <a:gd name="connsiteX31" fmla="*/ 3642290 w 4211600"/>
+                <a:gd name="connsiteY31" fmla="*/ 806216 h 1660822"/>
+                <a:gd name="connsiteX32" fmla="*/ 3825937 w 4211600"/>
+                <a:gd name="connsiteY32" fmla="*/ 594475 h 1660822"/>
+                <a:gd name="connsiteX33" fmla="*/ 3861381 w 4211600"/>
+                <a:gd name="connsiteY33" fmla="*/ 544755 h 1660822"/>
+                <a:gd name="connsiteX34" fmla="*/ 3950381 w 4211600"/>
+                <a:gd name="connsiteY34" fmla="*/ 427978 h 1660822"/>
+                <a:gd name="connsiteX35" fmla="*/ 4112370 w 4211600"/>
+                <a:gd name="connsiteY35" fmla="*/ 201378 h 1660822"/>
+                <a:gd name="connsiteX36" fmla="*/ 4195989 w 4211600"/>
+                <a:gd name="connsiteY36" fmla="*/ 33834 h 1660822"/>
+              </a:gdLst>
+              <a:ahLst/>
+              <a:cxnLst>
+                <a:cxn ang="0">
+                  <a:pos x="connsiteX0" y="connsiteY0"/>
+                </a:cxn>
+                <a:cxn ang="0">
+                  <a:pos x="connsiteX1" y="connsiteY1"/>
+                </a:cxn>
+                <a:cxn ang="0">
+                  <a:pos x="connsiteX2" y="connsiteY2"/>
+                </a:cxn>
+                <a:cxn ang="0">
+                  <a:pos x="connsiteX3" y="connsiteY3"/>
+                </a:cxn>
+                <a:cxn ang="0">
+                  <a:pos x="connsiteX4" y="connsiteY4"/>
+                </a:cxn>
+                <a:cxn ang="0">
+                  <a:pos x="connsiteX5" y="connsiteY5"/>
+                </a:cxn>
+                <a:cxn ang="0">
+                  <a:pos x="connsiteX6" y="connsiteY6"/>
+                </a:cxn>
+                <a:cxn ang="0">
+                  <a:pos x="connsiteX7" y="connsiteY7"/>
+                </a:cxn>
+                <a:cxn ang="0">
+                  <a:pos x="connsiteX8" y="connsiteY8"/>
+                </a:cxn>
+                <a:cxn ang="0">
+                  <a:pos x="connsiteX9" y="connsiteY9"/>
+                </a:cxn>
+                <a:cxn ang="0">
+                  <a:pos x="connsiteX10" y="connsiteY10"/>
+                </a:cxn>
+                <a:cxn ang="0">
+                  <a:pos x="connsiteX11" y="connsiteY11"/>
+                </a:cxn>
+                <a:cxn ang="0">
+                  <a:pos x="connsiteX12" y="connsiteY12"/>
+                </a:cxn>
+                <a:cxn ang="0">
+                  <a:pos x="connsiteX13" y="connsiteY13"/>
+                </a:cxn>
+                <a:cxn ang="0">
+                  <a:pos x="connsiteX14" y="connsiteY14"/>
+                </a:cxn>
+                <a:cxn ang="0">
+                  <a:pos x="connsiteX15" y="connsiteY15"/>
+                </a:cxn>
+                <a:cxn ang="0">
+                  <a:pos x="connsiteX16" y="connsiteY16"/>
+                </a:cxn>
+                <a:cxn ang="0">
+                  <a:pos x="connsiteX17" y="connsiteY17"/>
+                </a:cxn>
+                <a:cxn ang="0">
+                  <a:pos x="connsiteX18" y="connsiteY18"/>
+                </a:cxn>
+                <a:cxn ang="0">
+                  <a:pos x="connsiteX19" y="connsiteY19"/>
+                </a:cxn>
+                <a:cxn ang="0">
+                  <a:pos x="connsiteX20" y="connsiteY20"/>
+                </a:cxn>
+                <a:cxn ang="0">
+                  <a:pos x="connsiteX21" y="connsiteY21"/>
+                </a:cxn>
+                <a:cxn ang="0">
+                  <a:pos x="connsiteX22" y="connsiteY22"/>
+                </a:cxn>
+                <a:cxn ang="0">
+                  <a:pos x="connsiteX23" y="connsiteY23"/>
+                </a:cxn>
+                <a:cxn ang="0">
+                  <a:pos x="connsiteX24" y="connsiteY24"/>
+                </a:cxn>
+                <a:cxn ang="0">
+                  <a:pos x="connsiteX25" y="connsiteY25"/>
+                </a:cxn>
+                <a:cxn ang="0">
+                  <a:pos x="connsiteX26" y="connsiteY26"/>
+                </a:cxn>
+                <a:cxn ang="0">
+                  <a:pos x="connsiteX27" y="connsiteY27"/>
+                </a:cxn>
+                <a:cxn ang="0">
+                  <a:pos x="connsiteX28" y="connsiteY28"/>
+                </a:cxn>
+                <a:cxn ang="0">
+                  <a:pos x="connsiteX29" y="connsiteY29"/>
+                </a:cxn>
+                <a:cxn ang="0">
+                  <a:pos x="connsiteX30" y="connsiteY30"/>
+                </a:cxn>
+                <a:cxn ang="0">
+                  <a:pos x="connsiteX31" y="connsiteY31"/>
+                </a:cxn>
+                <a:cxn ang="0">
+                  <a:pos x="connsiteX32" y="connsiteY32"/>
+                </a:cxn>
+                <a:cxn ang="0">
+                  <a:pos x="connsiteX33" y="connsiteY33"/>
+                </a:cxn>
+                <a:cxn ang="0">
+                  <a:pos x="connsiteX34" y="connsiteY34"/>
+                </a:cxn>
+                <a:cxn ang="0">
+                  <a:pos x="connsiteX35" y="connsiteY35"/>
+                </a:cxn>
+                <a:cxn ang="0">
+                  <a:pos x="connsiteX36" y="connsiteY36"/>
+                </a:cxn>
+              </a:cxnLst>
+              <a:rect l="l" t="t" r="r" b="b"/>
+              <a:pathLst>
+                <a:path w="4211600" h="1660822">
+                  <a:moveTo>
+                    <a:pt x="4211600" y="0"/>
+                  </a:moveTo>
+                  <a:lnTo>
+                    <a:pt x="4211600" y="58430"/>
+                  </a:lnTo>
+                  <a:lnTo>
+                    <a:pt x="4136524" y="208808"/>
+                  </a:lnTo>
+                  <a:cubicBezTo>
+                    <a:pt x="4089791" y="287770"/>
+                    <a:pt x="4030588" y="363780"/>
+                    <a:pt x="3973354" y="437313"/>
+                  </a:cubicBezTo>
+                  <a:cubicBezTo>
+                    <a:pt x="3943819" y="475222"/>
+                    <a:pt x="3913231" y="514465"/>
+                    <a:pt x="3884746" y="553613"/>
+                  </a:cubicBezTo>
+                  <a:cubicBezTo>
+                    <a:pt x="3872801" y="569996"/>
+                    <a:pt x="3861119" y="586569"/>
+                    <a:pt x="3849435" y="603143"/>
+                  </a:cubicBezTo>
+                  <a:cubicBezTo>
+                    <a:pt x="3796665" y="678009"/>
+                    <a:pt x="3742187" y="755352"/>
+                    <a:pt x="3661849" y="819075"/>
+                  </a:cubicBezTo>
+                  <a:cubicBezTo>
+                    <a:pt x="3596214" y="871176"/>
+                    <a:pt x="3509050" y="916230"/>
+                    <a:pt x="3402589" y="952996"/>
+                  </a:cubicBezTo>
+                  <a:cubicBezTo>
+                    <a:pt x="3312406" y="984048"/>
+                    <a:pt x="3215660" y="1005003"/>
+                    <a:pt x="3130202" y="1023386"/>
+                  </a:cubicBezTo>
+                  <a:cubicBezTo>
+                    <a:pt x="3058529" y="1038816"/>
+                    <a:pt x="2985412" y="1053675"/>
+                    <a:pt x="2914657" y="1068058"/>
+                  </a:cubicBezTo>
+                  <a:cubicBezTo>
+                    <a:pt x="2805176" y="1090251"/>
+                    <a:pt x="2692021" y="1113207"/>
+                    <a:pt x="2582149" y="1138924"/>
+                  </a:cubicBezTo>
+                  <a:cubicBezTo>
+                    <a:pt x="2549330" y="1146639"/>
+                    <a:pt x="2516644" y="1154450"/>
+                    <a:pt x="2483958" y="1162356"/>
+                  </a:cubicBezTo>
+                  <a:cubicBezTo>
+                    <a:pt x="2367257" y="1190550"/>
+                    <a:pt x="2246621" y="1219601"/>
+                    <a:pt x="2123750" y="1238651"/>
+                  </a:cubicBezTo>
+                  <a:cubicBezTo>
+                    <a:pt x="2004294" y="1257129"/>
+                    <a:pt x="1880769" y="1265416"/>
+                    <a:pt x="1761444" y="1273417"/>
+                  </a:cubicBezTo>
+                  <a:cubicBezTo>
+                    <a:pt x="1711167" y="1276751"/>
+                    <a:pt x="1659184" y="1280275"/>
+                    <a:pt x="1608382" y="1284466"/>
+                  </a:cubicBezTo>
+                  <a:cubicBezTo>
+                    <a:pt x="1408589" y="1300944"/>
+                    <a:pt x="1214570" y="1325805"/>
+                    <a:pt x="999942" y="1354284"/>
+                  </a:cubicBezTo>
+                  <a:cubicBezTo>
+                    <a:pt x="826403" y="1377240"/>
+                    <a:pt x="647744" y="1400957"/>
+                    <a:pt x="484705" y="1450487"/>
+                  </a:cubicBezTo>
+                  <a:cubicBezTo>
+                    <a:pt x="355831" y="1489635"/>
+                    <a:pt x="231387" y="1544374"/>
+                    <a:pt x="113310" y="1613700"/>
+                  </a:cubicBezTo>
+                  <a:lnTo>
+                    <a:pt x="39668" y="1660822"/>
+                  </a:lnTo>
+                  <a:lnTo>
+                    <a:pt x="0" y="1660822"/>
+                  </a:lnTo>
+                  <a:lnTo>
+                    <a:pt x="96701" y="1598934"/>
+                  </a:lnTo>
+                  <a:cubicBezTo>
+                    <a:pt x="216635" y="1528533"/>
+                    <a:pt x="343196" y="1472919"/>
+                    <a:pt x="474335" y="1433056"/>
+                  </a:cubicBezTo>
+                  <a:cubicBezTo>
+                    <a:pt x="639999" y="1382669"/>
+                    <a:pt x="820102" y="1358856"/>
+                    <a:pt x="994299" y="1335806"/>
+                  </a:cubicBezTo>
+                  <a:cubicBezTo>
+                    <a:pt x="1210239" y="1307231"/>
+                    <a:pt x="1404650" y="1282275"/>
+                    <a:pt x="1605231" y="1265702"/>
+                  </a:cubicBezTo>
+                  <a:cubicBezTo>
+                    <a:pt x="1656428" y="1261511"/>
+                    <a:pt x="1708411" y="1257987"/>
+                    <a:pt x="1758819" y="1254558"/>
+                  </a:cubicBezTo>
+                  <a:cubicBezTo>
+                    <a:pt x="1877487" y="1246557"/>
+                    <a:pt x="2000094" y="1238365"/>
+                    <a:pt x="2118106" y="1220077"/>
+                  </a:cubicBezTo>
+                  <a:cubicBezTo>
+                    <a:pt x="2239531" y="1201313"/>
+                    <a:pt x="2359513" y="1172357"/>
+                    <a:pt x="2475557" y="1144353"/>
+                  </a:cubicBezTo>
+                  <a:cubicBezTo>
+                    <a:pt x="2508243" y="1136448"/>
+                    <a:pt x="2541060" y="1128542"/>
+                    <a:pt x="2573878" y="1120827"/>
+                  </a:cubicBezTo>
+                  <a:cubicBezTo>
+                    <a:pt x="2684276" y="1094919"/>
+                    <a:pt x="2797694" y="1071963"/>
+                    <a:pt x="2907437" y="1049675"/>
+                  </a:cubicBezTo>
+                  <a:cubicBezTo>
+                    <a:pt x="2978061" y="1035387"/>
+                    <a:pt x="3051178" y="1020528"/>
+                    <a:pt x="3122589" y="1005098"/>
+                  </a:cubicBezTo>
+                  <a:cubicBezTo>
+                    <a:pt x="3206997" y="986810"/>
+                    <a:pt x="3302823" y="966141"/>
+                    <a:pt x="3391169" y="935756"/>
+                  </a:cubicBezTo>
+                  <a:cubicBezTo>
+                    <a:pt x="3494479" y="900132"/>
+                    <a:pt x="3578886" y="856508"/>
+                    <a:pt x="3642290" y="806216"/>
+                  </a:cubicBezTo>
+                  <a:cubicBezTo>
+                    <a:pt x="3720133" y="744303"/>
+                    <a:pt x="3773953" y="668103"/>
+                    <a:pt x="3825937" y="594475"/>
+                  </a:cubicBezTo>
+                  <a:cubicBezTo>
+                    <a:pt x="3837621" y="577902"/>
+                    <a:pt x="3849435" y="561233"/>
+                    <a:pt x="3861381" y="544755"/>
+                  </a:cubicBezTo>
+                  <a:cubicBezTo>
+                    <a:pt x="3889997" y="505416"/>
+                    <a:pt x="3920715" y="465983"/>
+                    <a:pt x="3950381" y="427978"/>
+                  </a:cubicBezTo>
+                  <a:cubicBezTo>
+                    <a:pt x="4007353" y="354921"/>
+                    <a:pt x="4066163" y="279388"/>
+                    <a:pt x="4112370" y="201378"/>
+                  </a:cubicBezTo>
+                  <a:cubicBezTo>
+                    <a:pt x="4144662" y="146800"/>
+                    <a:pt x="4170785" y="89364"/>
+                    <a:pt x="4195989" y="33834"/>
+                  </a:cubicBezTo>
+                  <a:close/>
+                </a:path>
+              </a:pathLst>
+            </a:custGeom>
+            <a:solidFill>
+              <a:schemeClr val="accent1"/>
+            </a:solidFill>
+            <a:ln>
+              <a:noFill/>
+            </a:ln>
+          </p:spPr>
+          <p:style>
+            <a:lnRef idx="2">
+              <a:schemeClr val="accent1">
+                <a:shade val="50000"/>
+              </a:schemeClr>
+            </a:lnRef>
+            <a:fillRef idx="1">
+              <a:schemeClr val="accent1"/>
+            </a:fillRef>
+            <a:effectRef idx="0">
+              <a:schemeClr val="accent1"/>
+            </a:effectRef>
+            <a:fontRef idx="minor">
+              <a:schemeClr val="lt1"/>
+            </a:fontRef>
+          </p:style>
+          <p:txBody>
+            <a:bodyPr wrap="square" rtlCol="0" anchor="ctr">
+              <a:noAutofit/>
+            </a:bodyPr>
+            <a:lstStyle/>
+            <a:p>
+              <a:pPr algn="ctr"/>
+              <a:endParaRPr lang="en-US"/>
+            </a:p>
+          </p:txBody>
+        </p:sp>
+      </p:grpSp>
     </p:spTree>
     <p:extLst>
       <p:ext uri="{BB962C8B-B14F-4D97-AF65-F5344CB8AC3E}">
@@ -24423,7 +28636,393 @@
 </p:sld>
 </file>
 
+<file path=ppt/slides/slide12.xml><?xml version="1.0" encoding="utf-8"?>
+<p:sld xmlns:a="http://schemas.openxmlformats.org/drawingml/2006/main" xmlns:r="http://schemas.openxmlformats.org/officeDocument/2006/relationships" xmlns:p="http://schemas.openxmlformats.org/presentationml/2006/main">
+  <p:cSld>
+    <p:spTree>
+      <p:nvGrpSpPr>
+        <p:cNvPr id="1" name=""/>
+        <p:cNvGrpSpPr/>
+        <p:nvPr/>
+      </p:nvGrpSpPr>
+      <p:grpSpPr>
+        <a:xfrm>
+          <a:off x="0" y="0"/>
+          <a:ext cx="0" cy="0"/>
+          <a:chOff x="0" y="0"/>
+          <a:chExt cx="0" cy="0"/>
+        </a:xfrm>
+      </p:grpSpPr>
+      <p:sp>
+        <p:nvSpPr>
+          <p:cNvPr id="4" name="Title 1">
+            <a:extLst>
+              <a:ext uri="{FF2B5EF4-FFF2-40B4-BE49-F238E27FC236}">
+                <a16:creationId xmlns:a16="http://schemas.microsoft.com/office/drawing/2014/main" id="{3932802B-1779-493B-B5C1-AD5F3B676F19}"/>
+              </a:ext>
+            </a:extLst>
+          </p:cNvPr>
+          <p:cNvSpPr>
+            <a:spLocks noGrp="1"/>
+          </p:cNvSpPr>
+          <p:nvPr>
+            <p:ph type="title"/>
+          </p:nvPr>
+        </p:nvSpPr>
+        <p:spPr>
+          <a:xfrm>
+            <a:off x="838200" y="365125"/>
+            <a:ext cx="10515600" cy="1325563"/>
+          </a:xfrm>
+        </p:spPr>
+        <p:txBody>
+          <a:bodyPr/>
+          <a:lstStyle/>
+          <a:p>
+            <a:pPr algn="r"/>
+            <a:r>
+              <a:rPr lang="he-IL" b="1" dirty="0">
+                <a:latin typeface="Calibri Light" panose="020F0302020204030204" pitchFamily="34" charset="0"/>
+                <a:cs typeface="Calibri Light" panose="020F0302020204030204" pitchFamily="34" charset="0"/>
+              </a:rPr>
+              <a:t>סיכום:</a:t>
+            </a:r>
+            <a:endParaRPr lang="en-IL" b="1" dirty="0">
+              <a:latin typeface="Calibri Light" panose="020F0302020204030204" pitchFamily="34" charset="0"/>
+              <a:cs typeface="Calibri Light" panose="020F0302020204030204" pitchFamily="34" charset="0"/>
+            </a:endParaRPr>
+          </a:p>
+        </p:txBody>
+      </p:sp>
+      <p:sp>
+        <p:nvSpPr>
+          <p:cNvPr id="6" name="Content Placeholder 2">
+            <a:extLst>
+              <a:ext uri="{FF2B5EF4-FFF2-40B4-BE49-F238E27FC236}">
+                <a16:creationId xmlns:a16="http://schemas.microsoft.com/office/drawing/2014/main" id="{21AD5D84-91E7-40B6-918F-990EF8E11580}"/>
+              </a:ext>
+            </a:extLst>
+          </p:cNvPr>
+          <p:cNvSpPr>
+            <a:spLocks noGrp="1"/>
+          </p:cNvSpPr>
+          <p:nvPr>
+            <p:ph idx="1"/>
+          </p:nvPr>
+        </p:nvSpPr>
+        <p:spPr>
+          <a:xfrm>
+            <a:off x="838200" y="1825625"/>
+            <a:ext cx="10515600" cy="4351338"/>
+          </a:xfrm>
+        </p:spPr>
+        <p:txBody>
+          <a:bodyPr/>
+          <a:lstStyle/>
+          <a:p>
+            <a:pPr algn="r" rtl="1">
+              <a:buFont typeface="Wingdings" panose="05000000000000000000" pitchFamily="2" charset="2"/>
+              <a:buChar char="§"/>
+            </a:pPr>
+            <a:r>
+              <a:rPr lang="he-IL" dirty="0">
+                <a:latin typeface="Calibri" panose="020F0502020204030204" pitchFamily="34" charset="0"/>
+                <a:cs typeface="Calibri" panose="020F0502020204030204" pitchFamily="34" charset="0"/>
+              </a:rPr>
+              <a:t>שאלות??</a:t>
+            </a:r>
+          </a:p>
+          <a:p>
+            <a:pPr algn="r" rtl="1">
+              <a:buFont typeface="Wingdings" panose="05000000000000000000" pitchFamily="2" charset="2"/>
+              <a:buChar char="§"/>
+            </a:pPr>
+            <a:r>
+              <a:rPr lang="he-IL" dirty="0">
+                <a:latin typeface="Calibri" panose="020F0502020204030204" pitchFamily="34" charset="0"/>
+                <a:cs typeface="Calibri" panose="020F0502020204030204" pitchFamily="34" charset="0"/>
+              </a:rPr>
+              <a:t>תודה על ההקשבה!</a:t>
+            </a:r>
+          </a:p>
+          <a:p>
+            <a:pPr algn="r" rtl="1">
+              <a:buFont typeface="Wingdings" panose="05000000000000000000" pitchFamily="2" charset="2"/>
+              <a:buChar char="§"/>
+            </a:pPr>
+            <a:endParaRPr lang="he-IL" dirty="0">
+              <a:latin typeface="Calibri" panose="020F0502020204030204" pitchFamily="34" charset="0"/>
+              <a:cs typeface="Calibri" panose="020F0502020204030204" pitchFamily="34" charset="0"/>
+            </a:endParaRPr>
+          </a:p>
+          <a:p>
+            <a:pPr marL="0" indent="0" algn="r" rtl="1">
+              <a:buNone/>
+            </a:pPr>
+            <a:endParaRPr lang="he-IL" dirty="0">
+              <a:latin typeface="Calibri" panose="020F0502020204030204" pitchFamily="34" charset="0"/>
+              <a:cs typeface="Calibri" panose="020F0502020204030204" pitchFamily="34" charset="0"/>
+            </a:endParaRPr>
+          </a:p>
+          <a:p>
+            <a:pPr marL="0" indent="0" algn="r" rtl="1">
+              <a:buNone/>
+            </a:pPr>
+            <a:endParaRPr lang="en-IL" dirty="0"/>
+          </a:p>
+        </p:txBody>
+      </p:sp>
+      <p:pic>
+        <p:nvPicPr>
+          <p:cNvPr id="9" name="Picture 8" descr="Graphical user interface&#10;&#10;Description automatically generated">
+            <a:extLst>
+              <a:ext uri="{FF2B5EF4-FFF2-40B4-BE49-F238E27FC236}">
+                <a16:creationId xmlns:a16="http://schemas.microsoft.com/office/drawing/2014/main" id="{15EEDAC0-CD59-4B81-851C-F3E11D67B62E}"/>
+              </a:ext>
+            </a:extLst>
+          </p:cNvPr>
+          <p:cNvPicPr>
+            <a:picLocks noChangeAspect="1"/>
+          </p:cNvPicPr>
+          <p:nvPr/>
+        </p:nvPicPr>
+        <p:blipFill>
+          <a:blip r:embed="rId2">
+            <a:extLst>
+              <a:ext uri="{BEBA8EAE-BF5A-486C-A8C5-ECC9F3942E4B}">
+                <a14:imgProps xmlns:a14="http://schemas.microsoft.com/office/drawing/2010/main">
+                  <a14:imgLayer r:embed="rId3">
+                    <a14:imgEffect>
+                      <a14:backgroundRemoval t="6556" b="96889" l="4467" r="99000">
+                        <a14:foregroundMark x1="18867" y1="12778" x2="18867" y2="12778"/>
+                        <a14:foregroundMark x1="8733" y1="12778" x2="40467" y2="15111"/>
+                        <a14:foregroundMark x1="11600" y1="8889" x2="4533" y2="6556"/>
+                        <a14:foregroundMark x1="4533" y1="7333" x2="4533" y2="10444"/>
+                        <a14:foregroundMark x1="4800" y1="21000" x2="6400" y2="57778"/>
+                        <a14:foregroundMark x1="37400" y1="8111" x2="78333" y2="16667"/>
+                        <a14:foregroundMark x1="78333" y1="16667" x2="93667" y2="11222"/>
+                        <a14:foregroundMark x1="94667" y1="8111" x2="97467" y2="21778"/>
+                        <a14:foregroundMark x1="97000" y1="15111" x2="93800" y2="61889"/>
+                        <a14:foregroundMark x1="93800" y1="61889" x2="99000" y2="82778"/>
+                        <a14:foregroundMark x1="99000" y1="82778" x2="98133" y2="96889"/>
+                        <a14:foregroundMark x1="8267" y1="32778" x2="9467" y2="53333"/>
+                        <a14:foregroundMark x1="9467" y1="53333" x2="5000" y2="82000"/>
+                        <a14:foregroundMark x1="17000" y1="24556" x2="27267" y2="32000"/>
+                        <a14:foregroundMark x1="51467" y1="11667" x2="52867" y2="38556"/>
+                        <a14:foregroundMark x1="50733" y1="60556" x2="44267" y2="77889"/>
+                        <a14:foregroundMark x1="44267" y1="77889" x2="42067" y2="79222"/>
+                        <a14:foregroundMark x1="46333" y1="58111" x2="47867" y2="79111"/>
+                        <a14:foregroundMark x1="47867" y1="79111" x2="49600" y2="76889"/>
+                        <a14:foregroundMark x1="51667" y1="56556" x2="33133" y2="75778"/>
+                      </a14:backgroundRemoval>
+                    </a14:imgEffect>
+                  </a14:imgLayer>
+                </a14:imgProps>
+              </a:ext>
+              <a:ext uri="{28A0092B-C50C-407E-A947-70E740481C1C}">
+                <a14:useLocalDpi xmlns:a14="http://schemas.microsoft.com/office/drawing/2010/main" val="0"/>
+              </a:ext>
+            </a:extLst>
+          </a:blip>
+          <a:stretch>
+            <a:fillRect/>
+          </a:stretch>
+        </p:blipFill>
+        <p:spPr>
+          <a:xfrm>
+            <a:off x="2168313" y="2726690"/>
+            <a:ext cx="4059767" cy="2435860"/>
+          </a:xfrm>
+          <a:prstGeom prst="rect">
+            <a:avLst/>
+          </a:prstGeom>
+        </p:spPr>
+      </p:pic>
+    </p:spTree>
+    <p:extLst>
+      <p:ext uri="{BB962C8B-B14F-4D97-AF65-F5344CB8AC3E}">
+        <p14:creationId xmlns:p14="http://schemas.microsoft.com/office/powerpoint/2010/main" val="3134967652"/>
+      </p:ext>
+    </p:extLst>
+  </p:cSld>
+  <p:clrMapOvr>
+    <a:masterClrMapping/>
+  </p:clrMapOvr>
+</p:sld>
+</file>
+
 <file path=ppt/slides/slide2.xml><?xml version="1.0" encoding="utf-8"?>
+<p:sld xmlns:a="http://schemas.openxmlformats.org/drawingml/2006/main" xmlns:r="http://schemas.openxmlformats.org/officeDocument/2006/relationships" xmlns:p="http://schemas.openxmlformats.org/presentationml/2006/main">
+  <p:cSld>
+    <p:spTree>
+      <p:nvGrpSpPr>
+        <p:cNvPr id="1" name=""/>
+        <p:cNvGrpSpPr/>
+        <p:nvPr/>
+      </p:nvGrpSpPr>
+      <p:grpSpPr>
+        <a:xfrm>
+          <a:off x="0" y="0"/>
+          <a:ext cx="0" cy="0"/>
+          <a:chOff x="0" y="0"/>
+          <a:chExt cx="0" cy="0"/>
+        </a:xfrm>
+      </p:grpSpPr>
+      <p:sp>
+        <p:nvSpPr>
+          <p:cNvPr id="4" name="Title 1">
+            <a:extLst>
+              <a:ext uri="{FF2B5EF4-FFF2-40B4-BE49-F238E27FC236}">
+                <a16:creationId xmlns:a16="http://schemas.microsoft.com/office/drawing/2014/main" id="{CFB97C70-F877-4F27-85D0-DA8B9023F974}"/>
+              </a:ext>
+            </a:extLst>
+          </p:cNvPr>
+          <p:cNvSpPr>
+            <a:spLocks noGrp="1"/>
+          </p:cNvSpPr>
+          <p:nvPr>
+            <p:ph type="title"/>
+          </p:nvPr>
+        </p:nvSpPr>
+        <p:spPr>
+          <a:xfrm>
+            <a:off x="838200" y="365125"/>
+            <a:ext cx="10515600" cy="1325563"/>
+          </a:xfrm>
+        </p:spPr>
+        <p:txBody>
+          <a:bodyPr/>
+          <a:lstStyle/>
+          <a:p>
+            <a:pPr algn="r"/>
+            <a:r>
+              <a:rPr lang="he-IL" b="1">
+                <a:latin typeface="Calibri Light" panose="020F0302020204030204" pitchFamily="34" charset="0"/>
+                <a:cs typeface="Calibri Light" panose="020F0302020204030204" pitchFamily="34" charset="0"/>
+              </a:rPr>
+              <a:t>מבוא:</a:t>
+            </a:r>
+            <a:endParaRPr lang="en-IL" b="1" dirty="0">
+              <a:latin typeface="Calibri Light" panose="020F0302020204030204" pitchFamily="34" charset="0"/>
+              <a:cs typeface="Calibri Light" panose="020F0302020204030204" pitchFamily="34" charset="0"/>
+            </a:endParaRPr>
+          </a:p>
+        </p:txBody>
+      </p:sp>
+      <p:sp>
+        <p:nvSpPr>
+          <p:cNvPr id="5" name="Content Placeholder 2">
+            <a:extLst>
+              <a:ext uri="{FF2B5EF4-FFF2-40B4-BE49-F238E27FC236}">
+                <a16:creationId xmlns:a16="http://schemas.microsoft.com/office/drawing/2014/main" id="{397F650B-3E32-4119-967F-5B1D6BBA8666}"/>
+              </a:ext>
+            </a:extLst>
+          </p:cNvPr>
+          <p:cNvSpPr>
+            <a:spLocks noGrp="1"/>
+          </p:cNvSpPr>
+          <p:nvPr>
+            <p:ph idx="1"/>
+          </p:nvPr>
+        </p:nvSpPr>
+        <p:spPr>
+          <a:xfrm>
+            <a:off x="838200" y="1825625"/>
+            <a:ext cx="10515600" cy="4351338"/>
+          </a:xfrm>
+        </p:spPr>
+        <p:txBody>
+          <a:bodyPr/>
+          <a:lstStyle/>
+          <a:p>
+            <a:pPr algn="r" rtl="1">
+              <a:buFont typeface="Wingdings" panose="05000000000000000000" pitchFamily="2" charset="2"/>
+              <a:buChar char="§"/>
+            </a:pPr>
+            <a:r>
+              <a:rPr lang="he-IL" dirty="0">
+                <a:latin typeface="Calibri" panose="020F0502020204030204" pitchFamily="34" charset="0"/>
+                <a:cs typeface="Calibri" panose="020F0502020204030204" pitchFamily="34" charset="0"/>
+              </a:rPr>
+              <a:t>בחירת מודל עבודה </a:t>
+            </a:r>
+            <a:r>
+              <a:rPr lang="en-US" dirty="0">
+                <a:latin typeface="Calibri" panose="020F0502020204030204" pitchFamily="34" charset="0"/>
+                <a:cs typeface="Calibri" panose="020F0502020204030204" pitchFamily="34" charset="0"/>
+              </a:rPr>
+              <a:t>EGOLESS</a:t>
+            </a:r>
+            <a:endParaRPr lang="he-IL" dirty="0">
+              <a:latin typeface="Calibri" panose="020F0502020204030204" pitchFamily="34" charset="0"/>
+              <a:cs typeface="Calibri" panose="020F0502020204030204" pitchFamily="34" charset="0"/>
+            </a:endParaRPr>
+          </a:p>
+          <a:p>
+            <a:pPr algn="r" rtl="1">
+              <a:buFont typeface="Wingdings" panose="05000000000000000000" pitchFamily="2" charset="2"/>
+              <a:buChar char="§"/>
+            </a:pPr>
+            <a:r>
+              <a:rPr lang="he-IL" dirty="0">
+                <a:latin typeface="Calibri" panose="020F0502020204030204" pitchFamily="34" charset="0"/>
+                <a:cs typeface="Calibri" panose="020F0502020204030204" pitchFamily="34" charset="0"/>
+              </a:rPr>
+              <a:t>ציפיות מהעבודה כצוות במודל</a:t>
+            </a:r>
+          </a:p>
+        </p:txBody>
+      </p:sp>
+      <p:pic>
+        <p:nvPicPr>
+          <p:cNvPr id="3" name="Picture 2" descr="A picture containing text&#10;&#10;Description automatically generated">
+            <a:extLst>
+              <a:ext uri="{FF2B5EF4-FFF2-40B4-BE49-F238E27FC236}">
+                <a16:creationId xmlns:a16="http://schemas.microsoft.com/office/drawing/2014/main" id="{C84B7E67-CECB-4104-85C6-CDCDF1FD3433}"/>
+              </a:ext>
+            </a:extLst>
+          </p:cNvPr>
+          <p:cNvPicPr>
+            <a:picLocks noChangeAspect="1"/>
+          </p:cNvPicPr>
+          <p:nvPr/>
+        </p:nvPicPr>
+        <p:blipFill>
+          <a:blip r:embed="rId2">
+            <a:extLst>
+              <a:ext uri="{28A0092B-C50C-407E-A947-70E740481C1C}">
+                <a14:useLocalDpi xmlns:a14="http://schemas.microsoft.com/office/drawing/2010/main" val="0"/>
+              </a:ext>
+            </a:extLst>
+          </a:blip>
+          <a:stretch>
+            <a:fillRect/>
+          </a:stretch>
+        </p:blipFill>
+        <p:spPr>
+          <a:xfrm>
+            <a:off x="2895594" y="3661508"/>
+            <a:ext cx="5669291" cy="1941732"/>
+          </a:xfrm>
+          <a:prstGeom prst="rect">
+            <a:avLst/>
+          </a:prstGeom>
+        </p:spPr>
+      </p:pic>
+    </p:spTree>
+    <p:extLst>
+      <p:ext uri="{BB962C8B-B14F-4D97-AF65-F5344CB8AC3E}">
+        <p14:creationId xmlns:p14="http://schemas.microsoft.com/office/powerpoint/2010/main" val="410134813"/>
+      </p:ext>
+    </p:extLst>
+  </p:cSld>
+  <p:clrMapOvr>
+    <a:masterClrMapping/>
+  </p:clrMapOvr>
+</p:sld>
+</file>
+
+<file path=ppt/slides/slide3.xml><?xml version="1.0" encoding="utf-8"?>
 <p:sld xmlns:a="http://schemas.openxmlformats.org/drawingml/2006/main" xmlns:r="http://schemas.openxmlformats.org/officeDocument/2006/relationships" xmlns:p="http://schemas.openxmlformats.org/presentationml/2006/main">
   <p:cSld>
     <p:spTree>
@@ -24463,7 +29062,7 @@
           <a:p>
             <a:pPr algn="r"/>
             <a:r>
-              <a:rPr lang="he-IL" b="1" dirty="0">
+              <a:rPr lang="he-IL" b="1">
                 <a:latin typeface="Calibri Light" panose="020F0302020204030204" pitchFamily="34" charset="0"/>
                 <a:cs typeface="Calibri Light" panose="020F0302020204030204" pitchFamily="34" charset="0"/>
               </a:rPr>
@@ -24559,7 +29158,7 @@
                 <a:latin typeface="Calibri" panose="020F0502020204030204" pitchFamily="34" charset="0"/>
                 <a:cs typeface="Calibri" panose="020F0502020204030204" pitchFamily="34" charset="0"/>
               </a:rPr>
-              <a:t>מנגנון בקרה נוסף (</a:t>
+              <a:t>הוספת מנגנון בקרה נוסף (</a:t>
             </a:r>
             <a:r>
               <a:rPr lang="en-US" dirty="0">
@@ -24582,6 +29181,216 @@
           </a:p>
         </p:txBody>
       </p:sp>
+      <p:pic>
+        <p:nvPicPr>
+          <p:cNvPr id="4" name="Picture 3" descr="A group of people standing around a logo&#10;&#10;Description automatically generated with low confidence">
+            <a:extLst>
+              <a:ext uri="{FF2B5EF4-FFF2-40B4-BE49-F238E27FC236}">
+                <a16:creationId xmlns:a16="http://schemas.microsoft.com/office/drawing/2014/main" id="{5CE05708-DF34-4262-9B37-31F94E6CC2CD}"/>
+              </a:ext>
+            </a:extLst>
+          </p:cNvPr>
+          <p:cNvPicPr>
+            <a:picLocks noChangeAspect="1"/>
+          </p:cNvPicPr>
+          <p:nvPr/>
+        </p:nvPicPr>
+        <p:blipFill>
+          <a:blip r:embed="rId2">
+            <a:extLst>
+              <a:ext uri="{BEBA8EAE-BF5A-486C-A8C5-ECC9F3942E4B}">
+                <a14:imgProps xmlns:a14="http://schemas.microsoft.com/office/drawing/2010/main">
+                  <a14:imgLayer r:embed="rId3">
+                    <a14:imgEffect>
+                      <a14:backgroundRemoval t="3927" b="99215" l="9692" r="89868">
+                        <a14:foregroundMark x1="51542" y1="7330" x2="51542" y2="7330"/>
+                        <a14:foregroundMark x1="50514" y1="10471" x2="50514" y2="10471"/>
+                        <a14:foregroundMark x1="50808" y1="7853" x2="50808" y2="7853"/>
+                        <a14:foregroundMark x1="43172" y1="25393" x2="43172" y2="25393"/>
+                        <a14:foregroundMark x1="35095" y1="40314" x2="35095" y2="40314"/>
+                        <a14:foregroundMark x1="33333" y1="41623" x2="33333" y2="41623"/>
+                        <a14:foregroundMark x1="33627" y1="45288" x2="33627" y2="45288"/>
+                        <a14:foregroundMark x1="33921" y1="43455" x2="34214" y2="47120"/>
+                        <a14:foregroundMark x1="34802" y1="47906" x2="34802" y2="47906"/>
+                        <a14:foregroundMark x1="35389" y1="46073" x2="36123" y2="46073"/>
+                        <a14:foregroundMark x1="35830" y1="47120" x2="35830" y2="47120"/>
+                        <a14:foregroundMark x1="32746" y1="41361" x2="32746" y2="41361"/>
+                        <a14:foregroundMark x1="33480" y1="45026" x2="33480" y2="45026"/>
+                        <a14:foregroundMark x1="32599" y1="42670" x2="32599" y2="42670"/>
+                        <a14:foregroundMark x1="33333" y1="44241" x2="33333" y2="44241"/>
+                        <a14:foregroundMark x1="33921" y1="40576" x2="33921" y2="40576"/>
+                        <a14:foregroundMark x1="33186" y1="41623" x2="33186" y2="41623"/>
+                        <a14:foregroundMark x1="33774" y1="40838" x2="33774" y2="40838"/>
+                        <a14:foregroundMark x1="34949" y1="39529" x2="34949" y2="39529"/>
+                        <a14:foregroundMark x1="35536" y1="40838" x2="35536" y2="40838"/>
+                        <a14:foregroundMark x1="35830" y1="42408" x2="35830" y2="42408"/>
+                        <a14:foregroundMark x1="36270" y1="44241" x2="36270" y2="44241"/>
+                        <a14:foregroundMark x1="36858" y1="46335" x2="36858" y2="46335"/>
+                        <a14:foregroundMark x1="36123" y1="42408" x2="36123" y2="42408"/>
+                        <a14:foregroundMark x1="36858" y1="45026" x2="36858" y2="45026"/>
+                        <a14:foregroundMark x1="26579" y1="68325" x2="26579" y2="68325"/>
+                        <a14:foregroundMark x1="23789" y1="89791" x2="23789" y2="89791"/>
+                        <a14:foregroundMark x1="21292" y1="94764" x2="21292" y2="94764"/>
+                        <a14:foregroundMark x1="21586" y1="96859" x2="21586" y2="96859"/>
+                        <a14:foregroundMark x1="28047" y1="88743" x2="28047" y2="88743"/>
+                        <a14:foregroundMark x1="28341" y1="93717" x2="28341" y2="93717"/>
+                        <a14:foregroundMark x1="28341" y1="95812" x2="28341" y2="95812"/>
+                        <a14:foregroundMark x1="28341" y1="97382" x2="28341" y2="97382"/>
+                        <a14:foregroundMark x1="28634" y1="95288" x2="28634" y2="95288"/>
+                        <a14:foregroundMark x1="28781" y1="97120" x2="28781" y2="97120"/>
+                        <a14:foregroundMark x1="21733" y1="96597" x2="21733" y2="96597"/>
+                        <a14:foregroundMark x1="23789" y1="96073" x2="23789" y2="96073"/>
+                        <a14:foregroundMark x1="21586" y1="98429" x2="25991" y2="98168"/>
+                        <a14:foregroundMark x1="22467" y1="96335" x2="30250" y2="96597"/>
+                        <a14:foregroundMark x1="30250" y1="96597" x2="22761" y2="99738"/>
+                        <a14:foregroundMark x1="22761" y1="99738" x2="23348" y2="96859"/>
+                        <a14:foregroundMark x1="20852" y1="95550" x2="20852" y2="95550"/>
+                        <a14:foregroundMark x1="20705" y1="97906" x2="20705" y2="97906"/>
+                        <a14:foregroundMark x1="20117" y1="97120" x2="20117" y2="97120"/>
+                        <a14:foregroundMark x1="19677" y1="96859" x2="19677" y2="96859"/>
+                        <a14:foregroundMark x1="60059" y1="98691" x2="60059" y2="98691"/>
+                        <a14:foregroundMark x1="60352" y1="97382" x2="60352" y2="97382"/>
+                        <a14:foregroundMark x1="61380" y1="97382" x2="61380" y2="97382"/>
+                        <a14:foregroundMark x1="61527" y1="97906" x2="61527" y2="97906"/>
+                        <a14:foregroundMark x1="61968" y1="98168" x2="62408" y2="98168"/>
+                        <a14:foregroundMark x1="63142" y1="98691" x2="63142" y2="98691"/>
+                        <a14:foregroundMark x1="63436" y1="98691" x2="63436" y2="98691"/>
+                        <a14:foregroundMark x1="63730" y1="98168" x2="63730" y2="98168"/>
+                        <a14:foregroundMark x1="64464" y1="97120" x2="64464" y2="97120"/>
+                        <a14:foregroundMark x1="64464" y1="97120" x2="64464" y2="97120"/>
+                        <a14:foregroundMark x1="59912" y1="95812" x2="59912" y2="95812"/>
+                        <a14:foregroundMark x1="59912" y1="96335" x2="59912" y2="96335"/>
+                        <a14:foregroundMark x1="59912" y1="96335" x2="59912" y2="96335"/>
+                        <a14:foregroundMark x1="59765" y1="96335" x2="59765" y2="96335"/>
+                        <a14:foregroundMark x1="59031" y1="96335" x2="59031" y2="96335"/>
+                        <a14:foregroundMark x1="59031" y1="96335" x2="59031" y2="96335"/>
+                        <a14:foregroundMark x1="58884" y1="96073" x2="58884" y2="96073"/>
+                        <a14:foregroundMark x1="58737" y1="96073" x2="58737" y2="96073"/>
+                        <a14:foregroundMark x1="58297" y1="96597" x2="58297" y2="96597"/>
+                        <a14:foregroundMark x1="58297" y1="96597" x2="58297" y2="96597"/>
+                        <a14:foregroundMark x1="59325" y1="97906" x2="59325" y2="97906"/>
+                        <a14:foregroundMark x1="58590" y1="97120" x2="58590" y2="97120"/>
+                        <a14:foregroundMark x1="58297" y1="97120" x2="58297" y2="97120"/>
+                        <a14:foregroundMark x1="58150" y1="97120" x2="58150" y2="97120"/>
+                        <a14:foregroundMark x1="58150" y1="97644" x2="58150" y2="97644"/>
+                        <a14:foregroundMark x1="70044" y1="90838" x2="70044" y2="90838"/>
+                        <a14:foregroundMark x1="70485" y1="91623" x2="70485" y2="91623"/>
+                        <a14:foregroundMark x1="70631" y1="91885" x2="70631" y2="91885"/>
+                        <a14:foregroundMark x1="71072" y1="91885" x2="71072" y2="91885"/>
+                        <a14:foregroundMark x1="71219" y1="91885" x2="71219" y2="91885"/>
+                        <a14:foregroundMark x1="71366" y1="91885" x2="71366" y2="91885"/>
+                        <a14:foregroundMark x1="71659" y1="86911" x2="71659" y2="86911"/>
+                        <a14:foregroundMark x1="72394" y1="85340" x2="72394" y2="85340"/>
+                        <a14:foregroundMark x1="72394" y1="88220" x2="72394" y2="88220"/>
+                        <a14:foregroundMark x1="70925" y1="84031" x2="70925" y2="86649"/>
+                        <a14:foregroundMark x1="70925" y1="86649" x2="70044" y2="88220"/>
+                        <a14:foregroundMark x1="69750" y1="88220" x2="69750" y2="88220"/>
+                        <a14:foregroundMark x1="71366" y1="91885" x2="71366" y2="91885"/>
+                        <a14:foregroundMark x1="69750" y1="92932" x2="69310" y2="92408"/>
+                        <a14:foregroundMark x1="69016" y1="91885" x2="69016" y2="91885"/>
+                        <a14:foregroundMark x1="69016" y1="91361" x2="69016" y2="91361"/>
+                        <a14:foregroundMark x1="70631" y1="91885" x2="70925" y2="92670"/>
+                        <a14:foregroundMark x1="71366" y1="94241" x2="71366" y2="94241"/>
+                        <a14:foregroundMark x1="71366" y1="94241" x2="71366" y2="94241"/>
+                        <a14:foregroundMark x1="71953" y1="93717" x2="72247" y2="92670"/>
+                        <a14:foregroundMark x1="72394" y1="91885" x2="72394" y2="91885"/>
+                        <a14:foregroundMark x1="72394" y1="91885" x2="73128" y2="91623"/>
+                        <a14:foregroundMark x1="73275" y1="91623" x2="73275" y2="91623"/>
+                        <a14:foregroundMark x1="73421" y1="92408" x2="73568" y2="93455"/>
+                        <a14:foregroundMark x1="73568" y1="93455" x2="73568" y2="93455"/>
+                        <a14:foregroundMark x1="73568" y1="93455" x2="73568" y2="93455"/>
+                        <a14:foregroundMark x1="72687" y1="88482" x2="73421" y2="91361"/>
+                        <a14:foregroundMark x1="73568" y1="91623" x2="73568" y2="91623"/>
+                        <a14:foregroundMark x1="74302" y1="92147" x2="74302" y2="92147"/>
+                        <a14:foregroundMark x1="74302" y1="92147" x2="74302" y2="92147"/>
+                        <a14:foregroundMark x1="74449" y1="92932" x2="74449" y2="92932"/>
+                        <a14:foregroundMark x1="74449" y1="93455" x2="74449" y2="93455"/>
+                        <a14:foregroundMark x1="74449" y1="94241" x2="74449" y2="94241"/>
+                        <a14:foregroundMark x1="73568" y1="94764" x2="72540" y2="94241"/>
+                        <a14:foregroundMark x1="72540" y1="94241" x2="68869" y2="94241"/>
+                        <a14:foregroundMark x1="68722" y1="93979" x2="68429" y2="92932"/>
+                        <a14:foregroundMark x1="68282" y1="92147" x2="68429" y2="93455"/>
+                        <a14:foregroundMark x1="68576" y1="93979" x2="70631" y2="99476"/>
+                        <a14:foregroundMark x1="70631" y1="99476" x2="70631" y2="99476"/>
+                        <a14:foregroundMark x1="76799" y1="51832" x2="76799" y2="51832"/>
+                        <a14:foregroundMark x1="75330" y1="49215" x2="75330" y2="51047"/>
+                        <a14:foregroundMark x1="75184" y1="51309" x2="74596" y2="51832"/>
+                        <a14:foregroundMark x1="73421" y1="51309" x2="73421" y2="51309"/>
+                        <a14:foregroundMark x1="75771" y1="43979" x2="76358" y2="45288"/>
+                        <a14:foregroundMark x1="77093" y1="46859" x2="74449" y2="52356"/>
+                        <a14:foregroundMark x1="74743" y1="47906" x2="74743" y2="47906"/>
+                        <a14:foregroundMark x1="74743" y1="47906" x2="74743" y2="50262"/>
+                        <a14:foregroundMark x1="74743" y1="51571" x2="74743" y2="51571"/>
+                        <a14:foregroundMark x1="74743" y1="51571" x2="74743" y2="51571"/>
+                        <a14:foregroundMark x1="75624" y1="52880" x2="72540" y2="47120"/>
+                        <a14:foregroundMark x1="76211" y1="44503" x2="76211" y2="44503"/>
+                        <a14:foregroundMark x1="77386" y1="44764" x2="77386" y2="44764"/>
+                        <a14:foregroundMark x1="77386" y1="43194" x2="77386" y2="43194"/>
+                        <a14:foregroundMark x1="66814" y1="6021" x2="66814" y2="6021"/>
+                        <a14:foregroundMark x1="65786" y1="10733" x2="65786" y2="10733"/>
+                        <a14:foregroundMark x1="66373" y1="8639" x2="66373" y2="8639"/>
+                        <a14:foregroundMark x1="67254" y1="8115" x2="67254" y2="8115"/>
+                        <a14:foregroundMark x1="67401" y1="6545" x2="67401" y2="6545"/>
+                        <a14:foregroundMark x1="67401" y1="5236" x2="67401" y2="5236"/>
+                        <a14:foregroundMark x1="66960" y1="6021" x2="66960" y2="6021"/>
+                        <a14:foregroundMark x1="67254" y1="4712" x2="67254" y2="4712"/>
+                        <a14:foregroundMark x1="61087" y1="3927" x2="61087" y2="3927"/>
+                        <a14:foregroundMark x1="61821" y1="8901" x2="61821" y2="8901"/>
+                        <a14:foregroundMark x1="62408" y1="10995" x2="62408" y2="10995"/>
+                        <a14:foregroundMark x1="62555" y1="11257" x2="62555" y2="11257"/>
+                        <a14:foregroundMark x1="62261" y1="8901" x2="62261" y2="8901"/>
+                        <a14:foregroundMark x1="62261" y1="10471" x2="62261" y2="10471"/>
+                        <a14:foregroundMark x1="61968" y1="9424" x2="61968" y2="9424"/>
+                        <a14:foregroundMark x1="61674" y1="8115" x2="61674" y2="8115"/>
+                        <a14:foregroundMark x1="61527" y1="7592" x2="61527" y2="7592"/>
+                        <a14:foregroundMark x1="61380" y1="7068" x2="61380" y2="7068"/>
+                        <a14:foregroundMark x1="60940" y1="6021" x2="60940" y2="6021"/>
+                        <a14:foregroundMark x1="60940" y1="6021" x2="60940" y2="6021"/>
+                        <a14:foregroundMark x1="61087" y1="5497" x2="61087" y2="5497"/>
+                        <a14:foregroundMark x1="60793" y1="4712" x2="60793" y2="4712"/>
+                        <a14:foregroundMark x1="60940" y1="4712" x2="60940" y2="4712"/>
+                        <a14:foregroundMark x1="60352" y1="4974" x2="60352" y2="4974"/>
+                        <a14:foregroundMark x1="60352" y1="4974" x2="60352" y2="4974"/>
+                        <a14:foregroundMark x1="60793" y1="5236" x2="60793" y2="5236"/>
+                        <a14:foregroundMark x1="61380" y1="7330" x2="61527" y2="8639"/>
+                        <a14:foregroundMark x1="62408" y1="9686" x2="62408" y2="9686"/>
+                        <a14:foregroundMark x1="62555" y1="10471" x2="62996" y2="11257"/>
+                        <a14:foregroundMark x1="66814" y1="8115" x2="66814" y2="8115"/>
+                        <a14:foregroundMark x1="66226" y1="8639" x2="66226" y2="9424"/>
+                        <a14:foregroundMark x1="66226" y1="9424" x2="66226" y2="9424"/>
+                        <a14:foregroundMark x1="70044" y1="84817" x2="70044" y2="84817"/>
+                        <a14:foregroundMark x1="69604" y1="85864" x2="69604" y2="85864"/>
+                        <a14:foregroundMark x1="69457" y1="86126" x2="69310" y2="86911"/>
+                        <a14:foregroundMark x1="68429" y1="85602" x2="68429" y2="85602"/>
+                        <a14:foregroundMark x1="72687" y1="83508" x2="72687" y2="83508"/>
+                        <a14:foregroundMark x1="72687" y1="82723" x2="72687" y2="82723"/>
+                        <a14:foregroundMark x1="72687" y1="81937" x2="72687" y2="81937"/>
+                        <a14:foregroundMark x1="72981" y1="81414" x2="72981" y2="81414"/>
+                        <a14:foregroundMark x1="73421" y1="82723" x2="72981" y2="89529"/>
+                      </a14:backgroundRemoval>
+                    </a14:imgEffect>
+                  </a14:imgLayer>
+                </a14:imgProps>
+              </a:ext>
+              <a:ext uri="{28A0092B-C50C-407E-A947-70E740481C1C}">
+                <a14:useLocalDpi xmlns:a14="http://schemas.microsoft.com/office/drawing/2010/main" val="0"/>
+              </a:ext>
+            </a:extLst>
+          </a:blip>
+          <a:stretch>
+            <a:fillRect/>
+          </a:stretch>
+        </p:blipFill>
+        <p:spPr>
+          <a:xfrm>
+            <a:off x="417354" y="2978785"/>
+            <a:ext cx="5357812" cy="3005410"/>
+          </a:xfrm>
+          <a:prstGeom prst="rect">
+            <a:avLst/>
+          </a:prstGeom>
+        </p:spPr>
+      </p:pic>
     </p:spTree>
     <p:extLst>
       <p:ext uri="{BB962C8B-B14F-4D97-AF65-F5344CB8AC3E}">
@@ -24595,7 +29404,7 @@
 </p:sld>
 </file>
 
-<file path=ppt/slides/slide3.xml><?xml version="1.0" encoding="utf-8"?>
+<file path=ppt/slides/slide4.xml><?xml version="1.0" encoding="utf-8"?>
 <p:sld xmlns:a="http://schemas.openxmlformats.org/drawingml/2006/main" xmlns:r="http://schemas.openxmlformats.org/officeDocument/2006/relationships" xmlns:p="http://schemas.openxmlformats.org/presentationml/2006/main">
   <p:cSld>
     <p:spTree>
@@ -24745,7 +29554,7 @@
 </p:sld>
 </file>
 
-<file path=ppt/slides/slide4.xml><?xml version="1.0" encoding="utf-8"?>
+<file path=ppt/slides/slide5.xml><?xml version="1.0" encoding="utf-8"?>
 <p:sld xmlns:a="http://schemas.openxmlformats.org/drawingml/2006/main" xmlns:r="http://schemas.openxmlformats.org/officeDocument/2006/relationships" xmlns:p="http://schemas.openxmlformats.org/presentationml/2006/main">
   <p:cSld>
     <p:spTree>
@@ -24831,7 +29640,7 @@
                 <a:latin typeface="Calibri" panose="020F0502020204030204" pitchFamily="34" charset="0"/>
                 <a:cs typeface="Calibri" panose="020F0502020204030204" pitchFamily="34" charset="0"/>
               </a:rPr>
-              <a:t>חלקות משימות</a:t>
+              <a:t>חלוקת משימות</a:t>
             </a:r>
           </a:p>
           <a:p>
@@ -24887,7 +29696,7 @@
                 <a:latin typeface="Calibri Light" panose="020F0302020204030204" pitchFamily="34" charset="0"/>
                 <a:cs typeface="Calibri Light" panose="020F0302020204030204" pitchFamily="34" charset="0"/>
               </a:rPr>
-              <a:t>שאלות שהועלו להחלטה</a:t>
+              <a:t>שאלות שהועלו להחלטה:</a:t>
             </a:r>
             <a:endParaRPr lang="en-IL" b="1" dirty="0">
               <a:latin typeface="Calibri Light" panose="020F0302020204030204" pitchFamily="34" charset="0"/>
@@ -24896,6 +29705,81 @@
           </a:p>
         </p:txBody>
       </p:sp>
+      <p:pic>
+        <p:nvPicPr>
+          <p:cNvPr id="5" name="Picture 4" descr="A picture containing text, vector graphics&#10;&#10;Description automatically generated">
+            <a:extLst>
+              <a:ext uri="{FF2B5EF4-FFF2-40B4-BE49-F238E27FC236}">
+                <a16:creationId xmlns:a16="http://schemas.microsoft.com/office/drawing/2014/main" id="{3073EF4D-6F7D-485E-8748-9C497DBFB544}"/>
+              </a:ext>
+            </a:extLst>
+          </p:cNvPr>
+          <p:cNvPicPr>
+            <a:picLocks noChangeAspect="1"/>
+          </p:cNvPicPr>
+          <p:nvPr/>
+        </p:nvPicPr>
+        <p:blipFill>
+          <a:blip r:embed="rId2">
+            <a:extLst>
+              <a:ext uri="{BEBA8EAE-BF5A-486C-A8C5-ECC9F3942E4B}">
+                <a14:imgProps xmlns:a14="http://schemas.microsoft.com/office/drawing/2010/main">
+                  <a14:imgLayer r:embed="rId3">
+                    <a14:imgEffect>
+                      <a14:backgroundRemoval t="9730" b="92973" l="9559" r="89706">
+                        <a14:foregroundMark x1="32353" y1="20000" x2="32353" y2="20000"/>
+                        <a14:foregroundMark x1="36397" y1="18378" x2="36397" y2="18378"/>
+                        <a14:foregroundMark x1="25735" y1="38378" x2="25735" y2="38378"/>
+                        <a14:foregroundMark x1="18750" y1="34054" x2="18750" y2="34054"/>
+                        <a14:foregroundMark x1="20956" y1="91351" x2="20956" y2="91351"/>
+                        <a14:foregroundMark x1="30147" y1="92973" x2="30147" y2="92973"/>
+                        <a14:foregroundMark x1="45956" y1="65946" x2="45956" y2="65946"/>
+                        <a14:foregroundMark x1="40441" y1="56757" x2="40441" y2="56757"/>
+                        <a14:foregroundMark x1="44118" y1="32432" x2="44118" y2="32432"/>
+                        <a14:foregroundMark x1="26103" y1="29730" x2="26103" y2="29730"/>
+                        <a14:foregroundMark x1="51838" y1="23784" x2="51838" y2="23784"/>
+                        <a14:foregroundMark x1="55882" y1="33514" x2="55882" y2="33514"/>
+                        <a14:foregroundMark x1="59926" y1="36216" x2="59926" y2="36216"/>
+                        <a14:foregroundMark x1="63235" y1="92973" x2="63235" y2="92973"/>
+                        <a14:foregroundMark x1="56250" y1="90270" x2="56250" y2="90270"/>
+                        <a14:foregroundMark x1="79412" y1="32973" x2="79412" y2="32973"/>
+                        <a14:foregroundMark x1="71324" y1="47568" x2="71324" y2="47568"/>
+                        <a14:foregroundMark x1="78676" y1="92973" x2="78676" y2="92973"/>
+                        <a14:foregroundMark x1="47794" y1="89730" x2="47794" y2="89730"/>
+                        <a14:foregroundMark x1="38603" y1="89189" x2="38603" y2="89189"/>
+                        <a14:foregroundMark x1="43750" y1="34054" x2="43750" y2="34054"/>
+                        <a14:foregroundMark x1="48162" y1="52973" x2="48162" y2="52973"/>
+                        <a14:foregroundMark x1="77574" y1="88649" x2="77574" y2="88649"/>
+                        <a14:foregroundMark x1="20221" y1="89189" x2="20221" y2="89189"/>
+                        <a14:foregroundMark x1="63971" y1="87568" x2="63971" y2="87568"/>
+                        <a14:foregroundMark x1="62868" y1="89189" x2="62868" y2="89189"/>
+                        <a14:foregroundMark x1="22794" y1="29189" x2="22794" y2="29189"/>
+                        <a14:foregroundMark x1="71324" y1="51351" x2="71324" y2="51351"/>
+                        <a14:foregroundMark x1="36765" y1="14054" x2="36765" y2="14054"/>
+                      </a14:backgroundRemoval>
+                    </a14:imgEffect>
+                  </a14:imgLayer>
+                </a14:imgProps>
+              </a:ext>
+              <a:ext uri="{28A0092B-C50C-407E-A947-70E740481C1C}">
+                <a14:useLocalDpi xmlns:a14="http://schemas.microsoft.com/office/drawing/2010/main" val="0"/>
+              </a:ext>
+            </a:extLst>
+          </a:blip>
+          <a:stretch>
+            <a:fillRect/>
+          </a:stretch>
+        </p:blipFill>
+        <p:spPr>
+          <a:xfrm>
+            <a:off x="2714625" y="2149157"/>
+            <a:ext cx="3049905" cy="2074384"/>
+          </a:xfrm>
+          <a:prstGeom prst="rect">
+            <a:avLst/>
+          </a:prstGeom>
+        </p:spPr>
+      </p:pic>
     </p:spTree>
     <p:extLst>
       <p:ext uri="{BB962C8B-B14F-4D97-AF65-F5344CB8AC3E}">
@@ -24909,7 +29793,7 @@
 </p:sld>
 </file>
 
-<file path=ppt/slides/slide5.xml><?xml version="1.0" encoding="utf-8"?>
+<file path=ppt/slides/slide6.xml><?xml version="1.0" encoding="utf-8"?>
 <p:sld xmlns:a="http://schemas.openxmlformats.org/drawingml/2006/main" xmlns:r="http://schemas.openxmlformats.org/officeDocument/2006/relationships" xmlns:p="http://schemas.openxmlformats.org/presentationml/2006/main">
   <p:cSld>
     <p:spTree>
@@ -25042,7 +29926,7 @@
                 <a:latin typeface="Calibri" panose="020F0502020204030204" pitchFamily="34" charset="0"/>
                 <a:cs typeface="Calibri" panose="020F0502020204030204" pitchFamily="34" charset="0"/>
               </a:rPr>
-              <a:t>שותפות</a:t>
+              <a:t>שיתופיות</a:t>
             </a:r>
           </a:p>
           <a:p>
@@ -25092,7 +29976,7 @@
 </p:sld>
 </file>
 
-<file path=ppt/slides/slide6.xml><?xml version="1.0" encoding="utf-8"?>
+<file path=ppt/slides/slide7.xml><?xml version="1.0" encoding="utf-8"?>
 <p:sld xmlns:a="http://schemas.openxmlformats.org/drawingml/2006/main" xmlns:r="http://schemas.openxmlformats.org/officeDocument/2006/relationships" xmlns:p="http://schemas.openxmlformats.org/presentationml/2006/main">
   <p:cSld>
     <p:spTree>
@@ -25282,7 +30166,7 @@
 </p:sld>
 </file>
 
-<file path=ppt/slides/slide7.xml><?xml version="1.0" encoding="utf-8"?>
+<file path=ppt/slides/slide8.xml><?xml version="1.0" encoding="utf-8"?>
 <p:sld xmlns:a="http://schemas.openxmlformats.org/drawingml/2006/main" xmlns:r="http://schemas.openxmlformats.org/officeDocument/2006/relationships" xmlns:p="http://schemas.openxmlformats.org/presentationml/2006/main">
   <p:cSld>
     <p:spTree>
@@ -25315,10 +30199,24 @@
             <p:ph idx="1"/>
           </p:nvPr>
         </p:nvSpPr>
-        <p:spPr/>
+        <p:spPr>
+          <a:xfrm>
+            <a:off x="838200" y="1397000"/>
+            <a:ext cx="10515600" cy="4351338"/>
+          </a:xfrm>
+        </p:spPr>
         <p:txBody>
           <a:bodyPr/>
           <a:lstStyle/>
+          <a:p>
+            <a:pPr marL="0" indent="0" algn="r" rtl="1">
+              <a:buNone/>
+            </a:pPr>
+            <a:endParaRPr lang="he-IL" dirty="0">
+              <a:latin typeface="Calibri" panose="020F0502020204030204" pitchFamily="34" charset="0"/>
+              <a:cs typeface="Calibri" panose="020F0502020204030204" pitchFamily="34" charset="0"/>
+            </a:endParaRPr>
+          </a:p>
           <a:p>
             <a:pPr algn="r" rtl="1">
               <a:buFont typeface="Wingdings" panose="05000000000000000000" pitchFamily="2" charset="2"/>
@@ -25329,21 +30227,7 @@
                 <a:latin typeface="Calibri" panose="020F0502020204030204" pitchFamily="34" charset="0"/>
                 <a:cs typeface="Calibri" panose="020F0502020204030204" pitchFamily="34" charset="0"/>
               </a:rPr>
-              <a:t>אפיון הגדרת עבודת צוות כמאפיין קבוע</a:t>
-            </a:r>
-            <a:r>
-              <a:rPr lang="en-US" dirty="0">
-                <a:latin typeface="Calibri" panose="020F0502020204030204" pitchFamily="34" charset="0"/>
-                <a:cs typeface="Calibri" panose="020F0502020204030204" pitchFamily="34" charset="0"/>
-              </a:rPr>
-              <a:t>)</a:t>
-            </a:r>
-            <a:r>
-              <a:rPr lang="he-IL" dirty="0">
-                <a:latin typeface="Calibri" panose="020F0502020204030204" pitchFamily="34" charset="0"/>
-                <a:cs typeface="Calibri" panose="020F0502020204030204" pitchFamily="34" charset="0"/>
-              </a:rPr>
-              <a:t>שיוויון בנטל)</a:t>
+              <a:t>חלוקת משימות מראש מונעת התנגשות בעבודה</a:t>
             </a:r>
           </a:p>
           <a:p>
@@ -25356,7 +30240,7 @@
                 <a:latin typeface="Calibri" panose="020F0502020204030204" pitchFamily="34" charset="0"/>
                 <a:cs typeface="Calibri" panose="020F0502020204030204" pitchFamily="34" charset="0"/>
               </a:rPr>
-              <a:t>חלוקה ותרומה שיוויונית בין חברי הצוות</a:t>
+              <a:t>חלוקה לצוותים קטנים ומוגדרים תורמת לתפוקה גבוהה</a:t>
             </a:r>
           </a:p>
           <a:p>
@@ -25369,12 +30253,8 @@
                 <a:latin typeface="Calibri" panose="020F0502020204030204" pitchFamily="34" charset="0"/>
                 <a:cs typeface="Calibri" panose="020F0502020204030204" pitchFamily="34" charset="0"/>
               </a:rPr>
-              <a:t>חזון להצלחה כהצלחת הצוות(הצלחת הצוות היא ההצלחה שלך)</a:t>
+              <a:t>פתיחות ושיח פעיל בין חברי הצוות תורם למניעת קונפליקטים</a:t>
             </a:r>
-            <a:endParaRPr lang="en-IL" dirty="0">
-              <a:latin typeface="Calibri" panose="020F0502020204030204" pitchFamily="34" charset="0"/>
-              <a:cs typeface="Calibri" panose="020F0502020204030204" pitchFamily="34" charset="0"/>
-            </a:endParaRPr>
           </a:p>
         </p:txBody>
       </p:sp>
@@ -25410,7 +30290,7 @@
                 <a:latin typeface="Calibri Light" panose="020F0302020204030204" pitchFamily="34" charset="0"/>
                 <a:cs typeface="Calibri Light" panose="020F0302020204030204" pitchFamily="34" charset="0"/>
               </a:rPr>
-              <a:t>תובנה קבוצתית</a:t>
+              <a:t>תובנה קבוצתית:</a:t>
             </a:r>
             <a:endParaRPr lang="en-IL" b="1" dirty="0">
               <a:latin typeface="Calibri Light" panose="020F0302020204030204" pitchFamily="34" charset="0"/>
@@ -25432,7 +30312,7 @@
 </p:sld>
 </file>
 
-<file path=ppt/slides/slide8.xml><?xml version="1.0" encoding="utf-8"?>
+<file path=ppt/slides/slide9.xml><?xml version="1.0" encoding="utf-8"?>
 <p:sld xmlns:a="http://schemas.openxmlformats.org/drawingml/2006/main" xmlns:r="http://schemas.openxmlformats.org/officeDocument/2006/relationships" xmlns:p="http://schemas.openxmlformats.org/presentationml/2006/main">
   <p:cSld>
     <p:spTree>
@@ -25538,6 +30418,13 @@
           <a:p>
             <a:pPr algn="r"/>
             <a:r>
+              <a:rPr lang="he-IL" b="1" dirty="0">
+                <a:latin typeface="Calibri Light" panose="020F0302020204030204" pitchFamily="34" charset="0"/>
+                <a:cs typeface="Calibri Light" panose="020F0302020204030204" pitchFamily="34" charset="0"/>
+              </a:rPr>
+              <a:t>:</a:t>
+            </a:r>
+            <a:r>
               <a:rPr lang="en-US" b="1" dirty="0">
                 <a:latin typeface="Calibri Light" panose="020F0302020204030204" pitchFamily="34" charset="0"/>
                 <a:cs typeface="Calibri Light" panose="020F0302020204030204" pitchFamily="34" charset="0"/>
@@ -25562,171 +30449,6 @@
     <p:extLst>
       <p:ext uri="{BB962C8B-B14F-4D97-AF65-F5344CB8AC3E}">
         <p14:creationId xmlns:p14="http://schemas.microsoft.com/office/powerpoint/2010/main" val="2974780244"/>
-      </p:ext>
-    </p:extLst>
-  </p:cSld>
-  <p:clrMapOvr>
-    <a:masterClrMapping/>
-  </p:clrMapOvr>
-</p:sld>
-</file>
-
-<file path=ppt/slides/slide9.xml><?xml version="1.0" encoding="utf-8"?>
-<p:sld xmlns:a="http://schemas.openxmlformats.org/drawingml/2006/main" xmlns:r="http://schemas.openxmlformats.org/officeDocument/2006/relationships" xmlns:p="http://schemas.openxmlformats.org/presentationml/2006/main">
-  <p:cSld>
-    <p:spTree>
-      <p:nvGrpSpPr>
-        <p:cNvPr id="1" name=""/>
-        <p:cNvGrpSpPr/>
-        <p:nvPr/>
-      </p:nvGrpSpPr>
-      <p:grpSpPr>
-        <a:xfrm>
-          <a:off x="0" y="0"/>
-          <a:ext cx="0" cy="0"/>
-          <a:chOff x="0" y="0"/>
-          <a:chExt cx="0" cy="0"/>
-        </a:xfrm>
-      </p:grpSpPr>
-      <p:sp>
-        <p:nvSpPr>
-          <p:cNvPr id="3" name="Content Placeholder 2">
-            <a:extLst>
-              <a:ext uri="{FF2B5EF4-FFF2-40B4-BE49-F238E27FC236}">
-                <a16:creationId xmlns:a16="http://schemas.microsoft.com/office/drawing/2014/main" id="{5298B964-F4F3-401F-9764-828761361257}"/>
-              </a:ext>
-            </a:extLst>
-          </p:cNvPr>
-          <p:cNvSpPr>
-            <a:spLocks noGrp="1"/>
-          </p:cNvSpPr>
-          <p:nvPr>
-            <p:ph idx="1"/>
-          </p:nvPr>
-        </p:nvSpPr>
-        <p:spPr/>
-        <p:txBody>
-          <a:bodyPr/>
-          <a:lstStyle/>
-          <a:p>
-            <a:pPr algn="r" rtl="1">
-              <a:buFont typeface="Wingdings" panose="05000000000000000000" pitchFamily="2" charset="2"/>
-              <a:buChar char="§"/>
-            </a:pPr>
-            <a:r>
-              <a:rPr lang="en-US" dirty="0">
-                <a:latin typeface="Calibri" panose="020F0502020204030204" pitchFamily="34" charset="0"/>
-                <a:cs typeface="Calibri" panose="020F0502020204030204" pitchFamily="34" charset="0"/>
-              </a:rPr>
-              <a:t>GIT</a:t>
-            </a:r>
-            <a:endParaRPr lang="he-IL" dirty="0">
-              <a:latin typeface="Calibri" panose="020F0502020204030204" pitchFamily="34" charset="0"/>
-              <a:cs typeface="Calibri" panose="020F0502020204030204" pitchFamily="34" charset="0"/>
-            </a:endParaRPr>
-          </a:p>
-          <a:p>
-            <a:pPr algn="r" rtl="1">
-              <a:buFont typeface="Wingdings" panose="05000000000000000000" pitchFamily="2" charset="2"/>
-              <a:buChar char="§"/>
-            </a:pPr>
-            <a:r>
-              <a:rPr lang="he-IL" dirty="0">
-                <a:latin typeface="Calibri" panose="020F0502020204030204" pitchFamily="34" charset="0"/>
-                <a:cs typeface="Calibri" panose="020F0502020204030204" pitchFamily="34" charset="0"/>
-              </a:rPr>
-              <a:t>קפה </a:t>
-            </a:r>
-            <a:r>
-              <a:rPr lang="he-IL" dirty="0">
-                <a:latin typeface="Calibri" panose="020F0502020204030204" pitchFamily="34" charset="0"/>
-                <a:cs typeface="Calibri" panose="020F0502020204030204" pitchFamily="34" charset="0"/>
-                <a:sym typeface="Wingdings" panose="05000000000000000000" pitchFamily="2" charset="2"/>
-              </a:rPr>
-              <a:t></a:t>
-            </a:r>
-            <a:endParaRPr lang="he-IL" dirty="0">
-              <a:latin typeface="Calibri" panose="020F0502020204030204" pitchFamily="34" charset="0"/>
-              <a:cs typeface="Calibri" panose="020F0502020204030204" pitchFamily="34" charset="0"/>
-            </a:endParaRPr>
-          </a:p>
-          <a:p>
-            <a:pPr algn="r" rtl="1">
-              <a:buFont typeface="Wingdings" panose="05000000000000000000" pitchFamily="2" charset="2"/>
-              <a:buChar char="§"/>
-            </a:pPr>
-            <a:r>
-              <a:rPr lang="en-US" dirty="0">
-                <a:latin typeface="Calibri" panose="020F0502020204030204" pitchFamily="34" charset="0"/>
-                <a:cs typeface="Calibri" panose="020F0502020204030204" pitchFamily="34" charset="0"/>
-              </a:rPr>
-              <a:t>JIRA</a:t>
-            </a:r>
-          </a:p>
-          <a:p>
-            <a:pPr algn="r" rtl="1">
-              <a:buFont typeface="Wingdings" panose="05000000000000000000" pitchFamily="2" charset="2"/>
-              <a:buChar char="§"/>
-            </a:pPr>
-            <a:r>
-              <a:rPr lang="en-US" dirty="0">
-                <a:latin typeface="Calibri" panose="020F0502020204030204" pitchFamily="34" charset="0"/>
-                <a:cs typeface="Calibri" panose="020F0502020204030204" pitchFamily="34" charset="0"/>
-              </a:rPr>
-              <a:t>DISCORD</a:t>
-            </a:r>
-            <a:endParaRPr lang="en-IL" dirty="0">
-              <a:latin typeface="Calibri" panose="020F0502020204030204" pitchFamily="34" charset="0"/>
-              <a:cs typeface="Calibri" panose="020F0502020204030204" pitchFamily="34" charset="0"/>
-            </a:endParaRPr>
-          </a:p>
-        </p:txBody>
-      </p:sp>
-      <p:sp>
-        <p:nvSpPr>
-          <p:cNvPr id="4" name="Title 1">
-            <a:extLst>
-              <a:ext uri="{FF2B5EF4-FFF2-40B4-BE49-F238E27FC236}">
-                <a16:creationId xmlns:a16="http://schemas.microsoft.com/office/drawing/2014/main" id="{511959C7-C2C9-4A90-98AA-83FFA469C706}"/>
-              </a:ext>
-            </a:extLst>
-          </p:cNvPr>
-          <p:cNvSpPr>
-            <a:spLocks noGrp="1"/>
-          </p:cNvSpPr>
-          <p:nvPr>
-            <p:ph type="title"/>
-          </p:nvPr>
-        </p:nvSpPr>
-        <p:spPr>
-          <a:xfrm>
-            <a:off x="838200" y="365125"/>
-            <a:ext cx="10515600" cy="1325563"/>
-          </a:xfrm>
-        </p:spPr>
-        <p:txBody>
-          <a:bodyPr/>
-          <a:lstStyle/>
-          <a:p>
-            <a:pPr algn="r"/>
-            <a:r>
-              <a:rPr lang="he-IL" b="1" dirty="0">
-                <a:latin typeface="Calibri Light" panose="020F0302020204030204" pitchFamily="34" charset="0"/>
-                <a:cs typeface="Calibri Light" panose="020F0302020204030204" pitchFamily="34" charset="0"/>
-              </a:rPr>
-              <a:t>כלים שימושיים לעבודת צוות</a:t>
-            </a:r>
-            <a:endParaRPr lang="en-IL" b="1" dirty="0">
-              <a:latin typeface="Calibri Light" panose="020F0302020204030204" pitchFamily="34" charset="0"/>
-              <a:cs typeface="Calibri Light" panose="020F0302020204030204" pitchFamily="34" charset="0"/>
-            </a:endParaRPr>
-          </a:p>
-        </p:txBody>
-      </p:sp>
-    </p:spTree>
-    <p:extLst>
-      <p:ext uri="{BB962C8B-B14F-4D97-AF65-F5344CB8AC3E}">
-        <p14:creationId xmlns:p14="http://schemas.microsoft.com/office/powerpoint/2010/main" val="2666085919"/>
       </p:ext>
     </p:extLst>
   </p:cSld>
